--- a/Introduction to Arduino.pptx
+++ b/Introduction to Arduino.pptx
@@ -6,23 +6,52 @@
   </p:sldMasterIdLst>
   <p:sldIdLst>
     <p:sldId id="256" r:id="rId2"/>
-    <p:sldId id="257" r:id="rId3"/>
-    <p:sldId id="258" r:id="rId4"/>
-    <p:sldId id="259" r:id="rId5"/>
-    <p:sldId id="260" r:id="rId6"/>
-    <p:sldId id="261" r:id="rId7"/>
-    <p:sldId id="263" r:id="rId8"/>
-    <p:sldId id="264" r:id="rId9"/>
-    <p:sldId id="262" r:id="rId10"/>
-    <p:sldId id="266" r:id="rId11"/>
-    <p:sldId id="265" r:id="rId12"/>
-    <p:sldId id="267" r:id="rId13"/>
-    <p:sldId id="268" r:id="rId14"/>
-    <p:sldId id="269" r:id="rId15"/>
-    <p:sldId id="270" r:id="rId16"/>
-    <p:sldId id="271" r:id="rId17"/>
-    <p:sldId id="272" r:id="rId18"/>
-    <p:sldId id="273" r:id="rId19"/>
+    <p:sldId id="259" r:id="rId3"/>
+    <p:sldId id="275" r:id="rId4"/>
+    <p:sldId id="290" r:id="rId5"/>
+    <p:sldId id="257" r:id="rId6"/>
+    <p:sldId id="274" r:id="rId7"/>
+    <p:sldId id="260" r:id="rId8"/>
+    <p:sldId id="258" r:id="rId9"/>
+    <p:sldId id="261" r:id="rId10"/>
+    <p:sldId id="277" r:id="rId11"/>
+    <p:sldId id="263" r:id="rId12"/>
+    <p:sldId id="264" r:id="rId13"/>
+    <p:sldId id="262" r:id="rId14"/>
+    <p:sldId id="266" r:id="rId15"/>
+    <p:sldId id="265" r:id="rId16"/>
+    <p:sldId id="267" r:id="rId17"/>
+    <p:sldId id="268" r:id="rId18"/>
+    <p:sldId id="269" r:id="rId19"/>
+    <p:sldId id="270" r:id="rId20"/>
+    <p:sldId id="271" r:id="rId21"/>
+    <p:sldId id="272" r:id="rId22"/>
+    <p:sldId id="273" r:id="rId23"/>
+    <p:sldId id="289" r:id="rId24"/>
+    <p:sldId id="276" r:id="rId25"/>
+    <p:sldId id="281" r:id="rId26"/>
+    <p:sldId id="282" r:id="rId27"/>
+    <p:sldId id="283" r:id="rId28"/>
+    <p:sldId id="284" r:id="rId29"/>
+    <p:sldId id="285" r:id="rId30"/>
+    <p:sldId id="286" r:id="rId31"/>
+    <p:sldId id="293" r:id="rId32"/>
+    <p:sldId id="291" r:id="rId33"/>
+    <p:sldId id="288" r:id="rId34"/>
+    <p:sldId id="294" r:id="rId35"/>
+    <p:sldId id="295" r:id="rId36"/>
+    <p:sldId id="296" r:id="rId37"/>
+    <p:sldId id="298" r:id="rId38"/>
+    <p:sldId id="292" r:id="rId39"/>
+    <p:sldId id="299" r:id="rId40"/>
+    <p:sldId id="300" r:id="rId41"/>
+    <p:sldId id="304" r:id="rId42"/>
+    <p:sldId id="301" r:id="rId43"/>
+    <p:sldId id="305" r:id="rId44"/>
+    <p:sldId id="306" r:id="rId45"/>
+    <p:sldId id="307" r:id="rId46"/>
+    <p:sldId id="302" r:id="rId47"/>
+    <p:sldId id="303" r:id="rId48"/>
   </p:sldIdLst>
   <p:sldSz cx="9144000" cy="6858000" type="screen4x3"/>
   <p:notesSz cx="6858000" cy="9144000"/>
@@ -305,7 +334,7 @@
           <a:p>
             <a:fld id="{CE3274C4-7413-4165-A8DE-EE8FA91A5D7B}" type="datetimeFigureOut">
               <a:rPr lang="en-US" smtClean="0"/>
-              <a:t>3/16/2015</a:t>
+              <a:t>10/22/2015</a:t>
             </a:fld>
             <a:endParaRPr lang="en-US"/>
           </a:p>
@@ -475,7 +504,7 @@
           <a:p>
             <a:fld id="{CE3274C4-7413-4165-A8DE-EE8FA91A5D7B}" type="datetimeFigureOut">
               <a:rPr lang="en-US" smtClean="0"/>
-              <a:t>3/16/2015</a:t>
+              <a:t>10/22/2015</a:t>
             </a:fld>
             <a:endParaRPr lang="en-US"/>
           </a:p>
@@ -655,7 +684,7 @@
           <a:p>
             <a:fld id="{CE3274C4-7413-4165-A8DE-EE8FA91A5D7B}" type="datetimeFigureOut">
               <a:rPr lang="en-US" smtClean="0"/>
-              <a:t>3/16/2015</a:t>
+              <a:t>10/22/2015</a:t>
             </a:fld>
             <a:endParaRPr lang="en-US"/>
           </a:p>
@@ -825,7 +854,7 @@
           <a:p>
             <a:fld id="{CE3274C4-7413-4165-A8DE-EE8FA91A5D7B}" type="datetimeFigureOut">
               <a:rPr lang="en-US" smtClean="0"/>
-              <a:t>3/16/2015</a:t>
+              <a:t>10/22/2015</a:t>
             </a:fld>
             <a:endParaRPr lang="en-US"/>
           </a:p>
@@ -1071,7 +1100,7 @@
           <a:p>
             <a:fld id="{CE3274C4-7413-4165-A8DE-EE8FA91A5D7B}" type="datetimeFigureOut">
               <a:rPr lang="en-US" smtClean="0"/>
-              <a:t>3/16/2015</a:t>
+              <a:t>10/22/2015</a:t>
             </a:fld>
             <a:endParaRPr lang="en-US"/>
           </a:p>
@@ -1359,7 +1388,7 @@
           <a:p>
             <a:fld id="{CE3274C4-7413-4165-A8DE-EE8FA91A5D7B}" type="datetimeFigureOut">
               <a:rPr lang="en-US" smtClean="0"/>
-              <a:t>3/16/2015</a:t>
+              <a:t>10/22/2015</a:t>
             </a:fld>
             <a:endParaRPr lang="en-US"/>
           </a:p>
@@ -1781,7 +1810,7 @@
           <a:p>
             <a:fld id="{CE3274C4-7413-4165-A8DE-EE8FA91A5D7B}" type="datetimeFigureOut">
               <a:rPr lang="en-US" smtClean="0"/>
-              <a:t>3/16/2015</a:t>
+              <a:t>10/22/2015</a:t>
             </a:fld>
             <a:endParaRPr lang="en-US"/>
           </a:p>
@@ -1899,7 +1928,7 @@
           <a:p>
             <a:fld id="{CE3274C4-7413-4165-A8DE-EE8FA91A5D7B}" type="datetimeFigureOut">
               <a:rPr lang="en-US" smtClean="0"/>
-              <a:t>3/16/2015</a:t>
+              <a:t>10/22/2015</a:t>
             </a:fld>
             <a:endParaRPr lang="en-US"/>
           </a:p>
@@ -1994,7 +2023,7 @@
           <a:p>
             <a:fld id="{CE3274C4-7413-4165-A8DE-EE8FA91A5D7B}" type="datetimeFigureOut">
               <a:rPr lang="en-US" smtClean="0"/>
-              <a:t>3/16/2015</a:t>
+              <a:t>10/22/2015</a:t>
             </a:fld>
             <a:endParaRPr lang="en-US"/>
           </a:p>
@@ -2271,7 +2300,7 @@
           <a:p>
             <a:fld id="{CE3274C4-7413-4165-A8DE-EE8FA91A5D7B}" type="datetimeFigureOut">
               <a:rPr lang="en-US" smtClean="0"/>
-              <a:t>3/16/2015</a:t>
+              <a:t>10/22/2015</a:t>
             </a:fld>
             <a:endParaRPr lang="en-US"/>
           </a:p>
@@ -2524,7 +2553,7 @@
           <a:p>
             <a:fld id="{CE3274C4-7413-4165-A8DE-EE8FA91A5D7B}" type="datetimeFigureOut">
               <a:rPr lang="en-US" smtClean="0"/>
-              <a:t>3/16/2015</a:t>
+              <a:t>10/22/2015</a:t>
             </a:fld>
             <a:endParaRPr lang="en-US"/>
           </a:p>
@@ -2737,7 +2766,7 @@
           <a:p>
             <a:fld id="{CE3274C4-7413-4165-A8DE-EE8FA91A5D7B}" type="datetimeFigureOut">
               <a:rPr lang="en-US" smtClean="0"/>
-              <a:t>3/16/2015</a:t>
+              <a:t>10/22/2015</a:t>
             </a:fld>
             <a:endParaRPr lang="en-US"/>
           </a:p>
@@ -3134,7 +3163,7 @@
           <a:p>
             <a:r>
               <a:rPr lang="en-US" dirty="0" smtClean="0"/>
-              <a:t>Introduction to Arduino</a:t>
+              <a:t>Introduction to Arduino and Robotics</a:t>
             </a:r>
             <a:endParaRPr lang="en-US" dirty="0"/>
           </a:p>
@@ -3153,7 +3182,7 @@
         <p:spPr>
           <a:xfrm>
             <a:off x="1371600" y="2441575"/>
-            <a:ext cx="6400800" cy="1752600"/>
+            <a:ext cx="6400800" cy="835025"/>
           </a:xfrm>
         </p:spPr>
         <p:txBody>
@@ -3178,6 +3207,13 @@
   <p:clrMapOvr>
     <a:masterClrMapping/>
   </p:clrMapOvr>
+  <p:timing>
+    <p:tnLst>
+      <p:par>
+        <p:cTn id="1" dur="indefinite" restart="never" nodeType="tmRoot"/>
+      </p:par>
+    </p:tnLst>
+  </p:timing>
 </p:sld>
 </file>
 
@@ -3222,6 +3258,109 @@
           <a:p>
             <a:r>
               <a:rPr lang="en-US" dirty="0" smtClean="0"/>
+              <a:t>Arduino</a:t>
+            </a:r>
+            <a:endParaRPr lang="en-US" dirty="0"/>
+          </a:p>
+        </p:txBody>
+      </p:sp>
+      <p:sp>
+        <p:nvSpPr>
+          <p:cNvPr id="3" name="Content Placeholder 2"/>
+          <p:cNvSpPr>
+            <a:spLocks noGrp="1"/>
+          </p:cNvSpPr>
+          <p:nvPr>
+            <p:ph idx="1"/>
+          </p:nvPr>
+        </p:nvSpPr>
+        <p:spPr>
+          <a:xfrm>
+            <a:off x="2209800" y="914400"/>
+            <a:ext cx="5562600" cy="5211763"/>
+          </a:xfrm>
+        </p:spPr>
+        <p:txBody>
+          <a:bodyPr/>
+          <a:lstStyle/>
+          <a:p>
+            <a:pPr marL="0" indent="0">
+              <a:buNone/>
+            </a:pPr>
+            <a:r>
+              <a:rPr lang="en-US" sz="4800" dirty="0" smtClean="0"/>
+              <a:t>But what can it do?</a:t>
+            </a:r>
+          </a:p>
+          <a:p>
+            <a:pPr marL="0" indent="0">
+              <a:buNone/>
+            </a:pPr>
+            <a:endParaRPr lang="en-US" dirty="0" smtClean="0"/>
+          </a:p>
+        </p:txBody>
+      </p:sp>
+    </p:spTree>
+    <p:extLst>
+      <p:ext uri="{BB962C8B-B14F-4D97-AF65-F5344CB8AC3E}">
+        <p14:creationId xmlns:p14="http://schemas.microsoft.com/office/powerpoint/2010/main" val="1840527924"/>
+      </p:ext>
+    </p:extLst>
+  </p:cSld>
+  <p:clrMapOvr>
+    <a:masterClrMapping/>
+  </p:clrMapOvr>
+  <p:timing>
+    <p:tnLst>
+      <p:par>
+        <p:cTn id="1" dur="indefinite" restart="never" nodeType="tmRoot"/>
+      </p:par>
+    </p:tnLst>
+  </p:timing>
+</p:sld>
+</file>
+
+<file path=ppt/slides/slide11.xml><?xml version="1.0" encoding="utf-8"?>
+<p:sld xmlns:a="http://schemas.openxmlformats.org/drawingml/2006/main" xmlns:r="http://schemas.openxmlformats.org/officeDocument/2006/relationships" xmlns:p="http://schemas.openxmlformats.org/presentationml/2006/main">
+  <p:cSld>
+    <p:spTree>
+      <p:nvGrpSpPr>
+        <p:cNvPr id="1" name=""/>
+        <p:cNvGrpSpPr/>
+        <p:nvPr/>
+      </p:nvGrpSpPr>
+      <p:grpSpPr>
+        <a:xfrm>
+          <a:off x="0" y="0"/>
+          <a:ext cx="0" cy="0"/>
+          <a:chOff x="0" y="0"/>
+          <a:chExt cx="0" cy="0"/>
+        </a:xfrm>
+      </p:grpSpPr>
+      <p:sp>
+        <p:nvSpPr>
+          <p:cNvPr id="2" name="Title 1"/>
+          <p:cNvSpPr>
+            <a:spLocks noGrp="1"/>
+          </p:cNvSpPr>
+          <p:nvPr>
+            <p:ph type="title"/>
+          </p:nvPr>
+        </p:nvSpPr>
+        <p:spPr>
+          <a:xfrm>
+            <a:off x="457200" y="0"/>
+            <a:ext cx="8229600" cy="762000"/>
+          </a:xfrm>
+        </p:spPr>
+        <p:txBody>
+          <a:bodyPr>
+            <a:normAutofit/>
+          </a:bodyPr>
+          <a:lstStyle/>
+          <a:p>
+            <a:r>
+              <a:rPr lang="en-US" dirty="0" smtClean="0"/>
               <a:t>The Cardboard Box for Geeks</a:t>
             </a:r>
             <a:endParaRPr lang="en-US" dirty="0"/>
@@ -3253,7 +3392,146 @@
             </a:pPr>
             <a:r>
               <a:rPr lang="en-US" sz="4000" dirty="0" smtClean="0"/>
-              <a:t>Turn Signal Jacket.</a:t>
+              <a:t>Twitter enabled coffee maker.</a:t>
+            </a:r>
+          </a:p>
+          <a:p>
+            <a:pPr marL="457200" lvl="1" indent="0">
+              <a:buNone/>
+            </a:pPr>
+            <a:endParaRPr lang="en-US" dirty="0" smtClean="0"/>
+          </a:p>
+          <a:p>
+            <a:pPr marL="0" indent="0">
+              <a:buNone/>
+            </a:pPr>
+            <a:endParaRPr lang="en-US" dirty="0" smtClean="0"/>
+          </a:p>
+        </p:txBody>
+      </p:sp>
+      <p:pic>
+        <p:nvPicPr>
+          <p:cNvPr id="5" name="Picture 4"/>
+          <p:cNvPicPr>
+            <a:picLocks noChangeAspect="1"/>
+          </p:cNvPicPr>
+          <p:nvPr/>
+        </p:nvPicPr>
+        <p:blipFill>
+          <a:blip r:embed="rId2">
+            <a:extLst>
+              <a:ext uri="{28A0092B-C50C-407E-A947-70E740481C1C}">
+                <a14:useLocalDpi xmlns:a14="http://schemas.microsoft.com/office/drawing/2010/main" val="0"/>
+              </a:ext>
+            </a:extLst>
+          </a:blip>
+          <a:stretch>
+            <a:fillRect/>
+          </a:stretch>
+        </p:blipFill>
+        <p:spPr>
+          <a:xfrm>
+            <a:off x="3580235" y="914400"/>
+            <a:ext cx="4928763" cy="4165600"/>
+          </a:xfrm>
+          <a:prstGeom prst="rect">
+            <a:avLst/>
+          </a:prstGeom>
+        </p:spPr>
+      </p:pic>
+    </p:spTree>
+    <p:extLst>
+      <p:ext uri="{BB962C8B-B14F-4D97-AF65-F5344CB8AC3E}">
+        <p14:creationId xmlns:p14="http://schemas.microsoft.com/office/powerpoint/2010/main" val="1039740330"/>
+      </p:ext>
+    </p:extLst>
+  </p:cSld>
+  <p:clrMapOvr>
+    <a:masterClrMapping/>
+  </p:clrMapOvr>
+  <p:timing>
+    <p:tnLst>
+      <p:par>
+        <p:cTn id="1" dur="indefinite" restart="never" nodeType="tmRoot"/>
+      </p:par>
+    </p:tnLst>
+  </p:timing>
+</p:sld>
+</file>
+
+<file path=ppt/slides/slide12.xml><?xml version="1.0" encoding="utf-8"?>
+<p:sld xmlns:a="http://schemas.openxmlformats.org/drawingml/2006/main" xmlns:r="http://schemas.openxmlformats.org/officeDocument/2006/relationships" xmlns:p="http://schemas.openxmlformats.org/presentationml/2006/main">
+  <p:cSld>
+    <p:spTree>
+      <p:nvGrpSpPr>
+        <p:cNvPr id="1" name=""/>
+        <p:cNvGrpSpPr/>
+        <p:nvPr/>
+      </p:nvGrpSpPr>
+      <p:grpSpPr>
+        <a:xfrm>
+          <a:off x="0" y="0"/>
+          <a:ext cx="0" cy="0"/>
+          <a:chOff x="0" y="0"/>
+          <a:chExt cx="0" cy="0"/>
+        </a:xfrm>
+      </p:grpSpPr>
+      <p:sp>
+        <p:nvSpPr>
+          <p:cNvPr id="2" name="Title 1"/>
+          <p:cNvSpPr>
+            <a:spLocks noGrp="1"/>
+          </p:cNvSpPr>
+          <p:nvPr>
+            <p:ph type="title"/>
+          </p:nvPr>
+        </p:nvSpPr>
+        <p:spPr>
+          <a:xfrm>
+            <a:off x="457200" y="0"/>
+            <a:ext cx="8229600" cy="762000"/>
+          </a:xfrm>
+        </p:spPr>
+        <p:txBody>
+          <a:bodyPr>
+            <a:normAutofit/>
+          </a:bodyPr>
+          <a:lstStyle/>
+          <a:p>
+            <a:r>
+              <a:rPr lang="en-US" dirty="0" smtClean="0"/>
+              <a:t>The Cardboard Box for Geeks</a:t>
+            </a:r>
+            <a:endParaRPr lang="en-US" dirty="0"/>
+          </a:p>
+        </p:txBody>
+      </p:sp>
+      <p:sp>
+        <p:nvSpPr>
+          <p:cNvPr id="3" name="Content Placeholder 2"/>
+          <p:cNvSpPr>
+            <a:spLocks noGrp="1"/>
+          </p:cNvSpPr>
+          <p:nvPr>
+            <p:ph idx="1"/>
+          </p:nvPr>
+        </p:nvSpPr>
+        <p:spPr>
+          <a:xfrm>
+            <a:off x="-304800" y="762000"/>
+            <a:ext cx="4114800" cy="5211763"/>
+          </a:xfrm>
+        </p:spPr>
+        <p:txBody>
+          <a:bodyPr lIns="0" rIns="0"/>
+          <a:lstStyle/>
+          <a:p>
+            <a:pPr marL="457200" lvl="1" indent="0">
+              <a:buNone/>
+            </a:pPr>
+            <a:r>
+              <a:rPr lang="en-US" sz="4000" dirty="0" smtClean="0"/>
+              <a:t>Remote Bartender.</a:t>
             </a:r>
           </a:p>
           <a:p>
@@ -3292,6 +3570,284 @@
         </p:blipFill>
         <p:spPr>
           <a:xfrm>
+            <a:off x="2895600" y="990600"/>
+            <a:ext cx="5486400" cy="3086100"/>
+          </a:xfrm>
+          <a:prstGeom prst="rect">
+            <a:avLst/>
+          </a:prstGeom>
+        </p:spPr>
+      </p:pic>
+    </p:spTree>
+    <p:extLst>
+      <p:ext uri="{BB962C8B-B14F-4D97-AF65-F5344CB8AC3E}">
+        <p14:creationId xmlns:p14="http://schemas.microsoft.com/office/powerpoint/2010/main" val="428968510"/>
+      </p:ext>
+    </p:extLst>
+  </p:cSld>
+  <p:clrMapOvr>
+    <a:masterClrMapping/>
+  </p:clrMapOvr>
+  <p:timing>
+    <p:tnLst>
+      <p:par>
+        <p:cTn id="1" dur="indefinite" restart="never" nodeType="tmRoot"/>
+      </p:par>
+    </p:tnLst>
+  </p:timing>
+</p:sld>
+</file>
+
+<file path=ppt/slides/slide13.xml><?xml version="1.0" encoding="utf-8"?>
+<p:sld xmlns:a="http://schemas.openxmlformats.org/drawingml/2006/main" xmlns:r="http://schemas.openxmlformats.org/officeDocument/2006/relationships" xmlns:p="http://schemas.openxmlformats.org/presentationml/2006/main">
+  <p:cSld>
+    <p:spTree>
+      <p:nvGrpSpPr>
+        <p:cNvPr id="1" name=""/>
+        <p:cNvGrpSpPr/>
+        <p:nvPr/>
+      </p:nvGrpSpPr>
+      <p:grpSpPr>
+        <a:xfrm>
+          <a:off x="0" y="0"/>
+          <a:ext cx="0" cy="0"/>
+          <a:chOff x="0" y="0"/>
+          <a:chExt cx="0" cy="0"/>
+        </a:xfrm>
+      </p:grpSpPr>
+      <p:sp>
+        <p:nvSpPr>
+          <p:cNvPr id="2" name="Title 1"/>
+          <p:cNvSpPr>
+            <a:spLocks noGrp="1"/>
+          </p:cNvSpPr>
+          <p:nvPr>
+            <p:ph type="title"/>
+          </p:nvPr>
+        </p:nvSpPr>
+        <p:spPr>
+          <a:xfrm>
+            <a:off x="457200" y="0"/>
+            <a:ext cx="8229600" cy="762000"/>
+          </a:xfrm>
+        </p:spPr>
+        <p:txBody>
+          <a:bodyPr>
+            <a:normAutofit/>
+          </a:bodyPr>
+          <a:lstStyle/>
+          <a:p>
+            <a:r>
+              <a:rPr lang="en-US" dirty="0" smtClean="0"/>
+              <a:t>The Cardboard Box for Geeks</a:t>
+            </a:r>
+            <a:endParaRPr lang="en-US" dirty="0"/>
+          </a:p>
+        </p:txBody>
+      </p:sp>
+      <p:sp>
+        <p:nvSpPr>
+          <p:cNvPr id="3" name="Content Placeholder 2"/>
+          <p:cNvSpPr>
+            <a:spLocks noGrp="1"/>
+          </p:cNvSpPr>
+          <p:nvPr>
+            <p:ph idx="1"/>
+          </p:nvPr>
+        </p:nvSpPr>
+        <p:spPr>
+          <a:xfrm>
+            <a:off x="-304800" y="762000"/>
+            <a:ext cx="4114800" cy="5211763"/>
+          </a:xfrm>
+        </p:spPr>
+        <p:txBody>
+          <a:bodyPr lIns="0" rIns="0"/>
+          <a:lstStyle/>
+          <a:p>
+            <a:pPr marL="457200" lvl="1" indent="0">
+              <a:buNone/>
+            </a:pPr>
+            <a:r>
+              <a:rPr lang="en-US" sz="4000" dirty="0" smtClean="0"/>
+              <a:t>Shoes that flash when you walk.</a:t>
+            </a:r>
+          </a:p>
+          <a:p>
+            <a:pPr marL="457200" lvl="1" indent="0">
+              <a:buNone/>
+            </a:pPr>
+            <a:endParaRPr lang="en-US" dirty="0" smtClean="0"/>
+          </a:p>
+          <a:p>
+            <a:pPr marL="0" indent="0">
+              <a:buNone/>
+            </a:pPr>
+            <a:endParaRPr lang="en-US" dirty="0" smtClean="0"/>
+          </a:p>
+        </p:txBody>
+      </p:sp>
+      <p:pic>
+        <p:nvPicPr>
+          <p:cNvPr id="4" name="Picture 3"/>
+          <p:cNvPicPr>
+            <a:picLocks noChangeAspect="1"/>
+          </p:cNvPicPr>
+          <p:nvPr/>
+        </p:nvPicPr>
+        <p:blipFill>
+          <a:blip r:embed="rId2" cstate="print">
+            <a:extLst>
+              <a:ext uri="{28A0092B-C50C-407E-A947-70E740481C1C}">
+                <a14:useLocalDpi xmlns:a14="http://schemas.microsoft.com/office/drawing/2010/main" val="0"/>
+              </a:ext>
+            </a:extLst>
+          </a:blip>
+          <a:stretch>
+            <a:fillRect/>
+          </a:stretch>
+        </p:blipFill>
+        <p:spPr>
+          <a:xfrm>
+            <a:off x="4038600" y="762000"/>
+            <a:ext cx="4114800" cy="4423410"/>
+          </a:xfrm>
+          <a:prstGeom prst="rect">
+            <a:avLst/>
+          </a:prstGeom>
+        </p:spPr>
+      </p:pic>
+    </p:spTree>
+    <p:extLst>
+      <p:ext uri="{BB962C8B-B14F-4D97-AF65-F5344CB8AC3E}">
+        <p14:creationId xmlns:p14="http://schemas.microsoft.com/office/powerpoint/2010/main" val="125217602"/>
+      </p:ext>
+    </p:extLst>
+  </p:cSld>
+  <p:clrMapOvr>
+    <a:masterClrMapping/>
+  </p:clrMapOvr>
+  <p:timing>
+    <p:tnLst>
+      <p:par>
+        <p:cTn id="1" dur="indefinite" restart="never" nodeType="tmRoot"/>
+      </p:par>
+    </p:tnLst>
+  </p:timing>
+</p:sld>
+</file>
+
+<file path=ppt/slides/slide14.xml><?xml version="1.0" encoding="utf-8"?>
+<p:sld xmlns:a="http://schemas.openxmlformats.org/drawingml/2006/main" xmlns:r="http://schemas.openxmlformats.org/officeDocument/2006/relationships" xmlns:p="http://schemas.openxmlformats.org/presentationml/2006/main">
+  <p:cSld>
+    <p:spTree>
+      <p:nvGrpSpPr>
+        <p:cNvPr id="1" name=""/>
+        <p:cNvGrpSpPr/>
+        <p:nvPr/>
+      </p:nvGrpSpPr>
+      <p:grpSpPr>
+        <a:xfrm>
+          <a:off x="0" y="0"/>
+          <a:ext cx="0" cy="0"/>
+          <a:chOff x="0" y="0"/>
+          <a:chExt cx="0" cy="0"/>
+        </a:xfrm>
+      </p:grpSpPr>
+      <p:sp>
+        <p:nvSpPr>
+          <p:cNvPr id="2" name="Title 1"/>
+          <p:cNvSpPr>
+            <a:spLocks noGrp="1"/>
+          </p:cNvSpPr>
+          <p:nvPr>
+            <p:ph type="title"/>
+          </p:nvPr>
+        </p:nvSpPr>
+        <p:spPr>
+          <a:xfrm>
+            <a:off x="457200" y="0"/>
+            <a:ext cx="8229600" cy="762000"/>
+          </a:xfrm>
+        </p:spPr>
+        <p:txBody>
+          <a:bodyPr>
+            <a:normAutofit/>
+          </a:bodyPr>
+          <a:lstStyle/>
+          <a:p>
+            <a:r>
+              <a:rPr lang="en-US" dirty="0" smtClean="0"/>
+              <a:t>The Cardboard Box for Geeks</a:t>
+            </a:r>
+            <a:endParaRPr lang="en-US" dirty="0"/>
+          </a:p>
+        </p:txBody>
+      </p:sp>
+      <p:sp>
+        <p:nvSpPr>
+          <p:cNvPr id="3" name="Content Placeholder 2"/>
+          <p:cNvSpPr>
+            <a:spLocks noGrp="1"/>
+          </p:cNvSpPr>
+          <p:nvPr>
+            <p:ph idx="1"/>
+          </p:nvPr>
+        </p:nvSpPr>
+        <p:spPr>
+          <a:xfrm>
+            <a:off x="-304800" y="762000"/>
+            <a:ext cx="4114800" cy="5211763"/>
+          </a:xfrm>
+        </p:spPr>
+        <p:txBody>
+          <a:bodyPr lIns="0" rIns="0"/>
+          <a:lstStyle/>
+          <a:p>
+            <a:pPr marL="457200" lvl="1" indent="0">
+              <a:buNone/>
+            </a:pPr>
+            <a:r>
+              <a:rPr lang="en-US" sz="4000" dirty="0" smtClean="0"/>
+              <a:t>Turn Signal Jacket.</a:t>
+            </a:r>
+          </a:p>
+          <a:p>
+            <a:pPr marL="457200" lvl="1" indent="0">
+              <a:buNone/>
+            </a:pPr>
+            <a:endParaRPr lang="en-US" dirty="0" smtClean="0"/>
+          </a:p>
+          <a:p>
+            <a:pPr marL="0" indent="0">
+              <a:buNone/>
+            </a:pPr>
+            <a:endParaRPr lang="en-US" dirty="0" smtClean="0"/>
+          </a:p>
+        </p:txBody>
+      </p:sp>
+      <p:pic>
+        <p:nvPicPr>
+          <p:cNvPr id="4" name="Picture 3"/>
+          <p:cNvPicPr>
+            <a:picLocks noChangeAspect="1"/>
+          </p:cNvPicPr>
+          <p:nvPr/>
+        </p:nvPicPr>
+        <p:blipFill>
+          <a:blip r:embed="rId2">
+            <a:extLst>
+              <a:ext uri="{28A0092B-C50C-407E-A947-70E740481C1C}">
+                <a14:useLocalDpi xmlns:a14="http://schemas.microsoft.com/office/drawing/2010/main" val="0"/>
+              </a:ext>
+            </a:extLst>
+          </a:blip>
+          <a:stretch>
+            <a:fillRect/>
+          </a:stretch>
+        </p:blipFill>
+        <p:spPr>
+          <a:xfrm>
             <a:off x="3581400" y="838200"/>
             <a:ext cx="4572000" cy="4572000"/>
           </a:xfrm>
@@ -3310,10 +3866,17 @@
   <p:clrMapOvr>
     <a:masterClrMapping/>
   </p:clrMapOvr>
+  <p:timing>
+    <p:tnLst>
+      <p:par>
+        <p:cTn id="1" dur="indefinite" restart="never" nodeType="tmRoot"/>
+      </p:par>
+    </p:tnLst>
+  </p:timing>
 </p:sld>
 </file>
 
-<file path=ppt/slides/slide11.xml><?xml version="1.0" encoding="utf-8"?>
+<file path=ppt/slides/slide15.xml><?xml version="1.0" encoding="utf-8"?>
 <p:sld xmlns:a="http://schemas.openxmlformats.org/drawingml/2006/main" xmlns:r="http://schemas.openxmlformats.org/officeDocument/2006/relationships" xmlns:p="http://schemas.openxmlformats.org/presentationml/2006/main">
   <p:cSld>
     <p:spTree>
@@ -3442,10 +4005,17 @@
   <p:clrMapOvr>
     <a:masterClrMapping/>
   </p:clrMapOvr>
+  <p:timing>
+    <p:tnLst>
+      <p:par>
+        <p:cTn id="1" dur="indefinite" restart="never" nodeType="tmRoot"/>
+      </p:par>
+    </p:tnLst>
+  </p:timing>
 </p:sld>
 </file>
 
-<file path=ppt/slides/slide12.xml><?xml version="1.0" encoding="utf-8"?>
+<file path=ppt/slides/slide16.xml><?xml version="1.0" encoding="utf-8"?>
 <p:sld xmlns:a="http://schemas.openxmlformats.org/drawingml/2006/main" xmlns:r="http://schemas.openxmlformats.org/officeDocument/2006/relationships" xmlns:p="http://schemas.openxmlformats.org/presentationml/2006/main">
   <p:cSld>
     <p:spTree>
@@ -3578,10 +4148,17 @@
   <p:clrMapOvr>
     <a:masterClrMapping/>
   </p:clrMapOvr>
+  <p:timing>
+    <p:tnLst>
+      <p:par>
+        <p:cTn id="1" dur="indefinite" restart="never" nodeType="tmRoot"/>
+      </p:par>
+    </p:tnLst>
+  </p:timing>
 </p:sld>
 </file>
 
-<file path=ppt/slides/slide13.xml><?xml version="1.0" encoding="utf-8"?>
+<file path=ppt/slides/slide17.xml><?xml version="1.0" encoding="utf-8"?>
 <p:sld xmlns:a="http://schemas.openxmlformats.org/drawingml/2006/main" xmlns:r="http://schemas.openxmlformats.org/officeDocument/2006/relationships" xmlns:p="http://schemas.openxmlformats.org/presentationml/2006/main">
   <p:cSld>
     <p:spTree>
@@ -3710,10 +4287,17 @@
   <p:clrMapOvr>
     <a:masterClrMapping/>
   </p:clrMapOvr>
+  <p:timing>
+    <p:tnLst>
+      <p:par>
+        <p:cTn id="1" dur="indefinite" restart="never" nodeType="tmRoot"/>
+      </p:par>
+    </p:tnLst>
+  </p:timing>
 </p:sld>
 </file>
 
-<file path=ppt/slides/slide14.xml><?xml version="1.0" encoding="utf-8"?>
+<file path=ppt/slides/slide18.xml><?xml version="1.0" encoding="utf-8"?>
 <p:sld xmlns:a="http://schemas.openxmlformats.org/drawingml/2006/main" xmlns:r="http://schemas.openxmlformats.org/officeDocument/2006/relationships" xmlns:p="http://schemas.openxmlformats.org/presentationml/2006/main">
   <p:cSld>
     <p:spTree>
@@ -3872,10 +4456,17 @@
   <p:clrMapOvr>
     <a:masterClrMapping/>
   </p:clrMapOvr>
+  <p:timing>
+    <p:tnLst>
+      <p:par>
+        <p:cTn id="1" dur="indefinite" restart="never" nodeType="tmRoot"/>
+      </p:par>
+    </p:tnLst>
+  </p:timing>
 </p:sld>
 </file>
 
-<file path=ppt/slides/slide15.xml><?xml version="1.0" encoding="utf-8"?>
+<file path=ppt/slides/slide19.xml><?xml version="1.0" encoding="utf-8"?>
 <p:sld xmlns:a="http://schemas.openxmlformats.org/drawingml/2006/main" xmlns:r="http://schemas.openxmlformats.org/officeDocument/2006/relationships" xmlns:p="http://schemas.openxmlformats.org/presentationml/2006/main">
   <p:cSld>
     <p:spTree>
@@ -4004,10 +4595,174 @@
   <p:clrMapOvr>
     <a:masterClrMapping/>
   </p:clrMapOvr>
+  <p:timing>
+    <p:tnLst>
+      <p:par>
+        <p:cTn id="1" dur="indefinite" restart="never" nodeType="tmRoot"/>
+      </p:par>
+    </p:tnLst>
+  </p:timing>
 </p:sld>
 </file>
 
-<file path=ppt/slides/slide16.xml><?xml version="1.0" encoding="utf-8"?>
+<file path=ppt/slides/slide2.xml><?xml version="1.0" encoding="utf-8"?>
+<p:sld xmlns:a="http://schemas.openxmlformats.org/drawingml/2006/main" xmlns:r="http://schemas.openxmlformats.org/officeDocument/2006/relationships" xmlns:p="http://schemas.openxmlformats.org/presentationml/2006/main">
+  <p:cSld>
+    <p:spTree>
+      <p:nvGrpSpPr>
+        <p:cNvPr id="1" name=""/>
+        <p:cNvGrpSpPr/>
+        <p:nvPr/>
+      </p:nvGrpSpPr>
+      <p:grpSpPr>
+        <a:xfrm>
+          <a:off x="0" y="0"/>
+          <a:ext cx="0" cy="0"/>
+          <a:chOff x="0" y="0"/>
+          <a:chExt cx="0" cy="0"/>
+        </a:xfrm>
+      </p:grpSpPr>
+      <p:sp>
+        <p:nvSpPr>
+          <p:cNvPr id="2" name="Title 1"/>
+          <p:cNvSpPr>
+            <a:spLocks noGrp="1"/>
+          </p:cNvSpPr>
+          <p:nvPr>
+            <p:ph type="title"/>
+          </p:nvPr>
+        </p:nvSpPr>
+        <p:spPr>
+          <a:xfrm>
+            <a:off x="457200" y="0"/>
+            <a:ext cx="8229600" cy="762000"/>
+          </a:xfrm>
+        </p:spPr>
+        <p:txBody>
+          <a:bodyPr>
+            <a:normAutofit/>
+          </a:bodyPr>
+          <a:lstStyle/>
+          <a:p>
+            <a:r>
+              <a:rPr lang="en-US" dirty="0" smtClean="0"/>
+              <a:t>Robot</a:t>
+            </a:r>
+            <a:endParaRPr lang="en-US" dirty="0"/>
+          </a:p>
+        </p:txBody>
+      </p:sp>
+      <p:sp>
+        <p:nvSpPr>
+          <p:cNvPr id="3" name="Content Placeholder 2"/>
+          <p:cNvSpPr>
+            <a:spLocks noGrp="1"/>
+          </p:cNvSpPr>
+          <p:nvPr>
+            <p:ph idx="1"/>
+          </p:nvPr>
+        </p:nvSpPr>
+        <p:spPr>
+          <a:xfrm>
+            <a:off x="1066800" y="685800"/>
+            <a:ext cx="7772400" cy="5211763"/>
+          </a:xfrm>
+        </p:spPr>
+        <p:txBody>
+          <a:bodyPr/>
+          <a:lstStyle/>
+          <a:p>
+            <a:r>
+              <a:rPr lang="en-US" dirty="0"/>
+              <a:t>a mechanism guided by automatic </a:t>
+            </a:r>
+            <a:r>
+              <a:rPr lang="en-US" dirty="0" smtClean="0"/>
+              <a:t>controls</a:t>
+            </a:r>
+          </a:p>
+          <a:p>
+            <a:pPr lvl="1"/>
+            <a:r>
+              <a:rPr lang="en-US" dirty="0" smtClean="0"/>
+              <a:t>Mechanism</a:t>
+            </a:r>
+          </a:p>
+          <a:p>
+            <a:pPr lvl="2"/>
+            <a:r>
+              <a:rPr lang="en-US" dirty="0" smtClean="0"/>
+              <a:t>Motors</a:t>
+            </a:r>
+          </a:p>
+          <a:p>
+            <a:pPr lvl="1"/>
+            <a:r>
+              <a:rPr lang="en-US" dirty="0" smtClean="0"/>
+              <a:t>Guided</a:t>
+            </a:r>
+          </a:p>
+          <a:p>
+            <a:pPr lvl="2"/>
+            <a:r>
+              <a:rPr lang="en-US" dirty="0" smtClean="0"/>
+              <a:t>Sensors</a:t>
+            </a:r>
+          </a:p>
+          <a:p>
+            <a:pPr lvl="1"/>
+            <a:r>
+              <a:rPr lang="en-US" dirty="0" smtClean="0"/>
+              <a:t>Automatic Controls</a:t>
+            </a:r>
+          </a:p>
+          <a:p>
+            <a:pPr lvl="2"/>
+            <a:r>
+              <a:rPr lang="en-US" dirty="0" smtClean="0"/>
+              <a:t>Microprocessor (Arduino)</a:t>
+            </a:r>
+          </a:p>
+          <a:p>
+            <a:pPr lvl="2"/>
+            <a:r>
+              <a:rPr lang="en-US" dirty="0" smtClean="0"/>
+              <a:t>Code</a:t>
+            </a:r>
+          </a:p>
+          <a:p>
+            <a:pPr lvl="1"/>
+            <a:endParaRPr lang="en-US" dirty="0" smtClean="0"/>
+          </a:p>
+          <a:p>
+            <a:pPr marL="0" indent="0">
+              <a:buNone/>
+            </a:pPr>
+            <a:endParaRPr lang="en-US" dirty="0" smtClean="0"/>
+          </a:p>
+        </p:txBody>
+      </p:sp>
+    </p:spTree>
+    <p:extLst>
+      <p:ext uri="{BB962C8B-B14F-4D97-AF65-F5344CB8AC3E}">
+        <p14:creationId xmlns:p14="http://schemas.microsoft.com/office/powerpoint/2010/main" val="3854493610"/>
+      </p:ext>
+    </p:extLst>
+  </p:cSld>
+  <p:clrMapOvr>
+    <a:masterClrMapping/>
+  </p:clrMapOvr>
+  <p:timing>
+    <p:tnLst>
+      <p:par>
+        <p:cTn id="1" dur="indefinite" restart="never" nodeType="tmRoot"/>
+      </p:par>
+    </p:tnLst>
+  </p:timing>
+</p:sld>
+</file>
+
+<file path=ppt/slides/slide20.xml><?xml version="1.0" encoding="utf-8"?>
 <p:sld xmlns:a="http://schemas.openxmlformats.org/drawingml/2006/main" xmlns:r="http://schemas.openxmlformats.org/officeDocument/2006/relationships" xmlns:p="http://schemas.openxmlformats.org/presentationml/2006/main">
   <p:cSld>
     <p:spTree>
@@ -4136,10 +4891,17 @@
   <p:clrMapOvr>
     <a:masterClrMapping/>
   </p:clrMapOvr>
+  <p:timing>
+    <p:tnLst>
+      <p:par>
+        <p:cTn id="1" dur="indefinite" restart="never" nodeType="tmRoot"/>
+      </p:par>
+    </p:tnLst>
+  </p:timing>
 </p:sld>
 </file>
 
-<file path=ppt/slides/slide17.xml><?xml version="1.0" encoding="utf-8"?>
+<file path=ppt/slides/slide21.xml><?xml version="1.0" encoding="utf-8"?>
 <p:sld xmlns:a="http://schemas.openxmlformats.org/drawingml/2006/main" xmlns:r="http://schemas.openxmlformats.org/officeDocument/2006/relationships" xmlns:p="http://schemas.openxmlformats.org/presentationml/2006/main">
   <p:cSld>
     <p:spTree>
@@ -4268,10 +5030,17 @@
   <p:clrMapOvr>
     <a:masterClrMapping/>
   </p:clrMapOvr>
+  <p:timing>
+    <p:tnLst>
+      <p:par>
+        <p:cTn id="1" dur="indefinite" restart="never" nodeType="tmRoot"/>
+      </p:par>
+    </p:tnLst>
+  </p:timing>
 </p:sld>
 </file>
 
-<file path=ppt/slides/slide18.xml><?xml version="1.0" encoding="utf-8"?>
+<file path=ppt/slides/slide22.xml><?xml version="1.0" encoding="utf-8"?>
 <p:sld xmlns:a="http://schemas.openxmlformats.org/drawingml/2006/main" xmlns:r="http://schemas.openxmlformats.org/officeDocument/2006/relationships" xmlns:p="http://schemas.openxmlformats.org/presentationml/2006/main">
   <p:cSld>
     <p:spTree>
@@ -4400,10 +5169,3872 @@
   <p:clrMapOvr>
     <a:masterClrMapping/>
   </p:clrMapOvr>
+  <p:timing>
+    <p:tnLst>
+      <p:par>
+        <p:cTn id="1" dur="indefinite" restart="never" nodeType="tmRoot"/>
+      </p:par>
+    </p:tnLst>
+  </p:timing>
 </p:sld>
 </file>
 
-<file path=ppt/slides/slide2.xml><?xml version="1.0" encoding="utf-8"?>
+<file path=ppt/slides/slide23.xml><?xml version="1.0" encoding="utf-8"?>
+<p:sld xmlns:a="http://schemas.openxmlformats.org/drawingml/2006/main" xmlns:r="http://schemas.openxmlformats.org/officeDocument/2006/relationships" xmlns:p="http://schemas.openxmlformats.org/presentationml/2006/main">
+  <p:cSld>
+    <p:spTree>
+      <p:nvGrpSpPr>
+        <p:cNvPr id="1" name=""/>
+        <p:cNvGrpSpPr/>
+        <p:nvPr/>
+      </p:nvGrpSpPr>
+      <p:grpSpPr>
+        <a:xfrm>
+          <a:off x="0" y="0"/>
+          <a:ext cx="0" cy="0"/>
+          <a:chOff x="0" y="0"/>
+          <a:chExt cx="0" cy="0"/>
+        </a:xfrm>
+      </p:grpSpPr>
+      <p:sp>
+        <p:nvSpPr>
+          <p:cNvPr id="2" name="Title 1"/>
+          <p:cNvSpPr>
+            <a:spLocks noGrp="1"/>
+          </p:cNvSpPr>
+          <p:nvPr>
+            <p:ph type="title"/>
+          </p:nvPr>
+        </p:nvSpPr>
+        <p:spPr>
+          <a:xfrm>
+            <a:off x="457200" y="0"/>
+            <a:ext cx="8229600" cy="762000"/>
+          </a:xfrm>
+        </p:spPr>
+        <p:txBody>
+          <a:bodyPr>
+            <a:normAutofit/>
+          </a:bodyPr>
+          <a:lstStyle/>
+          <a:p>
+            <a:r>
+              <a:rPr lang="en-US" dirty="0" smtClean="0"/>
+              <a:t>Robot</a:t>
+            </a:r>
+            <a:endParaRPr lang="en-US" dirty="0"/>
+          </a:p>
+        </p:txBody>
+      </p:sp>
+      <p:sp>
+        <p:nvSpPr>
+          <p:cNvPr id="3" name="Content Placeholder 2"/>
+          <p:cNvSpPr>
+            <a:spLocks noGrp="1"/>
+          </p:cNvSpPr>
+          <p:nvPr>
+            <p:ph idx="1"/>
+          </p:nvPr>
+        </p:nvSpPr>
+        <p:spPr>
+          <a:xfrm>
+            <a:off x="2743200" y="685800"/>
+            <a:ext cx="3810000" cy="5211763"/>
+          </a:xfrm>
+        </p:spPr>
+        <p:txBody>
+          <a:bodyPr/>
+          <a:lstStyle/>
+          <a:p>
+            <a:pPr marL="0" indent="0" algn="ctr">
+              <a:buNone/>
+            </a:pPr>
+            <a:r>
+              <a:rPr lang="en-US" sz="4000" dirty="0" smtClean="0"/>
+              <a:t>Hardware</a:t>
+            </a:r>
+          </a:p>
+          <a:p>
+            <a:r>
+              <a:rPr lang="en-US" dirty="0" smtClean="0"/>
+              <a:t>Microprocessor</a:t>
+            </a:r>
+          </a:p>
+          <a:p>
+            <a:r>
+              <a:rPr lang="en-US" dirty="0" smtClean="0"/>
+              <a:t>Sensors</a:t>
+            </a:r>
+          </a:p>
+          <a:p>
+            <a:r>
+              <a:rPr lang="en-US" dirty="0" smtClean="0"/>
+              <a:t>Motors</a:t>
+            </a:r>
+          </a:p>
+          <a:p>
+            <a:r>
+              <a:rPr lang="en-US" dirty="0" smtClean="0"/>
+              <a:t>Power</a:t>
+            </a:r>
+          </a:p>
+          <a:p>
+            <a:pPr marL="0" indent="0" algn="ctr">
+              <a:buNone/>
+            </a:pPr>
+            <a:r>
+              <a:rPr lang="en-US" sz="4000" dirty="0" smtClean="0"/>
+              <a:t>Software</a:t>
+            </a:r>
+            <a:endParaRPr lang="en-US" sz="4000" dirty="0"/>
+          </a:p>
+          <a:p>
+            <a:pPr marL="0" indent="0">
+              <a:buNone/>
+            </a:pPr>
+            <a:endParaRPr lang="en-US" dirty="0" smtClean="0"/>
+          </a:p>
+        </p:txBody>
+      </p:sp>
+    </p:spTree>
+    <p:extLst>
+      <p:ext uri="{BB962C8B-B14F-4D97-AF65-F5344CB8AC3E}">
+        <p14:creationId xmlns:p14="http://schemas.microsoft.com/office/powerpoint/2010/main" val="1544154963"/>
+      </p:ext>
+    </p:extLst>
+  </p:cSld>
+  <p:clrMapOvr>
+    <a:masterClrMapping/>
+  </p:clrMapOvr>
+  <p:timing>
+    <p:tnLst>
+      <p:par>
+        <p:cTn id="1" dur="indefinite" restart="never" nodeType="tmRoot"/>
+      </p:par>
+    </p:tnLst>
+  </p:timing>
+</p:sld>
+</file>
+
+<file path=ppt/slides/slide24.xml><?xml version="1.0" encoding="utf-8"?>
+<p:sld xmlns:a="http://schemas.openxmlformats.org/drawingml/2006/main" xmlns:r="http://schemas.openxmlformats.org/officeDocument/2006/relationships" xmlns:p="http://schemas.openxmlformats.org/presentationml/2006/main">
+  <p:cSld>
+    <p:spTree>
+      <p:nvGrpSpPr>
+        <p:cNvPr id="1" name=""/>
+        <p:cNvGrpSpPr/>
+        <p:nvPr/>
+      </p:nvGrpSpPr>
+      <p:grpSpPr>
+        <a:xfrm>
+          <a:off x="0" y="0"/>
+          <a:ext cx="0" cy="0"/>
+          <a:chOff x="0" y="0"/>
+          <a:chExt cx="0" cy="0"/>
+        </a:xfrm>
+      </p:grpSpPr>
+      <p:sp>
+        <p:nvSpPr>
+          <p:cNvPr id="2" name="Title 1"/>
+          <p:cNvSpPr>
+            <a:spLocks noGrp="1"/>
+          </p:cNvSpPr>
+          <p:nvPr>
+            <p:ph type="title"/>
+          </p:nvPr>
+        </p:nvSpPr>
+        <p:spPr>
+          <a:xfrm>
+            <a:off x="457200" y="0"/>
+            <a:ext cx="8229600" cy="762000"/>
+          </a:xfrm>
+        </p:spPr>
+        <p:txBody>
+          <a:bodyPr>
+            <a:normAutofit/>
+          </a:bodyPr>
+          <a:lstStyle/>
+          <a:p>
+            <a:r>
+              <a:rPr lang="en-US" dirty="0" err="1" smtClean="0"/>
+              <a:t>GeeDee</a:t>
+            </a:r>
+            <a:r>
+              <a:rPr lang="en-US" dirty="0" smtClean="0"/>
+              <a:t> bot</a:t>
+            </a:r>
+            <a:endParaRPr lang="en-US" dirty="0"/>
+          </a:p>
+        </p:txBody>
+      </p:sp>
+      <p:sp>
+        <p:nvSpPr>
+          <p:cNvPr id="3" name="Content Placeholder 2"/>
+          <p:cNvSpPr>
+            <a:spLocks noGrp="1"/>
+          </p:cNvSpPr>
+          <p:nvPr>
+            <p:ph idx="1"/>
+          </p:nvPr>
+        </p:nvSpPr>
+        <p:spPr>
+          <a:xfrm>
+            <a:off x="2362200" y="685800"/>
+            <a:ext cx="5257800" cy="5211763"/>
+          </a:xfrm>
+        </p:spPr>
+        <p:txBody>
+          <a:bodyPr>
+            <a:normAutofit/>
+          </a:bodyPr>
+          <a:lstStyle/>
+          <a:p>
+            <a:pPr marL="0" indent="0" algn="ctr">
+              <a:buNone/>
+            </a:pPr>
+            <a:r>
+              <a:rPr lang="en-US" sz="4000" dirty="0" smtClean="0"/>
+              <a:t>Hardware</a:t>
+            </a:r>
+          </a:p>
+          <a:p>
+            <a:r>
+              <a:rPr lang="en-US" dirty="0" smtClean="0"/>
+              <a:t>Microprocessor</a:t>
+            </a:r>
+          </a:p>
+          <a:p>
+            <a:pPr lvl="1"/>
+            <a:r>
+              <a:rPr lang="en-US" sz="3200" dirty="0" err="1" smtClean="0">
+                <a:effectLst>
+                  <a:outerShdw blurRad="38100" dist="38100" dir="2700000" algn="tl">
+                    <a:srgbClr val="000000">
+                      <a:alpha val="43137"/>
+                    </a:srgbClr>
+                  </a:outerShdw>
+                </a:effectLst>
+              </a:rPr>
+              <a:t>Adafruit</a:t>
+            </a:r>
+            <a:r>
+              <a:rPr lang="en-US" sz="3200" dirty="0" smtClean="0">
+                <a:effectLst>
+                  <a:outerShdw blurRad="38100" dist="38100" dir="2700000" algn="tl">
+                    <a:srgbClr val="000000">
+                      <a:alpha val="43137"/>
+                    </a:srgbClr>
+                  </a:outerShdw>
+                </a:effectLst>
+              </a:rPr>
+              <a:t> Pro Trinket – 5V</a:t>
+            </a:r>
+          </a:p>
+          <a:p>
+            <a:r>
+              <a:rPr lang="en-US" dirty="0" smtClean="0"/>
+              <a:t>Sensors</a:t>
+            </a:r>
+          </a:p>
+          <a:p>
+            <a:r>
+              <a:rPr lang="en-US" dirty="0" smtClean="0"/>
+              <a:t>Motors</a:t>
+            </a:r>
+          </a:p>
+          <a:p>
+            <a:r>
+              <a:rPr lang="en-US" dirty="0" smtClean="0"/>
+              <a:t>Power</a:t>
+            </a:r>
+          </a:p>
+          <a:p>
+            <a:pPr marL="0" indent="0" algn="ctr">
+              <a:buNone/>
+            </a:pPr>
+            <a:r>
+              <a:rPr lang="en-US" sz="4000" dirty="0" smtClean="0"/>
+              <a:t>Software</a:t>
+            </a:r>
+            <a:endParaRPr lang="en-US" sz="4000" dirty="0"/>
+          </a:p>
+          <a:p>
+            <a:r>
+              <a:rPr lang="en-US" sz="3600" dirty="0" smtClean="0">
+                <a:effectLst>
+                  <a:outerShdw blurRad="38100" dist="38100" dir="2700000" algn="tl">
+                    <a:srgbClr val="000000">
+                      <a:alpha val="43137"/>
+                    </a:srgbClr>
+                  </a:outerShdw>
+                </a:effectLst>
+              </a:rPr>
+              <a:t>Arduino IDE</a:t>
+            </a:r>
+          </a:p>
+          <a:p>
+            <a:pPr marL="0" indent="0">
+              <a:buNone/>
+            </a:pPr>
+            <a:endParaRPr lang="en-US" dirty="0" smtClean="0"/>
+          </a:p>
+        </p:txBody>
+      </p:sp>
+    </p:spTree>
+    <p:extLst>
+      <p:ext uri="{BB962C8B-B14F-4D97-AF65-F5344CB8AC3E}">
+        <p14:creationId xmlns:p14="http://schemas.microsoft.com/office/powerpoint/2010/main" val="3841145026"/>
+      </p:ext>
+    </p:extLst>
+  </p:cSld>
+  <p:clrMapOvr>
+    <a:masterClrMapping/>
+  </p:clrMapOvr>
+  <p:timing>
+    <p:tnLst>
+      <p:par>
+        <p:cTn id="1" dur="indefinite" restart="never" nodeType="tmRoot"/>
+      </p:par>
+    </p:tnLst>
+  </p:timing>
+</p:sld>
+</file>
+
+<file path=ppt/slides/slide25.xml><?xml version="1.0" encoding="utf-8"?>
+<p:sld xmlns:a="http://schemas.openxmlformats.org/drawingml/2006/main" xmlns:r="http://schemas.openxmlformats.org/officeDocument/2006/relationships" xmlns:p="http://schemas.openxmlformats.org/presentationml/2006/main">
+  <p:cSld>
+    <p:spTree>
+      <p:nvGrpSpPr>
+        <p:cNvPr id="1" name=""/>
+        <p:cNvGrpSpPr/>
+        <p:nvPr/>
+      </p:nvGrpSpPr>
+      <p:grpSpPr>
+        <a:xfrm>
+          <a:off x="0" y="0"/>
+          <a:ext cx="0" cy="0"/>
+          <a:chOff x="0" y="0"/>
+          <a:chExt cx="0" cy="0"/>
+        </a:xfrm>
+      </p:grpSpPr>
+      <p:sp>
+        <p:nvSpPr>
+          <p:cNvPr id="2" name="Title 1"/>
+          <p:cNvSpPr>
+            <a:spLocks noGrp="1"/>
+          </p:cNvSpPr>
+          <p:nvPr>
+            <p:ph type="title"/>
+          </p:nvPr>
+        </p:nvSpPr>
+        <p:spPr>
+          <a:xfrm>
+            <a:off x="457200" y="0"/>
+            <a:ext cx="8229600" cy="762000"/>
+          </a:xfrm>
+        </p:spPr>
+        <p:txBody>
+          <a:bodyPr>
+            <a:normAutofit/>
+          </a:bodyPr>
+          <a:lstStyle/>
+          <a:p>
+            <a:r>
+              <a:rPr lang="en-US" dirty="0" smtClean="0"/>
+              <a:t>Robot</a:t>
+            </a:r>
+            <a:endParaRPr lang="en-US" dirty="0"/>
+          </a:p>
+        </p:txBody>
+      </p:sp>
+      <p:sp>
+        <p:nvSpPr>
+          <p:cNvPr id="3" name="Content Placeholder 2"/>
+          <p:cNvSpPr>
+            <a:spLocks noGrp="1"/>
+          </p:cNvSpPr>
+          <p:nvPr>
+            <p:ph idx="1"/>
+          </p:nvPr>
+        </p:nvSpPr>
+        <p:spPr>
+          <a:xfrm>
+            <a:off x="2743200" y="685800"/>
+            <a:ext cx="3810000" cy="5211763"/>
+          </a:xfrm>
+        </p:spPr>
+        <p:txBody>
+          <a:bodyPr/>
+          <a:lstStyle/>
+          <a:p>
+            <a:pPr marL="0" indent="0" algn="ctr">
+              <a:buNone/>
+            </a:pPr>
+            <a:r>
+              <a:rPr lang="en-US" sz="4000" dirty="0" smtClean="0"/>
+              <a:t>Hardware</a:t>
+            </a:r>
+          </a:p>
+          <a:p>
+            <a:r>
+              <a:rPr lang="en-US" dirty="0" smtClean="0"/>
+              <a:t>Microprocessor</a:t>
+            </a:r>
+          </a:p>
+          <a:p>
+            <a:r>
+              <a:rPr lang="en-US" sz="4400" dirty="0" smtClean="0">
+                <a:effectLst>
+                  <a:outerShdw blurRad="38100" dist="38100" dir="2700000" algn="tl">
+                    <a:srgbClr val="000000">
+                      <a:alpha val="43137"/>
+                    </a:srgbClr>
+                  </a:outerShdw>
+                </a:effectLst>
+              </a:rPr>
+              <a:t>Sensors</a:t>
+            </a:r>
+          </a:p>
+          <a:p>
+            <a:r>
+              <a:rPr lang="en-US" dirty="0" smtClean="0"/>
+              <a:t>Motors</a:t>
+            </a:r>
+          </a:p>
+          <a:p>
+            <a:r>
+              <a:rPr lang="en-US" dirty="0" smtClean="0"/>
+              <a:t>Power</a:t>
+            </a:r>
+          </a:p>
+          <a:p>
+            <a:pPr marL="0" indent="0" algn="ctr">
+              <a:buNone/>
+            </a:pPr>
+            <a:r>
+              <a:rPr lang="en-US" sz="4000" dirty="0" smtClean="0"/>
+              <a:t>Software</a:t>
+            </a:r>
+            <a:endParaRPr lang="en-US" sz="4000" dirty="0"/>
+          </a:p>
+          <a:p>
+            <a:pPr marL="0" indent="0">
+              <a:buNone/>
+            </a:pPr>
+            <a:endParaRPr lang="en-US" dirty="0" smtClean="0"/>
+          </a:p>
+          <a:p>
+            <a:pPr marL="0" indent="0">
+              <a:buNone/>
+            </a:pPr>
+            <a:endParaRPr lang="en-US" dirty="0" smtClean="0"/>
+          </a:p>
+        </p:txBody>
+      </p:sp>
+    </p:spTree>
+    <p:extLst>
+      <p:ext uri="{BB962C8B-B14F-4D97-AF65-F5344CB8AC3E}">
+        <p14:creationId xmlns:p14="http://schemas.microsoft.com/office/powerpoint/2010/main" val="2445009416"/>
+      </p:ext>
+    </p:extLst>
+  </p:cSld>
+  <p:clrMapOvr>
+    <a:masterClrMapping/>
+  </p:clrMapOvr>
+  <p:timing>
+    <p:tnLst>
+      <p:par>
+        <p:cTn id="1" dur="indefinite" restart="never" nodeType="tmRoot"/>
+      </p:par>
+    </p:tnLst>
+  </p:timing>
+</p:sld>
+</file>
+
+<file path=ppt/slides/slide26.xml><?xml version="1.0" encoding="utf-8"?>
+<p:sld xmlns:a="http://schemas.openxmlformats.org/drawingml/2006/main" xmlns:r="http://schemas.openxmlformats.org/officeDocument/2006/relationships" xmlns:p="http://schemas.openxmlformats.org/presentationml/2006/main">
+  <p:cSld>
+    <p:spTree>
+      <p:nvGrpSpPr>
+        <p:cNvPr id="1" name=""/>
+        <p:cNvGrpSpPr/>
+        <p:nvPr/>
+      </p:nvGrpSpPr>
+      <p:grpSpPr>
+        <a:xfrm>
+          <a:off x="0" y="0"/>
+          <a:ext cx="0" cy="0"/>
+          <a:chOff x="0" y="0"/>
+          <a:chExt cx="0" cy="0"/>
+        </a:xfrm>
+      </p:grpSpPr>
+      <p:sp>
+        <p:nvSpPr>
+          <p:cNvPr id="2" name="Title 1"/>
+          <p:cNvSpPr>
+            <a:spLocks noGrp="1"/>
+          </p:cNvSpPr>
+          <p:nvPr>
+            <p:ph type="title"/>
+          </p:nvPr>
+        </p:nvSpPr>
+        <p:spPr>
+          <a:xfrm>
+            <a:off x="457200" y="0"/>
+            <a:ext cx="8229600" cy="762000"/>
+          </a:xfrm>
+        </p:spPr>
+        <p:txBody>
+          <a:bodyPr>
+            <a:normAutofit/>
+          </a:bodyPr>
+          <a:lstStyle/>
+          <a:p>
+            <a:r>
+              <a:rPr lang="en-US" dirty="0" smtClean="0"/>
+              <a:t>Sensors</a:t>
+            </a:r>
+            <a:endParaRPr lang="en-US" dirty="0"/>
+          </a:p>
+        </p:txBody>
+      </p:sp>
+      <p:sp>
+        <p:nvSpPr>
+          <p:cNvPr id="3" name="Content Placeholder 2"/>
+          <p:cNvSpPr>
+            <a:spLocks noGrp="1"/>
+          </p:cNvSpPr>
+          <p:nvPr>
+            <p:ph idx="1"/>
+          </p:nvPr>
+        </p:nvSpPr>
+        <p:spPr>
+          <a:xfrm>
+            <a:off x="2667000" y="838200"/>
+            <a:ext cx="4648200" cy="4525963"/>
+          </a:xfrm>
+        </p:spPr>
+        <p:txBody>
+          <a:bodyPr/>
+          <a:lstStyle/>
+          <a:p>
+            <a:r>
+              <a:rPr lang="en-US" dirty="0" smtClean="0"/>
+              <a:t>Movement</a:t>
+            </a:r>
+          </a:p>
+          <a:p>
+            <a:r>
+              <a:rPr lang="en-US" dirty="0" smtClean="0"/>
+              <a:t>Distance</a:t>
+            </a:r>
+          </a:p>
+          <a:p>
+            <a:r>
+              <a:rPr lang="en-US" dirty="0" smtClean="0"/>
+              <a:t>Light</a:t>
+            </a:r>
+          </a:p>
+          <a:p>
+            <a:r>
+              <a:rPr lang="en-US" dirty="0" smtClean="0"/>
+              <a:t>Environment</a:t>
+            </a:r>
+            <a:endParaRPr lang="en-US" dirty="0"/>
+          </a:p>
+        </p:txBody>
+      </p:sp>
+    </p:spTree>
+    <p:extLst>
+      <p:ext uri="{BB962C8B-B14F-4D97-AF65-F5344CB8AC3E}">
+        <p14:creationId xmlns:p14="http://schemas.microsoft.com/office/powerpoint/2010/main" val="1083141747"/>
+      </p:ext>
+    </p:extLst>
+  </p:cSld>
+  <p:clrMapOvr>
+    <a:masterClrMapping/>
+  </p:clrMapOvr>
+  <p:timing>
+    <p:tnLst>
+      <p:par>
+        <p:cTn id="1" dur="indefinite" restart="never" nodeType="tmRoot"/>
+      </p:par>
+    </p:tnLst>
+  </p:timing>
+</p:sld>
+</file>
+
+<file path=ppt/slides/slide27.xml><?xml version="1.0" encoding="utf-8"?>
+<p:sld xmlns:a="http://schemas.openxmlformats.org/drawingml/2006/main" xmlns:r="http://schemas.openxmlformats.org/officeDocument/2006/relationships" xmlns:p="http://schemas.openxmlformats.org/presentationml/2006/main">
+  <p:cSld>
+    <p:spTree>
+      <p:nvGrpSpPr>
+        <p:cNvPr id="1" name=""/>
+        <p:cNvGrpSpPr/>
+        <p:nvPr/>
+      </p:nvGrpSpPr>
+      <p:grpSpPr>
+        <a:xfrm>
+          <a:off x="0" y="0"/>
+          <a:ext cx="0" cy="0"/>
+          <a:chOff x="0" y="0"/>
+          <a:chExt cx="0" cy="0"/>
+        </a:xfrm>
+      </p:grpSpPr>
+      <p:sp>
+        <p:nvSpPr>
+          <p:cNvPr id="2" name="Title 1"/>
+          <p:cNvSpPr>
+            <a:spLocks noGrp="1"/>
+          </p:cNvSpPr>
+          <p:nvPr>
+            <p:ph type="title"/>
+          </p:nvPr>
+        </p:nvSpPr>
+        <p:spPr>
+          <a:xfrm>
+            <a:off x="457200" y="0"/>
+            <a:ext cx="8229600" cy="762000"/>
+          </a:xfrm>
+        </p:spPr>
+        <p:txBody>
+          <a:bodyPr>
+            <a:normAutofit/>
+          </a:bodyPr>
+          <a:lstStyle/>
+          <a:p>
+            <a:r>
+              <a:rPr lang="en-US" dirty="0" smtClean="0"/>
+              <a:t>Movement Sensors</a:t>
+            </a:r>
+            <a:endParaRPr lang="en-US" dirty="0"/>
+          </a:p>
+        </p:txBody>
+      </p:sp>
+      <p:sp>
+        <p:nvSpPr>
+          <p:cNvPr id="3" name="Content Placeholder 2"/>
+          <p:cNvSpPr>
+            <a:spLocks noGrp="1"/>
+          </p:cNvSpPr>
+          <p:nvPr>
+            <p:ph idx="1"/>
+          </p:nvPr>
+        </p:nvSpPr>
+        <p:spPr>
+          <a:xfrm>
+            <a:off x="2667000" y="838200"/>
+            <a:ext cx="4648200" cy="4525963"/>
+          </a:xfrm>
+        </p:spPr>
+        <p:txBody>
+          <a:bodyPr/>
+          <a:lstStyle/>
+          <a:p>
+            <a:r>
+              <a:rPr lang="en-US" dirty="0" smtClean="0"/>
+              <a:t>Accelerometer</a:t>
+            </a:r>
+          </a:p>
+          <a:p>
+            <a:pPr lvl="1"/>
+            <a:r>
+              <a:rPr lang="en-US" dirty="0" smtClean="0"/>
+              <a:t>How fast?</a:t>
+            </a:r>
+          </a:p>
+          <a:p>
+            <a:r>
+              <a:rPr lang="en-US" dirty="0" err="1" smtClean="0"/>
+              <a:t>Gryo</a:t>
+            </a:r>
+            <a:endParaRPr lang="en-US" dirty="0" smtClean="0"/>
+          </a:p>
+          <a:p>
+            <a:pPr lvl="1"/>
+            <a:r>
+              <a:rPr lang="en-US" dirty="0" smtClean="0"/>
+              <a:t>Tilt &amp; Direction</a:t>
+            </a:r>
+          </a:p>
+          <a:p>
+            <a:r>
+              <a:rPr lang="en-US" dirty="0" smtClean="0"/>
+              <a:t>Compass</a:t>
+            </a:r>
+          </a:p>
+          <a:p>
+            <a:pPr lvl="1"/>
+            <a:r>
+              <a:rPr lang="en-US" dirty="0" smtClean="0"/>
+              <a:t>Direction </a:t>
+            </a:r>
+          </a:p>
+          <a:p>
+            <a:r>
+              <a:rPr lang="en-US" dirty="0" smtClean="0"/>
+              <a:t>Proximity</a:t>
+            </a:r>
+          </a:p>
+          <a:p>
+            <a:pPr lvl="1"/>
+            <a:r>
+              <a:rPr lang="en-US" dirty="0" smtClean="0"/>
+              <a:t>Detect movement</a:t>
+            </a:r>
+            <a:endParaRPr lang="en-US" dirty="0"/>
+          </a:p>
+        </p:txBody>
+      </p:sp>
+    </p:spTree>
+    <p:extLst>
+      <p:ext uri="{BB962C8B-B14F-4D97-AF65-F5344CB8AC3E}">
+        <p14:creationId xmlns:p14="http://schemas.microsoft.com/office/powerpoint/2010/main" val="4005172412"/>
+      </p:ext>
+    </p:extLst>
+  </p:cSld>
+  <p:clrMapOvr>
+    <a:masterClrMapping/>
+  </p:clrMapOvr>
+  <p:timing>
+    <p:tnLst>
+      <p:par>
+        <p:cTn id="1" dur="indefinite" restart="never" nodeType="tmRoot"/>
+      </p:par>
+    </p:tnLst>
+  </p:timing>
+</p:sld>
+</file>
+
+<file path=ppt/slides/slide28.xml><?xml version="1.0" encoding="utf-8"?>
+<p:sld xmlns:a="http://schemas.openxmlformats.org/drawingml/2006/main" xmlns:r="http://schemas.openxmlformats.org/officeDocument/2006/relationships" xmlns:p="http://schemas.openxmlformats.org/presentationml/2006/main">
+  <p:cSld>
+    <p:spTree>
+      <p:nvGrpSpPr>
+        <p:cNvPr id="1" name=""/>
+        <p:cNvGrpSpPr/>
+        <p:nvPr/>
+      </p:nvGrpSpPr>
+      <p:grpSpPr>
+        <a:xfrm>
+          <a:off x="0" y="0"/>
+          <a:ext cx="0" cy="0"/>
+          <a:chOff x="0" y="0"/>
+          <a:chExt cx="0" cy="0"/>
+        </a:xfrm>
+      </p:grpSpPr>
+      <p:sp>
+        <p:nvSpPr>
+          <p:cNvPr id="2" name="Title 1"/>
+          <p:cNvSpPr>
+            <a:spLocks noGrp="1"/>
+          </p:cNvSpPr>
+          <p:nvPr>
+            <p:ph type="title"/>
+          </p:nvPr>
+        </p:nvSpPr>
+        <p:spPr>
+          <a:xfrm>
+            <a:off x="457200" y="0"/>
+            <a:ext cx="8229600" cy="762000"/>
+          </a:xfrm>
+        </p:spPr>
+        <p:txBody>
+          <a:bodyPr>
+            <a:normAutofit/>
+          </a:bodyPr>
+          <a:lstStyle/>
+          <a:p>
+            <a:r>
+              <a:rPr lang="en-US" dirty="0" smtClean="0"/>
+              <a:t>Distance Sensors</a:t>
+            </a:r>
+            <a:endParaRPr lang="en-US" dirty="0"/>
+          </a:p>
+        </p:txBody>
+      </p:sp>
+      <p:sp>
+        <p:nvSpPr>
+          <p:cNvPr id="3" name="Content Placeholder 2"/>
+          <p:cNvSpPr>
+            <a:spLocks noGrp="1"/>
+          </p:cNvSpPr>
+          <p:nvPr>
+            <p:ph idx="1"/>
+          </p:nvPr>
+        </p:nvSpPr>
+        <p:spPr>
+          <a:xfrm>
+            <a:off x="2667000" y="838200"/>
+            <a:ext cx="4648200" cy="4525963"/>
+          </a:xfrm>
+        </p:spPr>
+        <p:txBody>
+          <a:bodyPr/>
+          <a:lstStyle/>
+          <a:p>
+            <a:r>
+              <a:rPr lang="en-US" dirty="0" smtClean="0"/>
+              <a:t>Ultrasonic</a:t>
+            </a:r>
+          </a:p>
+          <a:p>
+            <a:pPr lvl="1"/>
+            <a:r>
+              <a:rPr lang="en-US" dirty="0" smtClean="0"/>
+              <a:t>Uses sound waves</a:t>
+            </a:r>
+          </a:p>
+          <a:p>
+            <a:r>
+              <a:rPr lang="en-US" dirty="0" smtClean="0"/>
+              <a:t>Laser</a:t>
+            </a:r>
+          </a:p>
+          <a:p>
+            <a:pPr lvl="1"/>
+            <a:r>
+              <a:rPr lang="en-US" dirty="0" smtClean="0"/>
+              <a:t>Uses laser light</a:t>
+            </a:r>
+          </a:p>
+          <a:p>
+            <a:r>
+              <a:rPr lang="en-US" dirty="0" smtClean="0"/>
+              <a:t>Encoder</a:t>
+            </a:r>
+          </a:p>
+          <a:p>
+            <a:pPr lvl="1"/>
+            <a:r>
+              <a:rPr lang="en-US" dirty="0" smtClean="0"/>
+              <a:t>Revolutions</a:t>
+            </a:r>
+          </a:p>
+        </p:txBody>
+      </p:sp>
+    </p:spTree>
+    <p:extLst>
+      <p:ext uri="{BB962C8B-B14F-4D97-AF65-F5344CB8AC3E}">
+        <p14:creationId xmlns:p14="http://schemas.microsoft.com/office/powerpoint/2010/main" val="781229495"/>
+      </p:ext>
+    </p:extLst>
+  </p:cSld>
+  <p:clrMapOvr>
+    <a:masterClrMapping/>
+  </p:clrMapOvr>
+  <p:timing>
+    <p:tnLst>
+      <p:par>
+        <p:cTn id="1" dur="indefinite" restart="never" nodeType="tmRoot"/>
+      </p:par>
+    </p:tnLst>
+  </p:timing>
+</p:sld>
+</file>
+
+<file path=ppt/slides/slide29.xml><?xml version="1.0" encoding="utf-8"?>
+<p:sld xmlns:a="http://schemas.openxmlformats.org/drawingml/2006/main" xmlns:r="http://schemas.openxmlformats.org/officeDocument/2006/relationships" xmlns:p="http://schemas.openxmlformats.org/presentationml/2006/main">
+  <p:cSld>
+    <p:spTree>
+      <p:nvGrpSpPr>
+        <p:cNvPr id="1" name=""/>
+        <p:cNvGrpSpPr/>
+        <p:nvPr/>
+      </p:nvGrpSpPr>
+      <p:grpSpPr>
+        <a:xfrm>
+          <a:off x="0" y="0"/>
+          <a:ext cx="0" cy="0"/>
+          <a:chOff x="0" y="0"/>
+          <a:chExt cx="0" cy="0"/>
+        </a:xfrm>
+      </p:grpSpPr>
+      <p:sp>
+        <p:nvSpPr>
+          <p:cNvPr id="2" name="Title 1"/>
+          <p:cNvSpPr>
+            <a:spLocks noGrp="1"/>
+          </p:cNvSpPr>
+          <p:nvPr>
+            <p:ph type="title"/>
+          </p:nvPr>
+        </p:nvSpPr>
+        <p:spPr>
+          <a:xfrm>
+            <a:off x="457200" y="0"/>
+            <a:ext cx="8229600" cy="762000"/>
+          </a:xfrm>
+        </p:spPr>
+        <p:txBody>
+          <a:bodyPr>
+            <a:normAutofit/>
+          </a:bodyPr>
+          <a:lstStyle/>
+          <a:p>
+            <a:r>
+              <a:rPr lang="en-US" dirty="0" smtClean="0"/>
+              <a:t>Light Sensors</a:t>
+            </a:r>
+            <a:endParaRPr lang="en-US" dirty="0"/>
+          </a:p>
+        </p:txBody>
+      </p:sp>
+      <p:sp>
+        <p:nvSpPr>
+          <p:cNvPr id="3" name="Content Placeholder 2"/>
+          <p:cNvSpPr>
+            <a:spLocks noGrp="1"/>
+          </p:cNvSpPr>
+          <p:nvPr>
+            <p:ph idx="1"/>
+          </p:nvPr>
+        </p:nvSpPr>
+        <p:spPr>
+          <a:xfrm>
+            <a:off x="2667000" y="838200"/>
+            <a:ext cx="4648200" cy="4525963"/>
+          </a:xfrm>
+        </p:spPr>
+        <p:txBody>
+          <a:bodyPr/>
+          <a:lstStyle/>
+          <a:p>
+            <a:r>
+              <a:rPr lang="en-US" dirty="0" smtClean="0"/>
+              <a:t>Reflectance</a:t>
+            </a:r>
+          </a:p>
+          <a:p>
+            <a:pPr lvl="1"/>
+            <a:r>
+              <a:rPr lang="en-US" dirty="0" smtClean="0"/>
+              <a:t>Amount of light</a:t>
+            </a:r>
+          </a:p>
+          <a:p>
+            <a:r>
+              <a:rPr lang="en-US" dirty="0" smtClean="0"/>
+              <a:t>Color</a:t>
+            </a:r>
+          </a:p>
+          <a:p>
+            <a:pPr lvl="1"/>
+            <a:r>
+              <a:rPr lang="en-US" dirty="0" smtClean="0"/>
+              <a:t>Wavelength</a:t>
+            </a:r>
+          </a:p>
+        </p:txBody>
+      </p:sp>
+    </p:spTree>
+    <p:extLst>
+      <p:ext uri="{BB962C8B-B14F-4D97-AF65-F5344CB8AC3E}">
+        <p14:creationId xmlns:p14="http://schemas.microsoft.com/office/powerpoint/2010/main" val="3122795189"/>
+      </p:ext>
+    </p:extLst>
+  </p:cSld>
+  <p:clrMapOvr>
+    <a:masterClrMapping/>
+  </p:clrMapOvr>
+  <p:timing>
+    <p:tnLst>
+      <p:par>
+        <p:cTn id="1" dur="indefinite" restart="never" nodeType="tmRoot"/>
+      </p:par>
+    </p:tnLst>
+  </p:timing>
+</p:sld>
+</file>
+
+<file path=ppt/slides/slide3.xml><?xml version="1.0" encoding="utf-8"?>
+<p:sld xmlns:a="http://schemas.openxmlformats.org/drawingml/2006/main" xmlns:r="http://schemas.openxmlformats.org/officeDocument/2006/relationships" xmlns:p="http://schemas.openxmlformats.org/presentationml/2006/main">
+  <p:cSld>
+    <p:spTree>
+      <p:nvGrpSpPr>
+        <p:cNvPr id="1" name=""/>
+        <p:cNvGrpSpPr/>
+        <p:nvPr/>
+      </p:nvGrpSpPr>
+      <p:grpSpPr>
+        <a:xfrm>
+          <a:off x="0" y="0"/>
+          <a:ext cx="0" cy="0"/>
+          <a:chOff x="0" y="0"/>
+          <a:chExt cx="0" cy="0"/>
+        </a:xfrm>
+      </p:grpSpPr>
+      <p:sp>
+        <p:nvSpPr>
+          <p:cNvPr id="2" name="Title 1"/>
+          <p:cNvSpPr>
+            <a:spLocks noGrp="1"/>
+          </p:cNvSpPr>
+          <p:nvPr>
+            <p:ph type="title"/>
+          </p:nvPr>
+        </p:nvSpPr>
+        <p:spPr>
+          <a:xfrm>
+            <a:off x="457200" y="0"/>
+            <a:ext cx="8229600" cy="762000"/>
+          </a:xfrm>
+        </p:spPr>
+        <p:txBody>
+          <a:bodyPr>
+            <a:normAutofit/>
+          </a:bodyPr>
+          <a:lstStyle/>
+          <a:p>
+            <a:r>
+              <a:rPr lang="en-US" dirty="0" smtClean="0"/>
+              <a:t>Robot</a:t>
+            </a:r>
+            <a:endParaRPr lang="en-US" dirty="0"/>
+          </a:p>
+        </p:txBody>
+      </p:sp>
+      <p:sp>
+        <p:nvSpPr>
+          <p:cNvPr id="3" name="Content Placeholder 2"/>
+          <p:cNvSpPr>
+            <a:spLocks noGrp="1"/>
+          </p:cNvSpPr>
+          <p:nvPr>
+            <p:ph idx="1"/>
+          </p:nvPr>
+        </p:nvSpPr>
+        <p:spPr>
+          <a:xfrm>
+            <a:off x="2743200" y="685800"/>
+            <a:ext cx="3810000" cy="5211763"/>
+          </a:xfrm>
+        </p:spPr>
+        <p:txBody>
+          <a:bodyPr/>
+          <a:lstStyle/>
+          <a:p>
+            <a:pPr marL="0" indent="0" algn="ctr">
+              <a:buNone/>
+            </a:pPr>
+            <a:r>
+              <a:rPr lang="en-US" sz="4000" dirty="0" smtClean="0"/>
+              <a:t>Hardware</a:t>
+            </a:r>
+          </a:p>
+          <a:p>
+            <a:r>
+              <a:rPr lang="en-US" dirty="0" smtClean="0"/>
+              <a:t>Microprocessor</a:t>
+            </a:r>
+          </a:p>
+          <a:p>
+            <a:r>
+              <a:rPr lang="en-US" dirty="0" smtClean="0"/>
+              <a:t>Sensors</a:t>
+            </a:r>
+          </a:p>
+          <a:p>
+            <a:r>
+              <a:rPr lang="en-US" dirty="0" smtClean="0"/>
+              <a:t>Motors</a:t>
+            </a:r>
+          </a:p>
+          <a:p>
+            <a:r>
+              <a:rPr lang="en-US" dirty="0" smtClean="0"/>
+              <a:t>Power</a:t>
+            </a:r>
+          </a:p>
+          <a:p>
+            <a:pPr marL="0" indent="0" algn="ctr">
+              <a:buNone/>
+            </a:pPr>
+            <a:r>
+              <a:rPr lang="en-US" sz="4000" dirty="0" smtClean="0"/>
+              <a:t>Software</a:t>
+            </a:r>
+            <a:endParaRPr lang="en-US" sz="4000" dirty="0"/>
+          </a:p>
+          <a:p>
+            <a:r>
+              <a:rPr lang="en-US" dirty="0" smtClean="0"/>
+              <a:t>Code</a:t>
+            </a:r>
+          </a:p>
+          <a:p>
+            <a:pPr marL="0" indent="0">
+              <a:buNone/>
+            </a:pPr>
+            <a:endParaRPr lang="en-US" dirty="0" smtClean="0"/>
+          </a:p>
+        </p:txBody>
+      </p:sp>
+    </p:spTree>
+    <p:extLst>
+      <p:ext uri="{BB962C8B-B14F-4D97-AF65-F5344CB8AC3E}">
+        <p14:creationId xmlns:p14="http://schemas.microsoft.com/office/powerpoint/2010/main" val="1929674055"/>
+      </p:ext>
+    </p:extLst>
+  </p:cSld>
+  <p:clrMapOvr>
+    <a:masterClrMapping/>
+  </p:clrMapOvr>
+  <p:timing>
+    <p:tnLst>
+      <p:par>
+        <p:cTn id="1" dur="indefinite" restart="never" nodeType="tmRoot"/>
+      </p:par>
+    </p:tnLst>
+  </p:timing>
+</p:sld>
+</file>
+
+<file path=ppt/slides/slide30.xml><?xml version="1.0" encoding="utf-8"?>
+<p:sld xmlns:a="http://schemas.openxmlformats.org/drawingml/2006/main" xmlns:r="http://schemas.openxmlformats.org/officeDocument/2006/relationships" xmlns:p="http://schemas.openxmlformats.org/presentationml/2006/main">
+  <p:cSld>
+    <p:spTree>
+      <p:nvGrpSpPr>
+        <p:cNvPr id="1" name=""/>
+        <p:cNvGrpSpPr/>
+        <p:nvPr/>
+      </p:nvGrpSpPr>
+      <p:grpSpPr>
+        <a:xfrm>
+          <a:off x="0" y="0"/>
+          <a:ext cx="0" cy="0"/>
+          <a:chOff x="0" y="0"/>
+          <a:chExt cx="0" cy="0"/>
+        </a:xfrm>
+      </p:grpSpPr>
+      <p:sp>
+        <p:nvSpPr>
+          <p:cNvPr id="2" name="Title 1"/>
+          <p:cNvSpPr>
+            <a:spLocks noGrp="1"/>
+          </p:cNvSpPr>
+          <p:nvPr>
+            <p:ph type="title"/>
+          </p:nvPr>
+        </p:nvSpPr>
+        <p:spPr>
+          <a:xfrm>
+            <a:off x="457200" y="0"/>
+            <a:ext cx="8229600" cy="762000"/>
+          </a:xfrm>
+        </p:spPr>
+        <p:txBody>
+          <a:bodyPr>
+            <a:normAutofit/>
+          </a:bodyPr>
+          <a:lstStyle/>
+          <a:p>
+            <a:r>
+              <a:rPr lang="en-US" dirty="0" smtClean="0"/>
+              <a:t>Environment Sensors</a:t>
+            </a:r>
+            <a:endParaRPr lang="en-US" dirty="0"/>
+          </a:p>
+        </p:txBody>
+      </p:sp>
+      <p:sp>
+        <p:nvSpPr>
+          <p:cNvPr id="3" name="Content Placeholder 2"/>
+          <p:cNvSpPr>
+            <a:spLocks noGrp="1"/>
+          </p:cNvSpPr>
+          <p:nvPr>
+            <p:ph idx="1"/>
+          </p:nvPr>
+        </p:nvSpPr>
+        <p:spPr>
+          <a:xfrm>
+            <a:off x="2667000" y="838200"/>
+            <a:ext cx="4648200" cy="4525963"/>
+          </a:xfrm>
+        </p:spPr>
+        <p:txBody>
+          <a:bodyPr/>
+          <a:lstStyle/>
+          <a:p>
+            <a:r>
+              <a:rPr lang="en-US" dirty="0" smtClean="0"/>
+              <a:t>Temperature</a:t>
+            </a:r>
+          </a:p>
+          <a:p>
+            <a:r>
+              <a:rPr lang="en-US" dirty="0" smtClean="0"/>
+              <a:t>Humidity</a:t>
+            </a:r>
+          </a:p>
+          <a:p>
+            <a:r>
+              <a:rPr lang="en-US" dirty="0" smtClean="0"/>
+              <a:t>Gas</a:t>
+            </a:r>
+          </a:p>
+        </p:txBody>
+      </p:sp>
+    </p:spTree>
+    <p:extLst>
+      <p:ext uri="{BB962C8B-B14F-4D97-AF65-F5344CB8AC3E}">
+        <p14:creationId xmlns:p14="http://schemas.microsoft.com/office/powerpoint/2010/main" val="1970018016"/>
+      </p:ext>
+    </p:extLst>
+  </p:cSld>
+  <p:clrMapOvr>
+    <a:masterClrMapping/>
+  </p:clrMapOvr>
+  <p:timing>
+    <p:tnLst>
+      <p:par>
+        <p:cTn id="1" dur="indefinite" restart="never" nodeType="tmRoot"/>
+      </p:par>
+    </p:tnLst>
+  </p:timing>
+</p:sld>
+</file>
+
+<file path=ppt/slides/slide31.xml><?xml version="1.0" encoding="utf-8"?>
+<p:sld xmlns:a="http://schemas.openxmlformats.org/drawingml/2006/main" xmlns:r="http://schemas.openxmlformats.org/officeDocument/2006/relationships" xmlns:p="http://schemas.openxmlformats.org/presentationml/2006/main">
+  <p:cSld>
+    <p:spTree>
+      <p:nvGrpSpPr>
+        <p:cNvPr id="1" name=""/>
+        <p:cNvGrpSpPr/>
+        <p:nvPr/>
+      </p:nvGrpSpPr>
+      <p:grpSpPr>
+        <a:xfrm>
+          <a:off x="0" y="0"/>
+          <a:ext cx="0" cy="0"/>
+          <a:chOff x="0" y="0"/>
+          <a:chExt cx="0" cy="0"/>
+        </a:xfrm>
+      </p:grpSpPr>
+      <p:sp>
+        <p:nvSpPr>
+          <p:cNvPr id="2" name="Title 1"/>
+          <p:cNvSpPr>
+            <a:spLocks noGrp="1"/>
+          </p:cNvSpPr>
+          <p:nvPr>
+            <p:ph type="title"/>
+          </p:nvPr>
+        </p:nvSpPr>
+        <p:spPr>
+          <a:xfrm>
+            <a:off x="457200" y="0"/>
+            <a:ext cx="8229600" cy="762000"/>
+          </a:xfrm>
+        </p:spPr>
+        <p:txBody>
+          <a:bodyPr>
+            <a:normAutofit/>
+          </a:bodyPr>
+          <a:lstStyle/>
+          <a:p>
+            <a:r>
+              <a:rPr lang="en-US" dirty="0" err="1" smtClean="0"/>
+              <a:t>GeeDee</a:t>
+            </a:r>
+            <a:r>
+              <a:rPr lang="en-US" dirty="0" smtClean="0"/>
+              <a:t> bot</a:t>
+            </a:r>
+            <a:endParaRPr lang="en-US" dirty="0"/>
+          </a:p>
+        </p:txBody>
+      </p:sp>
+      <p:sp>
+        <p:nvSpPr>
+          <p:cNvPr id="3" name="Content Placeholder 2"/>
+          <p:cNvSpPr>
+            <a:spLocks noGrp="1"/>
+          </p:cNvSpPr>
+          <p:nvPr>
+            <p:ph idx="1"/>
+          </p:nvPr>
+        </p:nvSpPr>
+        <p:spPr>
+          <a:xfrm>
+            <a:off x="2362200" y="685800"/>
+            <a:ext cx="5257800" cy="5211763"/>
+          </a:xfrm>
+        </p:spPr>
+        <p:txBody>
+          <a:bodyPr>
+            <a:normAutofit fontScale="92500" lnSpcReduction="10000"/>
+          </a:bodyPr>
+          <a:lstStyle/>
+          <a:p>
+            <a:pPr marL="0" indent="0" algn="ctr">
+              <a:buNone/>
+            </a:pPr>
+            <a:r>
+              <a:rPr lang="en-US" sz="4000" dirty="0" smtClean="0"/>
+              <a:t>Hardware</a:t>
+            </a:r>
+          </a:p>
+          <a:p>
+            <a:r>
+              <a:rPr lang="en-US" dirty="0" smtClean="0"/>
+              <a:t>Microprocessor</a:t>
+            </a:r>
+          </a:p>
+          <a:p>
+            <a:pPr lvl="1"/>
+            <a:r>
+              <a:rPr lang="en-US" sz="3200" dirty="0" err="1" smtClean="0">
+                <a:effectLst>
+                  <a:outerShdw blurRad="38100" dist="38100" dir="2700000" algn="tl">
+                    <a:srgbClr val="000000">
+                      <a:alpha val="43137"/>
+                    </a:srgbClr>
+                  </a:outerShdw>
+                </a:effectLst>
+              </a:rPr>
+              <a:t>Adafruit</a:t>
+            </a:r>
+            <a:r>
+              <a:rPr lang="en-US" sz="3200" dirty="0" smtClean="0">
+                <a:effectLst>
+                  <a:outerShdw blurRad="38100" dist="38100" dir="2700000" algn="tl">
+                    <a:srgbClr val="000000">
+                      <a:alpha val="43137"/>
+                    </a:srgbClr>
+                  </a:outerShdw>
+                </a:effectLst>
+              </a:rPr>
+              <a:t> Pro Trinket – 5V</a:t>
+            </a:r>
+          </a:p>
+          <a:p>
+            <a:r>
+              <a:rPr lang="en-US" dirty="0" smtClean="0"/>
+              <a:t>Sensors</a:t>
+            </a:r>
+          </a:p>
+          <a:p>
+            <a:pPr lvl="1"/>
+            <a:r>
+              <a:rPr lang="en-US" sz="3200" dirty="0">
+                <a:effectLst>
+                  <a:outerShdw blurRad="38100" dist="38100" dir="2700000" algn="tl">
+                    <a:srgbClr val="000000">
+                      <a:alpha val="43137"/>
+                    </a:srgbClr>
+                  </a:outerShdw>
+                </a:effectLst>
+              </a:rPr>
+              <a:t>HC-SR04 Ultrasonic </a:t>
+            </a:r>
+            <a:r>
+              <a:rPr lang="en-US" sz="3200" dirty="0" smtClean="0">
+                <a:effectLst>
+                  <a:outerShdw blurRad="38100" dist="38100" dir="2700000" algn="tl">
+                    <a:srgbClr val="000000">
+                      <a:alpha val="43137"/>
+                    </a:srgbClr>
+                  </a:outerShdw>
+                </a:effectLst>
+              </a:rPr>
+              <a:t>Sensor</a:t>
+            </a:r>
+          </a:p>
+          <a:p>
+            <a:r>
+              <a:rPr lang="en-US" dirty="0" smtClean="0"/>
+              <a:t>Motors</a:t>
+            </a:r>
+          </a:p>
+          <a:p>
+            <a:r>
+              <a:rPr lang="en-US" dirty="0" smtClean="0"/>
+              <a:t>Power</a:t>
+            </a:r>
+          </a:p>
+          <a:p>
+            <a:pPr marL="0" indent="0" algn="ctr">
+              <a:buNone/>
+            </a:pPr>
+            <a:r>
+              <a:rPr lang="en-US" sz="4000" dirty="0" smtClean="0"/>
+              <a:t>Software</a:t>
+            </a:r>
+            <a:endParaRPr lang="en-US" sz="4000" dirty="0"/>
+          </a:p>
+          <a:p>
+            <a:r>
+              <a:rPr lang="en-US" sz="3600" dirty="0" smtClean="0">
+                <a:effectLst>
+                  <a:outerShdw blurRad="38100" dist="38100" dir="2700000" algn="tl">
+                    <a:srgbClr val="000000">
+                      <a:alpha val="43137"/>
+                    </a:srgbClr>
+                  </a:outerShdw>
+                </a:effectLst>
+              </a:rPr>
+              <a:t>Arduino IDE</a:t>
+            </a:r>
+          </a:p>
+          <a:p>
+            <a:pPr marL="0" indent="0">
+              <a:buNone/>
+            </a:pPr>
+            <a:endParaRPr lang="en-US" dirty="0" smtClean="0"/>
+          </a:p>
+        </p:txBody>
+      </p:sp>
+    </p:spTree>
+    <p:extLst>
+      <p:ext uri="{BB962C8B-B14F-4D97-AF65-F5344CB8AC3E}">
+        <p14:creationId xmlns:p14="http://schemas.microsoft.com/office/powerpoint/2010/main" val="3262961727"/>
+      </p:ext>
+    </p:extLst>
+  </p:cSld>
+  <p:clrMapOvr>
+    <a:masterClrMapping/>
+  </p:clrMapOvr>
+  <p:timing>
+    <p:tnLst>
+      <p:par>
+        <p:cTn id="1" dur="indefinite" restart="never" nodeType="tmRoot"/>
+      </p:par>
+    </p:tnLst>
+  </p:timing>
+</p:sld>
+</file>
+
+<file path=ppt/slides/slide32.xml><?xml version="1.0" encoding="utf-8"?>
+<p:sld xmlns:a="http://schemas.openxmlformats.org/drawingml/2006/main" xmlns:r="http://schemas.openxmlformats.org/officeDocument/2006/relationships" xmlns:p="http://schemas.openxmlformats.org/presentationml/2006/main">
+  <p:cSld>
+    <p:spTree>
+      <p:nvGrpSpPr>
+        <p:cNvPr id="1" name=""/>
+        <p:cNvGrpSpPr/>
+        <p:nvPr/>
+      </p:nvGrpSpPr>
+      <p:grpSpPr>
+        <a:xfrm>
+          <a:off x="0" y="0"/>
+          <a:ext cx="0" cy="0"/>
+          <a:chOff x="0" y="0"/>
+          <a:chExt cx="0" cy="0"/>
+        </a:xfrm>
+      </p:grpSpPr>
+      <p:sp>
+        <p:nvSpPr>
+          <p:cNvPr id="2" name="Title 1"/>
+          <p:cNvSpPr>
+            <a:spLocks noGrp="1"/>
+          </p:cNvSpPr>
+          <p:nvPr>
+            <p:ph type="title"/>
+          </p:nvPr>
+        </p:nvSpPr>
+        <p:spPr>
+          <a:xfrm>
+            <a:off x="457200" y="0"/>
+            <a:ext cx="8229600" cy="762000"/>
+          </a:xfrm>
+        </p:spPr>
+        <p:txBody>
+          <a:bodyPr>
+            <a:normAutofit/>
+          </a:bodyPr>
+          <a:lstStyle/>
+          <a:p>
+            <a:r>
+              <a:rPr lang="en-US" dirty="0" smtClean="0"/>
+              <a:t>Robot</a:t>
+            </a:r>
+            <a:endParaRPr lang="en-US" dirty="0"/>
+          </a:p>
+        </p:txBody>
+      </p:sp>
+      <p:sp>
+        <p:nvSpPr>
+          <p:cNvPr id="3" name="Content Placeholder 2"/>
+          <p:cNvSpPr>
+            <a:spLocks noGrp="1"/>
+          </p:cNvSpPr>
+          <p:nvPr>
+            <p:ph idx="1"/>
+          </p:nvPr>
+        </p:nvSpPr>
+        <p:spPr>
+          <a:xfrm>
+            <a:off x="2743200" y="685800"/>
+            <a:ext cx="3810000" cy="5211763"/>
+          </a:xfrm>
+        </p:spPr>
+        <p:txBody>
+          <a:bodyPr/>
+          <a:lstStyle/>
+          <a:p>
+            <a:pPr marL="0" indent="0" algn="ctr">
+              <a:buNone/>
+            </a:pPr>
+            <a:r>
+              <a:rPr lang="en-US" sz="4000" dirty="0" smtClean="0"/>
+              <a:t>Hardware</a:t>
+            </a:r>
+          </a:p>
+          <a:p>
+            <a:r>
+              <a:rPr lang="en-US" dirty="0" smtClean="0"/>
+              <a:t>Microprocessor</a:t>
+            </a:r>
+          </a:p>
+          <a:p>
+            <a:r>
+              <a:rPr lang="en-US" dirty="0" smtClean="0"/>
+              <a:t>Sensors</a:t>
+            </a:r>
+          </a:p>
+          <a:p>
+            <a:r>
+              <a:rPr lang="en-US" sz="4000" dirty="0" smtClean="0">
+                <a:effectLst>
+                  <a:outerShdw blurRad="38100" dist="38100" dir="2700000" algn="tl">
+                    <a:srgbClr val="000000">
+                      <a:alpha val="43137"/>
+                    </a:srgbClr>
+                  </a:outerShdw>
+                </a:effectLst>
+              </a:rPr>
+              <a:t>Motors</a:t>
+            </a:r>
+          </a:p>
+          <a:p>
+            <a:r>
+              <a:rPr lang="en-US" dirty="0" smtClean="0"/>
+              <a:t>Power</a:t>
+            </a:r>
+          </a:p>
+          <a:p>
+            <a:pPr marL="0" indent="0" algn="ctr">
+              <a:buNone/>
+            </a:pPr>
+            <a:r>
+              <a:rPr lang="en-US" sz="4000" dirty="0" smtClean="0"/>
+              <a:t>Software</a:t>
+            </a:r>
+            <a:endParaRPr lang="en-US" sz="4000" dirty="0"/>
+          </a:p>
+          <a:p>
+            <a:pPr marL="0" indent="0">
+              <a:buNone/>
+            </a:pPr>
+            <a:endParaRPr lang="en-US" dirty="0" smtClean="0"/>
+          </a:p>
+        </p:txBody>
+      </p:sp>
+    </p:spTree>
+    <p:extLst>
+      <p:ext uri="{BB962C8B-B14F-4D97-AF65-F5344CB8AC3E}">
+        <p14:creationId xmlns:p14="http://schemas.microsoft.com/office/powerpoint/2010/main" val="1164113451"/>
+      </p:ext>
+    </p:extLst>
+  </p:cSld>
+  <p:clrMapOvr>
+    <a:masterClrMapping/>
+  </p:clrMapOvr>
+  <p:timing>
+    <p:tnLst>
+      <p:par>
+        <p:cTn id="1" dur="indefinite" restart="never" nodeType="tmRoot"/>
+      </p:par>
+    </p:tnLst>
+  </p:timing>
+</p:sld>
+</file>
+
+<file path=ppt/slides/slide33.xml><?xml version="1.0" encoding="utf-8"?>
+<p:sld xmlns:a="http://schemas.openxmlformats.org/drawingml/2006/main" xmlns:r="http://schemas.openxmlformats.org/officeDocument/2006/relationships" xmlns:p="http://schemas.openxmlformats.org/presentationml/2006/main">
+  <p:cSld>
+    <p:spTree>
+      <p:nvGrpSpPr>
+        <p:cNvPr id="1" name=""/>
+        <p:cNvGrpSpPr/>
+        <p:nvPr/>
+      </p:nvGrpSpPr>
+      <p:grpSpPr>
+        <a:xfrm>
+          <a:off x="0" y="0"/>
+          <a:ext cx="0" cy="0"/>
+          <a:chOff x="0" y="0"/>
+          <a:chExt cx="0" cy="0"/>
+        </a:xfrm>
+      </p:grpSpPr>
+      <p:sp>
+        <p:nvSpPr>
+          <p:cNvPr id="2" name="Title 1"/>
+          <p:cNvSpPr>
+            <a:spLocks noGrp="1"/>
+          </p:cNvSpPr>
+          <p:nvPr>
+            <p:ph type="title"/>
+          </p:nvPr>
+        </p:nvSpPr>
+        <p:spPr>
+          <a:xfrm>
+            <a:off x="457200" y="0"/>
+            <a:ext cx="8229600" cy="762000"/>
+          </a:xfrm>
+        </p:spPr>
+        <p:txBody>
+          <a:bodyPr>
+            <a:normAutofit/>
+          </a:bodyPr>
+          <a:lstStyle/>
+          <a:p>
+            <a:r>
+              <a:rPr lang="en-US" dirty="0" smtClean="0"/>
+              <a:t>Motors</a:t>
+            </a:r>
+            <a:endParaRPr lang="en-US" dirty="0"/>
+          </a:p>
+        </p:txBody>
+      </p:sp>
+      <p:sp>
+        <p:nvSpPr>
+          <p:cNvPr id="3" name="Content Placeholder 2"/>
+          <p:cNvSpPr>
+            <a:spLocks noGrp="1"/>
+          </p:cNvSpPr>
+          <p:nvPr>
+            <p:ph idx="1"/>
+          </p:nvPr>
+        </p:nvSpPr>
+        <p:spPr>
+          <a:xfrm>
+            <a:off x="2667000" y="838200"/>
+            <a:ext cx="4648200" cy="4525963"/>
+          </a:xfrm>
+        </p:spPr>
+        <p:txBody>
+          <a:bodyPr/>
+          <a:lstStyle/>
+          <a:p>
+            <a:r>
+              <a:rPr lang="en-US" dirty="0" smtClean="0"/>
+              <a:t>Electric</a:t>
+            </a:r>
+          </a:p>
+          <a:p>
+            <a:r>
+              <a:rPr lang="en-US" dirty="0" smtClean="0"/>
+              <a:t>Stepper</a:t>
+            </a:r>
+          </a:p>
+          <a:p>
+            <a:r>
+              <a:rPr lang="en-US" dirty="0" smtClean="0"/>
+              <a:t>Servo</a:t>
+            </a:r>
+          </a:p>
+        </p:txBody>
+      </p:sp>
+    </p:spTree>
+    <p:extLst>
+      <p:ext uri="{BB962C8B-B14F-4D97-AF65-F5344CB8AC3E}">
+        <p14:creationId xmlns:p14="http://schemas.microsoft.com/office/powerpoint/2010/main" val="3750788543"/>
+      </p:ext>
+    </p:extLst>
+  </p:cSld>
+  <p:clrMapOvr>
+    <a:masterClrMapping/>
+  </p:clrMapOvr>
+  <p:timing>
+    <p:tnLst>
+      <p:par>
+        <p:cTn id="1" dur="indefinite" restart="never" nodeType="tmRoot"/>
+      </p:par>
+    </p:tnLst>
+  </p:timing>
+</p:sld>
+</file>
+
+<file path=ppt/slides/slide34.xml><?xml version="1.0" encoding="utf-8"?>
+<p:sld xmlns:a="http://schemas.openxmlformats.org/drawingml/2006/main" xmlns:r="http://schemas.openxmlformats.org/officeDocument/2006/relationships" xmlns:p="http://schemas.openxmlformats.org/presentationml/2006/main">
+  <p:cSld>
+    <p:spTree>
+      <p:nvGrpSpPr>
+        <p:cNvPr id="1" name=""/>
+        <p:cNvGrpSpPr/>
+        <p:nvPr/>
+      </p:nvGrpSpPr>
+      <p:grpSpPr>
+        <a:xfrm>
+          <a:off x="0" y="0"/>
+          <a:ext cx="0" cy="0"/>
+          <a:chOff x="0" y="0"/>
+          <a:chExt cx="0" cy="0"/>
+        </a:xfrm>
+      </p:grpSpPr>
+      <p:sp>
+        <p:nvSpPr>
+          <p:cNvPr id="2" name="Title 1"/>
+          <p:cNvSpPr>
+            <a:spLocks noGrp="1"/>
+          </p:cNvSpPr>
+          <p:nvPr>
+            <p:ph type="title"/>
+          </p:nvPr>
+        </p:nvSpPr>
+        <p:spPr>
+          <a:xfrm>
+            <a:off x="457200" y="0"/>
+            <a:ext cx="8229600" cy="762000"/>
+          </a:xfrm>
+        </p:spPr>
+        <p:txBody>
+          <a:bodyPr>
+            <a:normAutofit/>
+          </a:bodyPr>
+          <a:lstStyle/>
+          <a:p>
+            <a:r>
+              <a:rPr lang="en-US" dirty="0" smtClean="0"/>
+              <a:t>Electric Motors</a:t>
+            </a:r>
+            <a:endParaRPr lang="en-US" dirty="0"/>
+          </a:p>
+        </p:txBody>
+      </p:sp>
+      <p:sp>
+        <p:nvSpPr>
+          <p:cNvPr id="3" name="Content Placeholder 2"/>
+          <p:cNvSpPr>
+            <a:spLocks noGrp="1"/>
+          </p:cNvSpPr>
+          <p:nvPr>
+            <p:ph idx="1"/>
+          </p:nvPr>
+        </p:nvSpPr>
+        <p:spPr>
+          <a:xfrm>
+            <a:off x="2667000" y="838200"/>
+            <a:ext cx="4648200" cy="4525963"/>
+          </a:xfrm>
+        </p:spPr>
+        <p:txBody>
+          <a:bodyPr/>
+          <a:lstStyle/>
+          <a:p>
+            <a:r>
+              <a:rPr lang="en-US" dirty="0" smtClean="0"/>
+              <a:t>Voltage (3 – 6 V)</a:t>
+            </a:r>
+          </a:p>
+          <a:p>
+            <a:r>
+              <a:rPr lang="en-US" dirty="0" smtClean="0"/>
+              <a:t>RPM</a:t>
+            </a:r>
+          </a:p>
+          <a:p>
+            <a:r>
+              <a:rPr lang="en-US" dirty="0" smtClean="0"/>
+              <a:t>Gearing</a:t>
+            </a:r>
+          </a:p>
+          <a:p>
+            <a:r>
+              <a:rPr lang="en-US" dirty="0" smtClean="0"/>
+              <a:t>Controller</a:t>
+            </a:r>
+          </a:p>
+        </p:txBody>
+      </p:sp>
+    </p:spTree>
+    <p:extLst>
+      <p:ext uri="{BB962C8B-B14F-4D97-AF65-F5344CB8AC3E}">
+        <p14:creationId xmlns:p14="http://schemas.microsoft.com/office/powerpoint/2010/main" val="66825128"/>
+      </p:ext>
+    </p:extLst>
+  </p:cSld>
+  <p:clrMapOvr>
+    <a:masterClrMapping/>
+  </p:clrMapOvr>
+  <p:timing>
+    <p:tnLst>
+      <p:par>
+        <p:cTn id="1" dur="indefinite" restart="never" nodeType="tmRoot"/>
+      </p:par>
+    </p:tnLst>
+  </p:timing>
+</p:sld>
+</file>
+
+<file path=ppt/slides/slide35.xml><?xml version="1.0" encoding="utf-8"?>
+<p:sld xmlns:a="http://schemas.openxmlformats.org/drawingml/2006/main" xmlns:r="http://schemas.openxmlformats.org/officeDocument/2006/relationships" xmlns:p="http://schemas.openxmlformats.org/presentationml/2006/main">
+  <p:cSld>
+    <p:spTree>
+      <p:nvGrpSpPr>
+        <p:cNvPr id="1" name=""/>
+        <p:cNvGrpSpPr/>
+        <p:nvPr/>
+      </p:nvGrpSpPr>
+      <p:grpSpPr>
+        <a:xfrm>
+          <a:off x="0" y="0"/>
+          <a:ext cx="0" cy="0"/>
+          <a:chOff x="0" y="0"/>
+          <a:chExt cx="0" cy="0"/>
+        </a:xfrm>
+      </p:grpSpPr>
+      <p:sp>
+        <p:nvSpPr>
+          <p:cNvPr id="2" name="Title 1"/>
+          <p:cNvSpPr>
+            <a:spLocks noGrp="1"/>
+          </p:cNvSpPr>
+          <p:nvPr>
+            <p:ph type="title"/>
+          </p:nvPr>
+        </p:nvSpPr>
+        <p:spPr>
+          <a:xfrm>
+            <a:off x="457200" y="0"/>
+            <a:ext cx="8229600" cy="762000"/>
+          </a:xfrm>
+        </p:spPr>
+        <p:txBody>
+          <a:bodyPr>
+            <a:normAutofit/>
+          </a:bodyPr>
+          <a:lstStyle/>
+          <a:p>
+            <a:r>
+              <a:rPr lang="en-US" dirty="0" smtClean="0"/>
+              <a:t>Stepper Motors</a:t>
+            </a:r>
+            <a:endParaRPr lang="en-US" dirty="0"/>
+          </a:p>
+        </p:txBody>
+      </p:sp>
+      <p:sp>
+        <p:nvSpPr>
+          <p:cNvPr id="3" name="Content Placeholder 2"/>
+          <p:cNvSpPr>
+            <a:spLocks noGrp="1"/>
+          </p:cNvSpPr>
+          <p:nvPr>
+            <p:ph idx="1"/>
+          </p:nvPr>
+        </p:nvSpPr>
+        <p:spPr>
+          <a:xfrm>
+            <a:off x="2667000" y="838200"/>
+            <a:ext cx="4648200" cy="4525963"/>
+          </a:xfrm>
+        </p:spPr>
+        <p:txBody>
+          <a:bodyPr/>
+          <a:lstStyle/>
+          <a:p>
+            <a:r>
+              <a:rPr lang="en-US" dirty="0" smtClean="0"/>
+              <a:t>Precise movement</a:t>
+            </a:r>
+          </a:p>
+          <a:p>
+            <a:r>
+              <a:rPr lang="en-US" dirty="0" smtClean="0"/>
+              <a:t>Current Draw</a:t>
+            </a:r>
+          </a:p>
+          <a:p>
+            <a:r>
+              <a:rPr lang="en-US" dirty="0" smtClean="0"/>
+              <a:t>Driver</a:t>
+            </a:r>
+          </a:p>
+          <a:p>
+            <a:r>
+              <a:rPr lang="en-US" dirty="0" smtClean="0"/>
+              <a:t>Voltage (12V +)</a:t>
+            </a:r>
+          </a:p>
+        </p:txBody>
+      </p:sp>
+    </p:spTree>
+    <p:extLst>
+      <p:ext uri="{BB962C8B-B14F-4D97-AF65-F5344CB8AC3E}">
+        <p14:creationId xmlns:p14="http://schemas.microsoft.com/office/powerpoint/2010/main" val="254450264"/>
+      </p:ext>
+    </p:extLst>
+  </p:cSld>
+  <p:clrMapOvr>
+    <a:masterClrMapping/>
+  </p:clrMapOvr>
+  <p:timing>
+    <p:tnLst>
+      <p:par>
+        <p:cTn id="1" dur="indefinite" restart="never" nodeType="tmRoot"/>
+      </p:par>
+    </p:tnLst>
+  </p:timing>
+</p:sld>
+</file>
+
+<file path=ppt/slides/slide36.xml><?xml version="1.0" encoding="utf-8"?>
+<p:sld xmlns:a="http://schemas.openxmlformats.org/drawingml/2006/main" xmlns:r="http://schemas.openxmlformats.org/officeDocument/2006/relationships" xmlns:p="http://schemas.openxmlformats.org/presentationml/2006/main">
+  <p:cSld>
+    <p:spTree>
+      <p:nvGrpSpPr>
+        <p:cNvPr id="1" name=""/>
+        <p:cNvGrpSpPr/>
+        <p:nvPr/>
+      </p:nvGrpSpPr>
+      <p:grpSpPr>
+        <a:xfrm>
+          <a:off x="0" y="0"/>
+          <a:ext cx="0" cy="0"/>
+          <a:chOff x="0" y="0"/>
+          <a:chExt cx="0" cy="0"/>
+        </a:xfrm>
+      </p:grpSpPr>
+      <p:sp>
+        <p:nvSpPr>
+          <p:cNvPr id="2" name="Title 1"/>
+          <p:cNvSpPr>
+            <a:spLocks noGrp="1"/>
+          </p:cNvSpPr>
+          <p:nvPr>
+            <p:ph type="title"/>
+          </p:nvPr>
+        </p:nvSpPr>
+        <p:spPr>
+          <a:xfrm>
+            <a:off x="457200" y="0"/>
+            <a:ext cx="8229600" cy="762000"/>
+          </a:xfrm>
+        </p:spPr>
+        <p:txBody>
+          <a:bodyPr>
+            <a:normAutofit/>
+          </a:bodyPr>
+          <a:lstStyle/>
+          <a:p>
+            <a:r>
+              <a:rPr lang="en-US" dirty="0" smtClean="0"/>
+              <a:t>Servo Motors</a:t>
+            </a:r>
+            <a:endParaRPr lang="en-US" dirty="0"/>
+          </a:p>
+        </p:txBody>
+      </p:sp>
+      <p:sp>
+        <p:nvSpPr>
+          <p:cNvPr id="3" name="Content Placeholder 2"/>
+          <p:cNvSpPr>
+            <a:spLocks noGrp="1"/>
+          </p:cNvSpPr>
+          <p:nvPr>
+            <p:ph idx="1"/>
+          </p:nvPr>
+        </p:nvSpPr>
+        <p:spPr>
+          <a:xfrm>
+            <a:off x="2667000" y="838200"/>
+            <a:ext cx="4648200" cy="4525963"/>
+          </a:xfrm>
+        </p:spPr>
+        <p:txBody>
+          <a:bodyPr/>
+          <a:lstStyle/>
+          <a:p>
+            <a:r>
+              <a:rPr lang="en-US" dirty="0" smtClean="0"/>
+              <a:t>Limited movement</a:t>
+            </a:r>
+          </a:p>
+          <a:p>
+            <a:r>
+              <a:rPr lang="en-US" dirty="0" smtClean="0"/>
+              <a:t>Continuous Rotation</a:t>
+            </a:r>
+          </a:p>
+          <a:p>
+            <a:r>
+              <a:rPr lang="en-US" dirty="0" smtClean="0"/>
+              <a:t>Signal Pulse</a:t>
+            </a:r>
+          </a:p>
+        </p:txBody>
+      </p:sp>
+    </p:spTree>
+    <p:extLst>
+      <p:ext uri="{BB962C8B-B14F-4D97-AF65-F5344CB8AC3E}">
+        <p14:creationId xmlns:p14="http://schemas.microsoft.com/office/powerpoint/2010/main" val="2698401366"/>
+      </p:ext>
+    </p:extLst>
+  </p:cSld>
+  <p:clrMapOvr>
+    <a:masterClrMapping/>
+  </p:clrMapOvr>
+  <p:timing>
+    <p:tnLst>
+      <p:par>
+        <p:cTn id="1" dur="indefinite" restart="never" nodeType="tmRoot"/>
+      </p:par>
+    </p:tnLst>
+  </p:timing>
+</p:sld>
+</file>
+
+<file path=ppt/slides/slide37.xml><?xml version="1.0" encoding="utf-8"?>
+<p:sld xmlns:a="http://schemas.openxmlformats.org/drawingml/2006/main" xmlns:r="http://schemas.openxmlformats.org/officeDocument/2006/relationships" xmlns:p="http://schemas.openxmlformats.org/presentationml/2006/main">
+  <p:cSld>
+    <p:spTree>
+      <p:nvGrpSpPr>
+        <p:cNvPr id="1" name=""/>
+        <p:cNvGrpSpPr/>
+        <p:nvPr/>
+      </p:nvGrpSpPr>
+      <p:grpSpPr>
+        <a:xfrm>
+          <a:off x="0" y="0"/>
+          <a:ext cx="0" cy="0"/>
+          <a:chOff x="0" y="0"/>
+          <a:chExt cx="0" cy="0"/>
+        </a:xfrm>
+      </p:grpSpPr>
+      <p:sp>
+        <p:nvSpPr>
+          <p:cNvPr id="2" name="Title 1"/>
+          <p:cNvSpPr>
+            <a:spLocks noGrp="1"/>
+          </p:cNvSpPr>
+          <p:nvPr>
+            <p:ph type="title"/>
+          </p:nvPr>
+        </p:nvSpPr>
+        <p:spPr>
+          <a:xfrm>
+            <a:off x="457200" y="0"/>
+            <a:ext cx="8229600" cy="762000"/>
+          </a:xfrm>
+        </p:spPr>
+        <p:txBody>
+          <a:bodyPr>
+            <a:normAutofit/>
+          </a:bodyPr>
+          <a:lstStyle/>
+          <a:p>
+            <a:r>
+              <a:rPr lang="en-US" dirty="0" err="1" smtClean="0"/>
+              <a:t>GeeDee</a:t>
+            </a:r>
+            <a:r>
+              <a:rPr lang="en-US" dirty="0" smtClean="0"/>
+              <a:t> bot</a:t>
+            </a:r>
+            <a:endParaRPr lang="en-US" dirty="0"/>
+          </a:p>
+        </p:txBody>
+      </p:sp>
+      <p:sp>
+        <p:nvSpPr>
+          <p:cNvPr id="3" name="Content Placeholder 2"/>
+          <p:cNvSpPr>
+            <a:spLocks noGrp="1"/>
+          </p:cNvSpPr>
+          <p:nvPr>
+            <p:ph idx="1"/>
+          </p:nvPr>
+        </p:nvSpPr>
+        <p:spPr>
+          <a:xfrm>
+            <a:off x="2362200" y="685800"/>
+            <a:ext cx="5257800" cy="5211763"/>
+          </a:xfrm>
+        </p:spPr>
+        <p:txBody>
+          <a:bodyPr>
+            <a:normAutofit fontScale="92500" lnSpcReduction="20000"/>
+          </a:bodyPr>
+          <a:lstStyle/>
+          <a:p>
+            <a:pPr marL="0" indent="0" algn="ctr">
+              <a:buNone/>
+            </a:pPr>
+            <a:r>
+              <a:rPr lang="en-US" sz="4000" dirty="0" smtClean="0"/>
+              <a:t>Hardware</a:t>
+            </a:r>
+          </a:p>
+          <a:p>
+            <a:r>
+              <a:rPr lang="en-US" dirty="0" smtClean="0"/>
+              <a:t>Microprocessor</a:t>
+            </a:r>
+          </a:p>
+          <a:p>
+            <a:pPr lvl="1"/>
+            <a:r>
+              <a:rPr lang="en-US" sz="3200" dirty="0" err="1" smtClean="0">
+                <a:effectLst>
+                  <a:outerShdw blurRad="38100" dist="38100" dir="2700000" algn="tl">
+                    <a:srgbClr val="000000">
+                      <a:alpha val="43137"/>
+                    </a:srgbClr>
+                  </a:outerShdw>
+                </a:effectLst>
+              </a:rPr>
+              <a:t>Adafruit</a:t>
+            </a:r>
+            <a:r>
+              <a:rPr lang="en-US" sz="3200" dirty="0" smtClean="0">
+                <a:effectLst>
+                  <a:outerShdw blurRad="38100" dist="38100" dir="2700000" algn="tl">
+                    <a:srgbClr val="000000">
+                      <a:alpha val="43137"/>
+                    </a:srgbClr>
+                  </a:outerShdw>
+                </a:effectLst>
+              </a:rPr>
+              <a:t> Pro Trinket – 5V</a:t>
+            </a:r>
+          </a:p>
+          <a:p>
+            <a:r>
+              <a:rPr lang="en-US" dirty="0" smtClean="0"/>
+              <a:t>Sensors</a:t>
+            </a:r>
+          </a:p>
+          <a:p>
+            <a:pPr lvl="1"/>
+            <a:r>
+              <a:rPr lang="en-US" sz="3200" dirty="0">
+                <a:effectLst>
+                  <a:outerShdw blurRad="38100" dist="38100" dir="2700000" algn="tl">
+                    <a:srgbClr val="000000">
+                      <a:alpha val="43137"/>
+                    </a:srgbClr>
+                  </a:outerShdw>
+                </a:effectLst>
+              </a:rPr>
+              <a:t>HC-SR04 Ultrasonic </a:t>
+            </a:r>
+            <a:r>
+              <a:rPr lang="en-US" sz="3200" dirty="0" smtClean="0">
+                <a:effectLst>
+                  <a:outerShdw blurRad="38100" dist="38100" dir="2700000" algn="tl">
+                    <a:srgbClr val="000000">
+                      <a:alpha val="43137"/>
+                    </a:srgbClr>
+                  </a:outerShdw>
+                </a:effectLst>
+              </a:rPr>
+              <a:t>Sensor</a:t>
+            </a:r>
+          </a:p>
+          <a:p>
+            <a:r>
+              <a:rPr lang="en-US" dirty="0" smtClean="0"/>
+              <a:t>Motors</a:t>
+            </a:r>
+          </a:p>
+          <a:p>
+            <a:pPr lvl="1"/>
+            <a:r>
+              <a:rPr lang="en-US" sz="3200" dirty="0" smtClean="0">
+                <a:effectLst>
+                  <a:outerShdw blurRad="38100" dist="38100" dir="2700000" algn="tl">
+                    <a:srgbClr val="000000">
+                      <a:alpha val="43137"/>
+                    </a:srgbClr>
+                  </a:outerShdw>
+                </a:effectLst>
+              </a:rPr>
+              <a:t>Continuous Rotation Servos</a:t>
+            </a:r>
+          </a:p>
+          <a:p>
+            <a:r>
+              <a:rPr lang="en-US" dirty="0" smtClean="0"/>
+              <a:t>Power</a:t>
+            </a:r>
+          </a:p>
+          <a:p>
+            <a:pPr marL="0" indent="0" algn="ctr">
+              <a:buNone/>
+            </a:pPr>
+            <a:r>
+              <a:rPr lang="en-US" sz="4000" dirty="0" smtClean="0"/>
+              <a:t>Software</a:t>
+            </a:r>
+            <a:endParaRPr lang="en-US" sz="4000" dirty="0"/>
+          </a:p>
+          <a:p>
+            <a:r>
+              <a:rPr lang="en-US" sz="3600" dirty="0" smtClean="0">
+                <a:effectLst>
+                  <a:outerShdw blurRad="38100" dist="38100" dir="2700000" algn="tl">
+                    <a:srgbClr val="000000">
+                      <a:alpha val="43137"/>
+                    </a:srgbClr>
+                  </a:outerShdw>
+                </a:effectLst>
+              </a:rPr>
+              <a:t>Arduino IDE</a:t>
+            </a:r>
+          </a:p>
+          <a:p>
+            <a:pPr marL="0" indent="0">
+              <a:buNone/>
+            </a:pPr>
+            <a:endParaRPr lang="en-US" dirty="0" smtClean="0"/>
+          </a:p>
+        </p:txBody>
+      </p:sp>
+    </p:spTree>
+    <p:extLst>
+      <p:ext uri="{BB962C8B-B14F-4D97-AF65-F5344CB8AC3E}">
+        <p14:creationId xmlns:p14="http://schemas.microsoft.com/office/powerpoint/2010/main" val="2816335379"/>
+      </p:ext>
+    </p:extLst>
+  </p:cSld>
+  <p:clrMapOvr>
+    <a:masterClrMapping/>
+  </p:clrMapOvr>
+  <p:timing>
+    <p:tnLst>
+      <p:par>
+        <p:cTn id="1" dur="indefinite" restart="never" nodeType="tmRoot"/>
+      </p:par>
+    </p:tnLst>
+  </p:timing>
+</p:sld>
+</file>
+
+<file path=ppt/slides/slide38.xml><?xml version="1.0" encoding="utf-8"?>
+<p:sld xmlns:a="http://schemas.openxmlformats.org/drawingml/2006/main" xmlns:r="http://schemas.openxmlformats.org/officeDocument/2006/relationships" xmlns:p="http://schemas.openxmlformats.org/presentationml/2006/main">
+  <p:cSld>
+    <p:spTree>
+      <p:nvGrpSpPr>
+        <p:cNvPr id="1" name=""/>
+        <p:cNvGrpSpPr/>
+        <p:nvPr/>
+      </p:nvGrpSpPr>
+      <p:grpSpPr>
+        <a:xfrm>
+          <a:off x="0" y="0"/>
+          <a:ext cx="0" cy="0"/>
+          <a:chOff x="0" y="0"/>
+          <a:chExt cx="0" cy="0"/>
+        </a:xfrm>
+      </p:grpSpPr>
+      <p:sp>
+        <p:nvSpPr>
+          <p:cNvPr id="2" name="Title 1"/>
+          <p:cNvSpPr>
+            <a:spLocks noGrp="1"/>
+          </p:cNvSpPr>
+          <p:nvPr>
+            <p:ph type="title"/>
+          </p:nvPr>
+        </p:nvSpPr>
+        <p:spPr>
+          <a:xfrm>
+            <a:off x="457200" y="0"/>
+            <a:ext cx="8229600" cy="762000"/>
+          </a:xfrm>
+        </p:spPr>
+        <p:txBody>
+          <a:bodyPr>
+            <a:normAutofit/>
+          </a:bodyPr>
+          <a:lstStyle/>
+          <a:p>
+            <a:r>
+              <a:rPr lang="en-US" dirty="0" smtClean="0"/>
+              <a:t>Robot</a:t>
+            </a:r>
+            <a:endParaRPr lang="en-US" dirty="0"/>
+          </a:p>
+        </p:txBody>
+      </p:sp>
+      <p:sp>
+        <p:nvSpPr>
+          <p:cNvPr id="3" name="Content Placeholder 2"/>
+          <p:cNvSpPr>
+            <a:spLocks noGrp="1"/>
+          </p:cNvSpPr>
+          <p:nvPr>
+            <p:ph idx="1"/>
+          </p:nvPr>
+        </p:nvSpPr>
+        <p:spPr>
+          <a:xfrm>
+            <a:off x="2743200" y="685800"/>
+            <a:ext cx="3810000" cy="5211763"/>
+          </a:xfrm>
+        </p:spPr>
+        <p:txBody>
+          <a:bodyPr/>
+          <a:lstStyle/>
+          <a:p>
+            <a:pPr marL="0" indent="0" algn="ctr">
+              <a:buNone/>
+            </a:pPr>
+            <a:r>
+              <a:rPr lang="en-US" sz="4000" dirty="0" smtClean="0"/>
+              <a:t>Hardware</a:t>
+            </a:r>
+          </a:p>
+          <a:p>
+            <a:r>
+              <a:rPr lang="en-US" dirty="0" smtClean="0"/>
+              <a:t>Microprocessor</a:t>
+            </a:r>
+          </a:p>
+          <a:p>
+            <a:r>
+              <a:rPr lang="en-US" dirty="0" smtClean="0"/>
+              <a:t>Sensors</a:t>
+            </a:r>
+          </a:p>
+          <a:p>
+            <a:r>
+              <a:rPr lang="en-US" dirty="0" smtClean="0"/>
+              <a:t>Motors</a:t>
+            </a:r>
+          </a:p>
+          <a:p>
+            <a:r>
+              <a:rPr lang="en-US" sz="4000" dirty="0" smtClean="0">
+                <a:effectLst>
+                  <a:outerShdw blurRad="38100" dist="38100" dir="2700000" algn="tl">
+                    <a:srgbClr val="000000">
+                      <a:alpha val="43137"/>
+                    </a:srgbClr>
+                  </a:outerShdw>
+                </a:effectLst>
+              </a:rPr>
+              <a:t>Power</a:t>
+            </a:r>
+          </a:p>
+          <a:p>
+            <a:pPr marL="0" indent="0" algn="ctr">
+              <a:buNone/>
+            </a:pPr>
+            <a:r>
+              <a:rPr lang="en-US" sz="4000" dirty="0" smtClean="0"/>
+              <a:t>Software</a:t>
+            </a:r>
+            <a:endParaRPr lang="en-US" sz="4000" dirty="0"/>
+          </a:p>
+          <a:p>
+            <a:pPr marL="0" indent="0">
+              <a:buNone/>
+            </a:pPr>
+            <a:endParaRPr lang="en-US" dirty="0" smtClean="0"/>
+          </a:p>
+        </p:txBody>
+      </p:sp>
+    </p:spTree>
+    <p:extLst>
+      <p:ext uri="{BB962C8B-B14F-4D97-AF65-F5344CB8AC3E}">
+        <p14:creationId xmlns:p14="http://schemas.microsoft.com/office/powerpoint/2010/main" val="1432354283"/>
+      </p:ext>
+    </p:extLst>
+  </p:cSld>
+  <p:clrMapOvr>
+    <a:masterClrMapping/>
+  </p:clrMapOvr>
+  <p:timing>
+    <p:tnLst>
+      <p:par>
+        <p:cTn id="1" dur="indefinite" restart="never" nodeType="tmRoot"/>
+      </p:par>
+    </p:tnLst>
+  </p:timing>
+</p:sld>
+</file>
+
+<file path=ppt/slides/slide39.xml><?xml version="1.0" encoding="utf-8"?>
+<p:sld xmlns:a="http://schemas.openxmlformats.org/drawingml/2006/main" xmlns:r="http://schemas.openxmlformats.org/officeDocument/2006/relationships" xmlns:p="http://schemas.openxmlformats.org/presentationml/2006/main">
+  <p:cSld>
+    <p:spTree>
+      <p:nvGrpSpPr>
+        <p:cNvPr id="1" name=""/>
+        <p:cNvGrpSpPr/>
+        <p:nvPr/>
+      </p:nvGrpSpPr>
+      <p:grpSpPr>
+        <a:xfrm>
+          <a:off x="0" y="0"/>
+          <a:ext cx="0" cy="0"/>
+          <a:chOff x="0" y="0"/>
+          <a:chExt cx="0" cy="0"/>
+        </a:xfrm>
+      </p:grpSpPr>
+      <p:sp>
+        <p:nvSpPr>
+          <p:cNvPr id="2" name="Title 1"/>
+          <p:cNvSpPr>
+            <a:spLocks noGrp="1"/>
+          </p:cNvSpPr>
+          <p:nvPr>
+            <p:ph type="title"/>
+          </p:nvPr>
+        </p:nvSpPr>
+        <p:spPr>
+          <a:xfrm>
+            <a:off x="457200" y="0"/>
+            <a:ext cx="8229600" cy="762000"/>
+          </a:xfrm>
+        </p:spPr>
+        <p:txBody>
+          <a:bodyPr>
+            <a:normAutofit/>
+          </a:bodyPr>
+          <a:lstStyle/>
+          <a:p>
+            <a:r>
+              <a:rPr lang="en-US" dirty="0" smtClean="0"/>
+              <a:t>Power</a:t>
+            </a:r>
+            <a:endParaRPr lang="en-US" dirty="0"/>
+          </a:p>
+        </p:txBody>
+      </p:sp>
+      <p:sp>
+        <p:nvSpPr>
+          <p:cNvPr id="3" name="Content Placeholder 2"/>
+          <p:cNvSpPr>
+            <a:spLocks noGrp="1"/>
+          </p:cNvSpPr>
+          <p:nvPr>
+            <p:ph idx="1"/>
+          </p:nvPr>
+        </p:nvSpPr>
+        <p:spPr>
+          <a:xfrm>
+            <a:off x="2667000" y="838200"/>
+            <a:ext cx="4648200" cy="4525963"/>
+          </a:xfrm>
+        </p:spPr>
+        <p:txBody>
+          <a:bodyPr/>
+          <a:lstStyle/>
+          <a:p>
+            <a:r>
+              <a:rPr lang="en-US" dirty="0" smtClean="0"/>
+              <a:t>Batteries</a:t>
+            </a:r>
+          </a:p>
+          <a:p>
+            <a:r>
+              <a:rPr lang="en-US" dirty="0" smtClean="0"/>
+              <a:t>USB</a:t>
+            </a:r>
+          </a:p>
+        </p:txBody>
+      </p:sp>
+    </p:spTree>
+    <p:extLst>
+      <p:ext uri="{BB962C8B-B14F-4D97-AF65-F5344CB8AC3E}">
+        <p14:creationId xmlns:p14="http://schemas.microsoft.com/office/powerpoint/2010/main" val="2662044401"/>
+      </p:ext>
+    </p:extLst>
+  </p:cSld>
+  <p:clrMapOvr>
+    <a:masterClrMapping/>
+  </p:clrMapOvr>
+  <p:timing>
+    <p:tnLst>
+      <p:par>
+        <p:cTn id="1" dur="indefinite" restart="never" nodeType="tmRoot"/>
+      </p:par>
+    </p:tnLst>
+  </p:timing>
+</p:sld>
+</file>
+
+<file path=ppt/slides/slide4.xml><?xml version="1.0" encoding="utf-8"?>
+<p:sld xmlns:a="http://schemas.openxmlformats.org/drawingml/2006/main" xmlns:r="http://schemas.openxmlformats.org/officeDocument/2006/relationships" xmlns:p="http://schemas.openxmlformats.org/presentationml/2006/main">
+  <p:cSld>
+    <p:spTree>
+      <p:nvGrpSpPr>
+        <p:cNvPr id="1" name=""/>
+        <p:cNvGrpSpPr/>
+        <p:nvPr/>
+      </p:nvGrpSpPr>
+      <p:grpSpPr>
+        <a:xfrm>
+          <a:off x="0" y="0"/>
+          <a:ext cx="0" cy="0"/>
+          <a:chOff x="0" y="0"/>
+          <a:chExt cx="0" cy="0"/>
+        </a:xfrm>
+      </p:grpSpPr>
+      <p:sp>
+        <p:nvSpPr>
+          <p:cNvPr id="2" name="Title 1"/>
+          <p:cNvSpPr>
+            <a:spLocks noGrp="1"/>
+          </p:cNvSpPr>
+          <p:nvPr>
+            <p:ph type="title"/>
+          </p:nvPr>
+        </p:nvSpPr>
+        <p:spPr>
+          <a:xfrm>
+            <a:off x="457200" y="0"/>
+            <a:ext cx="8229600" cy="762000"/>
+          </a:xfrm>
+        </p:spPr>
+        <p:txBody>
+          <a:bodyPr>
+            <a:normAutofit/>
+          </a:bodyPr>
+          <a:lstStyle/>
+          <a:p>
+            <a:r>
+              <a:rPr lang="en-US" dirty="0" smtClean="0"/>
+              <a:t>Robot</a:t>
+            </a:r>
+            <a:endParaRPr lang="en-US" dirty="0"/>
+          </a:p>
+        </p:txBody>
+      </p:sp>
+      <p:sp>
+        <p:nvSpPr>
+          <p:cNvPr id="3" name="Content Placeholder 2"/>
+          <p:cNvSpPr>
+            <a:spLocks noGrp="1"/>
+          </p:cNvSpPr>
+          <p:nvPr>
+            <p:ph idx="1"/>
+          </p:nvPr>
+        </p:nvSpPr>
+        <p:spPr>
+          <a:xfrm>
+            <a:off x="2743200" y="685800"/>
+            <a:ext cx="3810000" cy="5211763"/>
+          </a:xfrm>
+        </p:spPr>
+        <p:txBody>
+          <a:bodyPr/>
+          <a:lstStyle/>
+          <a:p>
+            <a:pPr marL="0" indent="0" algn="ctr">
+              <a:buNone/>
+            </a:pPr>
+            <a:r>
+              <a:rPr lang="en-US" sz="4000" dirty="0" smtClean="0"/>
+              <a:t>Hardware</a:t>
+            </a:r>
+          </a:p>
+          <a:p>
+            <a:r>
+              <a:rPr lang="en-US" sz="4000" dirty="0" smtClean="0">
+                <a:effectLst>
+                  <a:outerShdw blurRad="38100" dist="38100" dir="2700000" algn="tl">
+                    <a:srgbClr val="000000">
+                      <a:alpha val="43137"/>
+                    </a:srgbClr>
+                  </a:outerShdw>
+                </a:effectLst>
+              </a:rPr>
+              <a:t>Microprocessor</a:t>
+            </a:r>
+          </a:p>
+          <a:p>
+            <a:r>
+              <a:rPr lang="en-US" dirty="0" smtClean="0"/>
+              <a:t>Sensors</a:t>
+            </a:r>
+          </a:p>
+          <a:p>
+            <a:r>
+              <a:rPr lang="en-US" dirty="0" smtClean="0"/>
+              <a:t>Motors</a:t>
+            </a:r>
+          </a:p>
+          <a:p>
+            <a:r>
+              <a:rPr lang="en-US" dirty="0" smtClean="0"/>
+              <a:t>Power</a:t>
+            </a:r>
+          </a:p>
+          <a:p>
+            <a:pPr marL="0" indent="0" algn="ctr">
+              <a:buNone/>
+            </a:pPr>
+            <a:r>
+              <a:rPr lang="en-US" sz="4000" dirty="0" smtClean="0"/>
+              <a:t>Software</a:t>
+            </a:r>
+            <a:endParaRPr lang="en-US" sz="4000" dirty="0"/>
+          </a:p>
+          <a:p>
+            <a:r>
+              <a:rPr lang="en-US" dirty="0" smtClean="0"/>
+              <a:t>Code</a:t>
+            </a:r>
+          </a:p>
+          <a:p>
+            <a:pPr marL="0" indent="0">
+              <a:buNone/>
+            </a:pPr>
+            <a:endParaRPr lang="en-US" dirty="0" smtClean="0"/>
+          </a:p>
+        </p:txBody>
+      </p:sp>
+    </p:spTree>
+    <p:extLst>
+      <p:ext uri="{BB962C8B-B14F-4D97-AF65-F5344CB8AC3E}">
+        <p14:creationId xmlns:p14="http://schemas.microsoft.com/office/powerpoint/2010/main" val="3905776754"/>
+      </p:ext>
+    </p:extLst>
+  </p:cSld>
+  <p:clrMapOvr>
+    <a:masterClrMapping/>
+  </p:clrMapOvr>
+  <p:timing>
+    <p:tnLst>
+      <p:par>
+        <p:cTn id="1" dur="indefinite" restart="never" nodeType="tmRoot"/>
+      </p:par>
+    </p:tnLst>
+  </p:timing>
+</p:sld>
+</file>
+
+<file path=ppt/slides/slide40.xml><?xml version="1.0" encoding="utf-8"?>
+<p:sld xmlns:a="http://schemas.openxmlformats.org/drawingml/2006/main" xmlns:r="http://schemas.openxmlformats.org/officeDocument/2006/relationships" xmlns:p="http://schemas.openxmlformats.org/presentationml/2006/main">
+  <p:cSld>
+    <p:spTree>
+      <p:nvGrpSpPr>
+        <p:cNvPr id="1" name=""/>
+        <p:cNvGrpSpPr/>
+        <p:nvPr/>
+      </p:nvGrpSpPr>
+      <p:grpSpPr>
+        <a:xfrm>
+          <a:off x="0" y="0"/>
+          <a:ext cx="0" cy="0"/>
+          <a:chOff x="0" y="0"/>
+          <a:chExt cx="0" cy="0"/>
+        </a:xfrm>
+      </p:grpSpPr>
+      <p:sp>
+        <p:nvSpPr>
+          <p:cNvPr id="2" name="Title 1"/>
+          <p:cNvSpPr>
+            <a:spLocks noGrp="1"/>
+          </p:cNvSpPr>
+          <p:nvPr>
+            <p:ph type="title"/>
+          </p:nvPr>
+        </p:nvSpPr>
+        <p:spPr>
+          <a:xfrm>
+            <a:off x="457200" y="0"/>
+            <a:ext cx="8229600" cy="762000"/>
+          </a:xfrm>
+        </p:spPr>
+        <p:txBody>
+          <a:bodyPr>
+            <a:normAutofit/>
+          </a:bodyPr>
+          <a:lstStyle/>
+          <a:p>
+            <a:r>
+              <a:rPr lang="en-US" dirty="0" err="1" smtClean="0"/>
+              <a:t>GeeDee</a:t>
+            </a:r>
+            <a:r>
+              <a:rPr lang="en-US" dirty="0" smtClean="0"/>
+              <a:t> bot</a:t>
+            </a:r>
+            <a:endParaRPr lang="en-US" dirty="0"/>
+          </a:p>
+        </p:txBody>
+      </p:sp>
+      <p:sp>
+        <p:nvSpPr>
+          <p:cNvPr id="3" name="Content Placeholder 2"/>
+          <p:cNvSpPr>
+            <a:spLocks noGrp="1"/>
+          </p:cNvSpPr>
+          <p:nvPr>
+            <p:ph idx="1"/>
+          </p:nvPr>
+        </p:nvSpPr>
+        <p:spPr>
+          <a:xfrm>
+            <a:off x="2362200" y="685800"/>
+            <a:ext cx="5257800" cy="5211763"/>
+          </a:xfrm>
+        </p:spPr>
+        <p:txBody>
+          <a:bodyPr>
+            <a:normAutofit fontScale="85000" lnSpcReduction="20000"/>
+          </a:bodyPr>
+          <a:lstStyle/>
+          <a:p>
+            <a:pPr marL="0" indent="0" algn="ctr">
+              <a:buNone/>
+            </a:pPr>
+            <a:r>
+              <a:rPr lang="en-US" sz="4000" dirty="0" smtClean="0"/>
+              <a:t>Hardware</a:t>
+            </a:r>
+          </a:p>
+          <a:p>
+            <a:r>
+              <a:rPr lang="en-US" dirty="0" smtClean="0"/>
+              <a:t>Microprocessor</a:t>
+            </a:r>
+          </a:p>
+          <a:p>
+            <a:pPr lvl="1"/>
+            <a:r>
+              <a:rPr lang="en-US" sz="3200" dirty="0" err="1" smtClean="0">
+                <a:effectLst>
+                  <a:outerShdw blurRad="38100" dist="38100" dir="2700000" algn="tl">
+                    <a:srgbClr val="000000">
+                      <a:alpha val="43137"/>
+                    </a:srgbClr>
+                  </a:outerShdw>
+                </a:effectLst>
+              </a:rPr>
+              <a:t>Adafruit</a:t>
+            </a:r>
+            <a:r>
+              <a:rPr lang="en-US" sz="3200" dirty="0" smtClean="0">
+                <a:effectLst>
+                  <a:outerShdw blurRad="38100" dist="38100" dir="2700000" algn="tl">
+                    <a:srgbClr val="000000">
+                      <a:alpha val="43137"/>
+                    </a:srgbClr>
+                  </a:outerShdw>
+                </a:effectLst>
+              </a:rPr>
+              <a:t> Pro Trinket – 5V</a:t>
+            </a:r>
+          </a:p>
+          <a:p>
+            <a:r>
+              <a:rPr lang="en-US" dirty="0" smtClean="0"/>
+              <a:t>Sensors</a:t>
+            </a:r>
+          </a:p>
+          <a:p>
+            <a:pPr lvl="1"/>
+            <a:r>
+              <a:rPr lang="en-US" sz="3200" dirty="0">
+                <a:effectLst>
+                  <a:outerShdw blurRad="38100" dist="38100" dir="2700000" algn="tl">
+                    <a:srgbClr val="000000">
+                      <a:alpha val="43137"/>
+                    </a:srgbClr>
+                  </a:outerShdw>
+                </a:effectLst>
+              </a:rPr>
+              <a:t>HC-SR04 Ultrasonic </a:t>
+            </a:r>
+            <a:r>
+              <a:rPr lang="en-US" sz="3200" dirty="0" smtClean="0">
+                <a:effectLst>
+                  <a:outerShdw blurRad="38100" dist="38100" dir="2700000" algn="tl">
+                    <a:srgbClr val="000000">
+                      <a:alpha val="43137"/>
+                    </a:srgbClr>
+                  </a:outerShdw>
+                </a:effectLst>
+              </a:rPr>
+              <a:t>Sensor</a:t>
+            </a:r>
+          </a:p>
+          <a:p>
+            <a:r>
+              <a:rPr lang="en-US" dirty="0" smtClean="0"/>
+              <a:t>Motors</a:t>
+            </a:r>
+          </a:p>
+          <a:p>
+            <a:pPr lvl="1"/>
+            <a:r>
+              <a:rPr lang="en-US" sz="3200" dirty="0" smtClean="0">
+                <a:effectLst>
+                  <a:outerShdw blurRad="38100" dist="38100" dir="2700000" algn="tl">
+                    <a:srgbClr val="000000">
+                      <a:alpha val="43137"/>
+                    </a:srgbClr>
+                  </a:outerShdw>
+                </a:effectLst>
+              </a:rPr>
+              <a:t>Continuous Rotation Servos</a:t>
+            </a:r>
+          </a:p>
+          <a:p>
+            <a:r>
+              <a:rPr lang="en-US" dirty="0" smtClean="0"/>
+              <a:t>Power</a:t>
+            </a:r>
+          </a:p>
+          <a:p>
+            <a:pPr lvl="1"/>
+            <a:r>
+              <a:rPr lang="en-US" sz="3500" dirty="0" smtClean="0">
+                <a:effectLst>
+                  <a:outerShdw blurRad="38100" dist="38100" dir="2700000" algn="tl">
+                    <a:srgbClr val="000000">
+                      <a:alpha val="43137"/>
+                    </a:srgbClr>
+                  </a:outerShdw>
+                </a:effectLst>
+              </a:rPr>
+              <a:t>Batteries (4 – AA)</a:t>
+            </a:r>
+          </a:p>
+          <a:p>
+            <a:pPr marL="0" indent="0" algn="ctr">
+              <a:buNone/>
+            </a:pPr>
+            <a:r>
+              <a:rPr lang="en-US" sz="4000" dirty="0" smtClean="0"/>
+              <a:t>Software</a:t>
+            </a:r>
+            <a:endParaRPr lang="en-US" sz="4000" dirty="0"/>
+          </a:p>
+          <a:p>
+            <a:r>
+              <a:rPr lang="en-US" sz="3600" dirty="0" smtClean="0">
+                <a:effectLst>
+                  <a:outerShdw blurRad="38100" dist="38100" dir="2700000" algn="tl">
+                    <a:srgbClr val="000000">
+                      <a:alpha val="43137"/>
+                    </a:srgbClr>
+                  </a:outerShdw>
+                </a:effectLst>
+              </a:rPr>
+              <a:t>Arduino IDE</a:t>
+            </a:r>
+          </a:p>
+          <a:p>
+            <a:pPr marL="0" indent="0">
+              <a:buNone/>
+            </a:pPr>
+            <a:endParaRPr lang="en-US" dirty="0" smtClean="0"/>
+          </a:p>
+        </p:txBody>
+      </p:sp>
+    </p:spTree>
+    <p:extLst>
+      <p:ext uri="{BB962C8B-B14F-4D97-AF65-F5344CB8AC3E}">
+        <p14:creationId xmlns:p14="http://schemas.microsoft.com/office/powerpoint/2010/main" val="2761273713"/>
+      </p:ext>
+    </p:extLst>
+  </p:cSld>
+  <p:clrMapOvr>
+    <a:masterClrMapping/>
+  </p:clrMapOvr>
+  <p:timing>
+    <p:tnLst>
+      <p:par>
+        <p:cTn id="1" dur="indefinite" restart="never" nodeType="tmRoot"/>
+      </p:par>
+    </p:tnLst>
+  </p:timing>
+</p:sld>
+</file>
+
+<file path=ppt/slides/slide41.xml><?xml version="1.0" encoding="utf-8"?>
+<p:sld xmlns:a="http://schemas.openxmlformats.org/drawingml/2006/main" xmlns:r="http://schemas.openxmlformats.org/officeDocument/2006/relationships" xmlns:p="http://schemas.openxmlformats.org/presentationml/2006/main">
+  <p:cSld>
+    <p:spTree>
+      <p:nvGrpSpPr>
+        <p:cNvPr id="1" name=""/>
+        <p:cNvGrpSpPr/>
+        <p:nvPr/>
+      </p:nvGrpSpPr>
+      <p:grpSpPr>
+        <a:xfrm>
+          <a:off x="0" y="0"/>
+          <a:ext cx="0" cy="0"/>
+          <a:chOff x="0" y="0"/>
+          <a:chExt cx="0" cy="0"/>
+        </a:xfrm>
+      </p:grpSpPr>
+      <p:sp>
+        <p:nvSpPr>
+          <p:cNvPr id="2" name="Title 1"/>
+          <p:cNvSpPr>
+            <a:spLocks noGrp="1"/>
+          </p:cNvSpPr>
+          <p:nvPr>
+            <p:ph type="ctrTitle"/>
+          </p:nvPr>
+        </p:nvSpPr>
+        <p:spPr/>
+        <p:txBody>
+          <a:bodyPr/>
+          <a:lstStyle/>
+          <a:p>
+            <a:r>
+              <a:rPr lang="en-US" dirty="0" smtClean="0"/>
+              <a:t>Connecting the Parts</a:t>
+            </a:r>
+            <a:endParaRPr lang="en-US" dirty="0"/>
+          </a:p>
+        </p:txBody>
+      </p:sp>
+      <p:sp>
+        <p:nvSpPr>
+          <p:cNvPr id="3" name="Subtitle 2"/>
+          <p:cNvSpPr>
+            <a:spLocks noGrp="1"/>
+          </p:cNvSpPr>
+          <p:nvPr>
+            <p:ph type="subTitle" idx="1"/>
+          </p:nvPr>
+        </p:nvSpPr>
+        <p:spPr/>
+        <p:txBody>
+          <a:bodyPr/>
+          <a:lstStyle/>
+          <a:p>
+            <a:endParaRPr lang="en-US" dirty="0"/>
+          </a:p>
+        </p:txBody>
+      </p:sp>
+    </p:spTree>
+    <p:extLst>
+      <p:ext uri="{BB962C8B-B14F-4D97-AF65-F5344CB8AC3E}">
+        <p14:creationId xmlns:p14="http://schemas.microsoft.com/office/powerpoint/2010/main" val="348579813"/>
+      </p:ext>
+    </p:extLst>
+  </p:cSld>
+  <p:clrMapOvr>
+    <a:masterClrMapping/>
+  </p:clrMapOvr>
+  <p:timing>
+    <p:tnLst>
+      <p:par>
+        <p:cTn id="1" dur="indefinite" restart="never" nodeType="tmRoot"/>
+      </p:par>
+    </p:tnLst>
+  </p:timing>
+</p:sld>
+</file>
+
+<file path=ppt/slides/slide42.xml><?xml version="1.0" encoding="utf-8"?>
+<p:sld xmlns:a="http://schemas.openxmlformats.org/drawingml/2006/main" xmlns:r="http://schemas.openxmlformats.org/officeDocument/2006/relationships" xmlns:p="http://schemas.openxmlformats.org/presentationml/2006/main">
+  <p:cSld>
+    <p:spTree>
+      <p:nvGrpSpPr>
+        <p:cNvPr id="1" name=""/>
+        <p:cNvGrpSpPr/>
+        <p:nvPr/>
+      </p:nvGrpSpPr>
+      <p:grpSpPr>
+        <a:xfrm>
+          <a:off x="0" y="0"/>
+          <a:ext cx="0" cy="0"/>
+          <a:chOff x="0" y="0"/>
+          <a:chExt cx="0" cy="0"/>
+        </a:xfrm>
+      </p:grpSpPr>
+      <p:sp>
+        <p:nvSpPr>
+          <p:cNvPr id="2" name="Title 1"/>
+          <p:cNvSpPr>
+            <a:spLocks noGrp="1"/>
+          </p:cNvSpPr>
+          <p:nvPr>
+            <p:ph type="title"/>
+          </p:nvPr>
+        </p:nvSpPr>
+        <p:spPr>
+          <a:xfrm>
+            <a:off x="457200" y="0"/>
+            <a:ext cx="8229600" cy="762000"/>
+          </a:xfrm>
+        </p:spPr>
+        <p:txBody>
+          <a:bodyPr>
+            <a:normAutofit/>
+          </a:bodyPr>
+          <a:lstStyle/>
+          <a:p>
+            <a:r>
+              <a:rPr lang="en-US" dirty="0" smtClean="0"/>
+              <a:t>Solderless Breadboard</a:t>
+            </a:r>
+            <a:endParaRPr lang="en-US" dirty="0"/>
+          </a:p>
+        </p:txBody>
+      </p:sp>
+      <p:pic>
+        <p:nvPicPr>
+          <p:cNvPr id="5" name="Content Placeholder 4"/>
+          <p:cNvPicPr>
+            <a:picLocks noGrp="1" noChangeAspect="1"/>
+          </p:cNvPicPr>
+          <p:nvPr>
+            <p:ph idx="1"/>
+          </p:nvPr>
+        </p:nvPicPr>
+        <p:blipFill>
+          <a:blip r:embed="rId2">
+            <a:extLst>
+              <a:ext uri="{28A0092B-C50C-407E-A947-70E740481C1C}">
+                <a14:useLocalDpi xmlns:a14="http://schemas.microsoft.com/office/drawing/2010/main" val="0"/>
+              </a:ext>
+            </a:extLst>
+          </a:blip>
+          <a:stretch>
+            <a:fillRect/>
+          </a:stretch>
+        </p:blipFill>
+        <p:spPr>
+          <a:xfrm>
+            <a:off x="4133850" y="2243931"/>
+            <a:ext cx="1714500" cy="1714500"/>
+          </a:xfrm>
+        </p:spPr>
+      </p:pic>
+      <p:pic>
+        <p:nvPicPr>
+          <p:cNvPr id="4" name="Picture 3"/>
+          <p:cNvPicPr>
+            <a:picLocks noChangeAspect="1"/>
+          </p:cNvPicPr>
+          <p:nvPr/>
+        </p:nvPicPr>
+        <p:blipFill>
+          <a:blip r:embed="rId3">
+            <a:extLst>
+              <a:ext uri="{28A0092B-C50C-407E-A947-70E740481C1C}">
+                <a14:useLocalDpi xmlns:a14="http://schemas.microsoft.com/office/drawing/2010/main" val="0"/>
+              </a:ext>
+            </a:extLst>
+          </a:blip>
+          <a:stretch>
+            <a:fillRect/>
+          </a:stretch>
+        </p:blipFill>
+        <p:spPr>
+          <a:xfrm>
+            <a:off x="1143000" y="762000"/>
+            <a:ext cx="7620000" cy="4533900"/>
+          </a:xfrm>
+          <a:prstGeom prst="rect">
+            <a:avLst/>
+          </a:prstGeom>
+        </p:spPr>
+      </p:pic>
+      <p:pic>
+        <p:nvPicPr>
+          <p:cNvPr id="6" name="Picture 5"/>
+          <p:cNvPicPr>
+            <a:picLocks noChangeAspect="1"/>
+          </p:cNvPicPr>
+          <p:nvPr/>
+        </p:nvPicPr>
+        <p:blipFill>
+          <a:blip r:embed="rId2">
+            <a:extLst>
+              <a:ext uri="{28A0092B-C50C-407E-A947-70E740481C1C}">
+                <a14:useLocalDpi xmlns:a14="http://schemas.microsoft.com/office/drawing/2010/main" val="0"/>
+              </a:ext>
+            </a:extLst>
+          </a:blip>
+          <a:stretch>
+            <a:fillRect/>
+          </a:stretch>
+        </p:blipFill>
+        <p:spPr>
+          <a:xfrm rot="16200000">
+            <a:off x="371138" y="3771452"/>
+            <a:ext cx="3065929" cy="3065929"/>
+          </a:xfrm>
+          <a:prstGeom prst="rect">
+            <a:avLst/>
+          </a:prstGeom>
+        </p:spPr>
+      </p:pic>
+    </p:spTree>
+    <p:extLst>
+      <p:ext uri="{BB962C8B-B14F-4D97-AF65-F5344CB8AC3E}">
+        <p14:creationId xmlns:p14="http://schemas.microsoft.com/office/powerpoint/2010/main" val="3939451385"/>
+      </p:ext>
+    </p:extLst>
+  </p:cSld>
+  <p:clrMapOvr>
+    <a:masterClrMapping/>
+  </p:clrMapOvr>
+  <p:timing>
+    <p:tnLst>
+      <p:par>
+        <p:cTn id="1" dur="indefinite" restart="never" nodeType="tmRoot"/>
+      </p:par>
+    </p:tnLst>
+  </p:timing>
+</p:sld>
+</file>
+
+<file path=ppt/slides/slide43.xml><?xml version="1.0" encoding="utf-8"?>
+<p:sld xmlns:a="http://schemas.openxmlformats.org/drawingml/2006/main" xmlns:r="http://schemas.openxmlformats.org/officeDocument/2006/relationships" xmlns:p="http://schemas.openxmlformats.org/presentationml/2006/main">
+  <p:cSld>
+    <p:spTree>
+      <p:nvGrpSpPr>
+        <p:cNvPr id="1" name=""/>
+        <p:cNvGrpSpPr/>
+        <p:nvPr/>
+      </p:nvGrpSpPr>
+      <p:grpSpPr>
+        <a:xfrm>
+          <a:off x="0" y="0"/>
+          <a:ext cx="0" cy="0"/>
+          <a:chOff x="0" y="0"/>
+          <a:chExt cx="0" cy="0"/>
+        </a:xfrm>
+      </p:grpSpPr>
+      <p:sp>
+        <p:nvSpPr>
+          <p:cNvPr id="2" name="Title 1"/>
+          <p:cNvSpPr>
+            <a:spLocks noGrp="1"/>
+          </p:cNvSpPr>
+          <p:nvPr>
+            <p:ph type="title"/>
+          </p:nvPr>
+        </p:nvSpPr>
+        <p:spPr>
+          <a:xfrm>
+            <a:off x="457200" y="0"/>
+            <a:ext cx="8229600" cy="762000"/>
+          </a:xfrm>
+        </p:spPr>
+        <p:txBody>
+          <a:bodyPr>
+            <a:normAutofit/>
+          </a:bodyPr>
+          <a:lstStyle/>
+          <a:p>
+            <a:r>
+              <a:rPr lang="en-US" dirty="0" err="1" smtClean="0"/>
+              <a:t>Adafruit</a:t>
+            </a:r>
+            <a:r>
+              <a:rPr lang="en-US" dirty="0" smtClean="0"/>
+              <a:t> Pro Trinket</a:t>
+            </a:r>
+            <a:endParaRPr lang="en-US" dirty="0"/>
+          </a:p>
+        </p:txBody>
+      </p:sp>
+      <p:pic>
+        <p:nvPicPr>
+          <p:cNvPr id="7" name="Content Placeholder 6"/>
+          <p:cNvPicPr>
+            <a:picLocks noGrp="1" noChangeAspect="1"/>
+          </p:cNvPicPr>
+          <p:nvPr>
+            <p:ph idx="1"/>
+          </p:nvPr>
+        </p:nvPicPr>
+        <p:blipFill>
+          <a:blip r:embed="rId2">
+            <a:extLst>
+              <a:ext uri="{28A0092B-C50C-407E-A947-70E740481C1C}">
+                <a14:useLocalDpi xmlns:a14="http://schemas.microsoft.com/office/drawing/2010/main" val="0"/>
+              </a:ext>
+            </a:extLst>
+          </a:blip>
+          <a:stretch>
+            <a:fillRect/>
+          </a:stretch>
+        </p:blipFill>
+        <p:spPr>
+          <a:xfrm>
+            <a:off x="990600" y="685800"/>
+            <a:ext cx="7010400" cy="5261414"/>
+          </a:xfrm>
+        </p:spPr>
+      </p:pic>
+    </p:spTree>
+    <p:extLst>
+      <p:ext uri="{BB962C8B-B14F-4D97-AF65-F5344CB8AC3E}">
+        <p14:creationId xmlns:p14="http://schemas.microsoft.com/office/powerpoint/2010/main" val="1110437609"/>
+      </p:ext>
+    </p:extLst>
+  </p:cSld>
+  <p:clrMapOvr>
+    <a:masterClrMapping/>
+  </p:clrMapOvr>
+  <p:timing>
+    <p:tnLst>
+      <p:par>
+        <p:cTn id="1" dur="indefinite" restart="never" nodeType="tmRoot"/>
+      </p:par>
+    </p:tnLst>
+  </p:timing>
+</p:sld>
+</file>
+
+<file path=ppt/slides/slide44.xml><?xml version="1.0" encoding="utf-8"?>
+<p:sld xmlns:a="http://schemas.openxmlformats.org/drawingml/2006/main" xmlns:r="http://schemas.openxmlformats.org/officeDocument/2006/relationships" xmlns:p="http://schemas.openxmlformats.org/presentationml/2006/main">
+  <p:cSld>
+    <p:spTree>
+      <p:nvGrpSpPr>
+        <p:cNvPr id="1" name=""/>
+        <p:cNvGrpSpPr/>
+        <p:nvPr/>
+      </p:nvGrpSpPr>
+      <p:grpSpPr>
+        <a:xfrm>
+          <a:off x="0" y="0"/>
+          <a:ext cx="0" cy="0"/>
+          <a:chOff x="0" y="0"/>
+          <a:chExt cx="0" cy="0"/>
+        </a:xfrm>
+      </p:grpSpPr>
+      <p:sp>
+        <p:nvSpPr>
+          <p:cNvPr id="2" name="Title 1"/>
+          <p:cNvSpPr>
+            <a:spLocks noGrp="1"/>
+          </p:cNvSpPr>
+          <p:nvPr>
+            <p:ph type="title"/>
+          </p:nvPr>
+        </p:nvSpPr>
+        <p:spPr>
+          <a:xfrm>
+            <a:off x="457200" y="0"/>
+            <a:ext cx="8229600" cy="762000"/>
+          </a:xfrm>
+        </p:spPr>
+        <p:txBody>
+          <a:bodyPr>
+            <a:normAutofit/>
+          </a:bodyPr>
+          <a:lstStyle/>
+          <a:p>
+            <a:r>
+              <a:rPr lang="en-US" dirty="0" err="1" smtClean="0"/>
+              <a:t>Adafruit</a:t>
+            </a:r>
+            <a:r>
+              <a:rPr lang="en-US" dirty="0" smtClean="0"/>
+              <a:t> Pro Trinket</a:t>
+            </a:r>
+            <a:endParaRPr lang="en-US" dirty="0"/>
+          </a:p>
+        </p:txBody>
+      </p:sp>
+      <p:pic>
+        <p:nvPicPr>
+          <p:cNvPr id="4" name="Content Placeholder 3"/>
+          <p:cNvPicPr>
+            <a:picLocks noGrp="1" noChangeAspect="1"/>
+          </p:cNvPicPr>
+          <p:nvPr>
+            <p:ph idx="1"/>
+          </p:nvPr>
+        </p:nvPicPr>
+        <p:blipFill>
+          <a:blip r:embed="rId2">
+            <a:extLst>
+              <a:ext uri="{28A0092B-C50C-407E-A947-70E740481C1C}">
+                <a14:useLocalDpi xmlns:a14="http://schemas.microsoft.com/office/drawing/2010/main" val="0"/>
+              </a:ext>
+            </a:extLst>
+          </a:blip>
+          <a:stretch>
+            <a:fillRect/>
+          </a:stretch>
+        </p:blipFill>
+        <p:spPr>
+          <a:xfrm>
+            <a:off x="1066800" y="685800"/>
+            <a:ext cx="7112000" cy="5334000"/>
+          </a:xfrm>
+        </p:spPr>
+      </p:pic>
+    </p:spTree>
+    <p:extLst>
+      <p:ext uri="{BB962C8B-B14F-4D97-AF65-F5344CB8AC3E}">
+        <p14:creationId xmlns:p14="http://schemas.microsoft.com/office/powerpoint/2010/main" val="926649347"/>
+      </p:ext>
+    </p:extLst>
+  </p:cSld>
+  <p:clrMapOvr>
+    <a:masterClrMapping/>
+  </p:clrMapOvr>
+  <p:timing>
+    <p:tnLst>
+      <p:par>
+        <p:cTn id="1" dur="indefinite" restart="never" nodeType="tmRoot"/>
+      </p:par>
+    </p:tnLst>
+  </p:timing>
+</p:sld>
+</file>
+
+<file path=ppt/slides/slide45.xml><?xml version="1.0" encoding="utf-8"?>
+<p:sld xmlns:a="http://schemas.openxmlformats.org/drawingml/2006/main" xmlns:r="http://schemas.openxmlformats.org/officeDocument/2006/relationships" xmlns:p="http://schemas.openxmlformats.org/presentationml/2006/main">
+  <p:cSld>
+    <p:spTree>
+      <p:nvGrpSpPr>
+        <p:cNvPr id="1" name=""/>
+        <p:cNvGrpSpPr/>
+        <p:nvPr/>
+      </p:nvGrpSpPr>
+      <p:grpSpPr>
+        <a:xfrm>
+          <a:off x="0" y="0"/>
+          <a:ext cx="0" cy="0"/>
+          <a:chOff x="0" y="0"/>
+          <a:chExt cx="0" cy="0"/>
+        </a:xfrm>
+      </p:grpSpPr>
+      <p:sp>
+        <p:nvSpPr>
+          <p:cNvPr id="2" name="Title 1"/>
+          <p:cNvSpPr>
+            <a:spLocks noGrp="1"/>
+          </p:cNvSpPr>
+          <p:nvPr>
+            <p:ph type="title"/>
+          </p:nvPr>
+        </p:nvSpPr>
+        <p:spPr>
+          <a:xfrm>
+            <a:off x="457200" y="0"/>
+            <a:ext cx="8229600" cy="762000"/>
+          </a:xfrm>
+        </p:spPr>
+        <p:txBody>
+          <a:bodyPr>
+            <a:normAutofit/>
+          </a:bodyPr>
+          <a:lstStyle/>
+          <a:p>
+            <a:r>
+              <a:rPr lang="en-US" dirty="0" err="1" smtClean="0"/>
+              <a:t>Adafruit</a:t>
+            </a:r>
+            <a:r>
+              <a:rPr lang="en-US" dirty="0" smtClean="0"/>
+              <a:t> Pro Trinket</a:t>
+            </a:r>
+            <a:endParaRPr lang="en-US" dirty="0"/>
+          </a:p>
+        </p:txBody>
+      </p:sp>
+      <p:pic>
+        <p:nvPicPr>
+          <p:cNvPr id="7" name="Content Placeholder 6"/>
+          <p:cNvPicPr>
+            <a:picLocks noGrp="1" noChangeAspect="1"/>
+          </p:cNvPicPr>
+          <p:nvPr>
+            <p:ph idx="1"/>
+          </p:nvPr>
+        </p:nvPicPr>
+        <p:blipFill>
+          <a:blip r:embed="rId2">
+            <a:extLst>
+              <a:ext uri="{28A0092B-C50C-407E-A947-70E740481C1C}">
+                <a14:useLocalDpi xmlns:a14="http://schemas.microsoft.com/office/drawing/2010/main" val="0"/>
+              </a:ext>
+            </a:extLst>
+          </a:blip>
+          <a:stretch>
+            <a:fillRect/>
+          </a:stretch>
+        </p:blipFill>
+        <p:spPr>
+          <a:xfrm>
+            <a:off x="990600" y="685800"/>
+            <a:ext cx="7010400" cy="5261414"/>
+          </a:xfrm>
+        </p:spPr>
+      </p:pic>
+      <p:sp>
+        <p:nvSpPr>
+          <p:cNvPr id="3" name="Oval 2"/>
+          <p:cNvSpPr/>
+          <p:nvPr/>
+        </p:nvSpPr>
+        <p:spPr>
+          <a:xfrm>
+            <a:off x="1905000" y="1752600"/>
+            <a:ext cx="965771" cy="685800"/>
+          </a:xfrm>
+          <a:prstGeom prst="ellipse">
+            <a:avLst/>
+          </a:prstGeom>
+          <a:noFill/>
+          <a:ln w="63500">
+            <a:solidFill>
+              <a:srgbClr val="FF0000"/>
+            </a:solidFill>
+          </a:ln>
+        </p:spPr>
+        <p:style>
+          <a:lnRef idx="2">
+            <a:schemeClr val="accent1">
+              <a:shade val="50000"/>
+            </a:schemeClr>
+          </a:lnRef>
+          <a:fillRef idx="1">
+            <a:schemeClr val="accent1"/>
+          </a:fillRef>
+          <a:effectRef idx="0">
+            <a:schemeClr val="accent1"/>
+          </a:effectRef>
+          <a:fontRef idx="minor">
+            <a:schemeClr val="lt1"/>
+          </a:fontRef>
+        </p:style>
+        <p:txBody>
+          <a:bodyPr rtlCol="0" anchor="ctr"/>
+          <a:lstStyle/>
+          <a:p>
+            <a:pPr algn="ctr"/>
+            <a:endParaRPr lang="en-US"/>
+          </a:p>
+        </p:txBody>
+      </p:sp>
+      <p:sp>
+        <p:nvSpPr>
+          <p:cNvPr id="4" name="Oval 3"/>
+          <p:cNvSpPr/>
+          <p:nvPr/>
+        </p:nvSpPr>
+        <p:spPr>
+          <a:xfrm>
+            <a:off x="1981199" y="3886200"/>
+            <a:ext cx="934949" cy="762000"/>
+          </a:xfrm>
+          <a:prstGeom prst="ellipse">
+            <a:avLst/>
+          </a:prstGeom>
+          <a:noFill/>
+          <a:ln w="63500">
+            <a:solidFill>
+              <a:srgbClr val="FFFF00"/>
+            </a:solidFill>
+          </a:ln>
+        </p:spPr>
+        <p:style>
+          <a:lnRef idx="2">
+            <a:schemeClr val="accent1">
+              <a:shade val="50000"/>
+            </a:schemeClr>
+          </a:lnRef>
+          <a:fillRef idx="1">
+            <a:schemeClr val="accent1"/>
+          </a:fillRef>
+          <a:effectRef idx="0">
+            <a:schemeClr val="accent1"/>
+          </a:effectRef>
+          <a:fontRef idx="minor">
+            <a:schemeClr val="lt1"/>
+          </a:fontRef>
+        </p:style>
+        <p:txBody>
+          <a:bodyPr rtlCol="0" anchor="ctr"/>
+          <a:lstStyle/>
+          <a:p>
+            <a:pPr algn="ctr"/>
+            <a:endParaRPr lang="en-US"/>
+          </a:p>
+        </p:txBody>
+      </p:sp>
+      <p:sp>
+        <p:nvSpPr>
+          <p:cNvPr id="5" name="Oval 4"/>
+          <p:cNvSpPr/>
+          <p:nvPr/>
+        </p:nvSpPr>
+        <p:spPr>
+          <a:xfrm>
+            <a:off x="2870771" y="3886200"/>
+            <a:ext cx="863029" cy="838200"/>
+          </a:xfrm>
+          <a:prstGeom prst="ellipse">
+            <a:avLst/>
+          </a:prstGeom>
+          <a:noFill/>
+          <a:ln w="63500">
+            <a:solidFill>
+              <a:srgbClr val="92D050"/>
+            </a:solidFill>
+          </a:ln>
+        </p:spPr>
+        <p:style>
+          <a:lnRef idx="2">
+            <a:schemeClr val="accent1">
+              <a:shade val="50000"/>
+            </a:schemeClr>
+          </a:lnRef>
+          <a:fillRef idx="1">
+            <a:schemeClr val="accent1"/>
+          </a:fillRef>
+          <a:effectRef idx="0">
+            <a:schemeClr val="accent1"/>
+          </a:effectRef>
+          <a:fontRef idx="minor">
+            <a:schemeClr val="lt1"/>
+          </a:fontRef>
+        </p:style>
+        <p:txBody>
+          <a:bodyPr rtlCol="0" anchor="ctr"/>
+          <a:lstStyle/>
+          <a:p>
+            <a:pPr algn="ctr"/>
+            <a:endParaRPr lang="en-US"/>
+          </a:p>
+        </p:txBody>
+      </p:sp>
+      <p:sp>
+        <p:nvSpPr>
+          <p:cNvPr id="8" name="TextBox 7"/>
+          <p:cNvSpPr txBox="1"/>
+          <p:nvPr/>
+        </p:nvSpPr>
+        <p:spPr>
+          <a:xfrm>
+            <a:off x="1663985" y="798493"/>
+            <a:ext cx="1447800" cy="954107"/>
+          </a:xfrm>
+          <a:prstGeom prst="rect">
+            <a:avLst/>
+          </a:prstGeom>
+          <a:noFill/>
+        </p:spPr>
+        <p:txBody>
+          <a:bodyPr wrap="square" rtlCol="0">
+            <a:spAutoFit/>
+          </a:bodyPr>
+          <a:lstStyle/>
+          <a:p>
+            <a:r>
+              <a:rPr lang="en-US" sz="2800" b="1" dirty="0" smtClean="0">
+                <a:solidFill>
+                  <a:srgbClr val="FF0000"/>
+                </a:solidFill>
+              </a:rPr>
+              <a:t>Power,</a:t>
+            </a:r>
+          </a:p>
+          <a:p>
+            <a:r>
+              <a:rPr lang="en-US" sz="2800" b="1" dirty="0" smtClean="0">
+                <a:solidFill>
+                  <a:srgbClr val="FF0000"/>
+                </a:solidFill>
+              </a:rPr>
+              <a:t>Ground</a:t>
+            </a:r>
+            <a:endParaRPr lang="en-US" sz="2800" b="1" dirty="0">
+              <a:solidFill>
+                <a:srgbClr val="FF0000"/>
+              </a:solidFill>
+            </a:endParaRPr>
+          </a:p>
+        </p:txBody>
+      </p:sp>
+      <p:sp>
+        <p:nvSpPr>
+          <p:cNvPr id="9" name="TextBox 8"/>
+          <p:cNvSpPr txBox="1"/>
+          <p:nvPr/>
+        </p:nvSpPr>
+        <p:spPr>
+          <a:xfrm>
+            <a:off x="1765870" y="4731249"/>
+            <a:ext cx="1244029" cy="523220"/>
+          </a:xfrm>
+          <a:prstGeom prst="rect">
+            <a:avLst/>
+          </a:prstGeom>
+          <a:noFill/>
+        </p:spPr>
+        <p:txBody>
+          <a:bodyPr wrap="square" rtlCol="0">
+            <a:spAutoFit/>
+          </a:bodyPr>
+          <a:lstStyle/>
+          <a:p>
+            <a:r>
+              <a:rPr lang="en-US" sz="2800" b="1" dirty="0" smtClean="0">
+                <a:solidFill>
+                  <a:srgbClr val="FFFF00"/>
+                </a:solidFill>
+              </a:rPr>
+              <a:t>Servos</a:t>
+            </a:r>
+          </a:p>
+        </p:txBody>
+      </p:sp>
+      <p:sp>
+        <p:nvSpPr>
+          <p:cNvPr id="10" name="TextBox 9"/>
+          <p:cNvSpPr txBox="1"/>
+          <p:nvPr/>
+        </p:nvSpPr>
+        <p:spPr>
+          <a:xfrm>
+            <a:off x="2916148" y="4724400"/>
+            <a:ext cx="1447800" cy="523220"/>
+          </a:xfrm>
+          <a:prstGeom prst="rect">
+            <a:avLst/>
+          </a:prstGeom>
+          <a:noFill/>
+        </p:spPr>
+        <p:txBody>
+          <a:bodyPr wrap="square" rtlCol="0">
+            <a:spAutoFit/>
+          </a:bodyPr>
+          <a:lstStyle/>
+          <a:p>
+            <a:r>
+              <a:rPr lang="en-US" sz="2800" b="1" dirty="0" smtClean="0">
+                <a:solidFill>
+                  <a:srgbClr val="92D050"/>
+                </a:solidFill>
+              </a:rPr>
+              <a:t>Sensor</a:t>
+            </a:r>
+          </a:p>
+        </p:txBody>
+      </p:sp>
+    </p:spTree>
+    <p:extLst>
+      <p:ext uri="{BB962C8B-B14F-4D97-AF65-F5344CB8AC3E}">
+        <p14:creationId xmlns:p14="http://schemas.microsoft.com/office/powerpoint/2010/main" val="3867289349"/>
+      </p:ext>
+    </p:extLst>
+  </p:cSld>
+  <p:clrMapOvr>
+    <a:masterClrMapping/>
+  </p:clrMapOvr>
+  <p:timing>
+    <p:tnLst>
+      <p:par>
+        <p:cTn id="1" dur="indefinite" restart="never" nodeType="tmRoot"/>
+      </p:par>
+    </p:tnLst>
+  </p:timing>
+</p:sld>
+</file>
+
+<file path=ppt/slides/slide46.xml><?xml version="1.0" encoding="utf-8"?>
+<p:sld xmlns:a="http://schemas.openxmlformats.org/drawingml/2006/main" xmlns:r="http://schemas.openxmlformats.org/officeDocument/2006/relationships" xmlns:p="http://schemas.openxmlformats.org/presentationml/2006/main">
+  <p:cSld>
+    <p:spTree>
+      <p:nvGrpSpPr>
+        <p:cNvPr id="1" name=""/>
+        <p:cNvGrpSpPr/>
+        <p:nvPr/>
+      </p:nvGrpSpPr>
+      <p:grpSpPr>
+        <a:xfrm>
+          <a:off x="0" y="0"/>
+          <a:ext cx="0" cy="0"/>
+          <a:chOff x="0" y="0"/>
+          <a:chExt cx="0" cy="0"/>
+        </a:xfrm>
+      </p:grpSpPr>
+      <p:sp>
+        <p:nvSpPr>
+          <p:cNvPr id="2" name="Title 1"/>
+          <p:cNvSpPr>
+            <a:spLocks noGrp="1"/>
+          </p:cNvSpPr>
+          <p:nvPr>
+            <p:ph type="title"/>
+          </p:nvPr>
+        </p:nvSpPr>
+        <p:spPr>
+          <a:xfrm>
+            <a:off x="457200" y="0"/>
+            <a:ext cx="8229600" cy="762000"/>
+          </a:xfrm>
+        </p:spPr>
+        <p:txBody>
+          <a:bodyPr>
+            <a:normAutofit/>
+          </a:bodyPr>
+          <a:lstStyle/>
+          <a:p>
+            <a:r>
+              <a:rPr lang="en-US" dirty="0" smtClean="0"/>
+              <a:t>Wiring Diagram</a:t>
+            </a:r>
+            <a:endParaRPr lang="en-US" dirty="0"/>
+          </a:p>
+        </p:txBody>
+      </p:sp>
+      <p:pic>
+        <p:nvPicPr>
+          <p:cNvPr id="7" name="Content Placeholder 6"/>
+          <p:cNvPicPr>
+            <a:picLocks noGrp="1" noChangeAspect="1"/>
+          </p:cNvPicPr>
+          <p:nvPr>
+            <p:ph idx="1"/>
+          </p:nvPr>
+        </p:nvPicPr>
+        <p:blipFill>
+          <a:blip r:embed="rId2" cstate="print">
+            <a:extLst>
+              <a:ext uri="{28A0092B-C50C-407E-A947-70E740481C1C}">
+                <a14:useLocalDpi xmlns:a14="http://schemas.microsoft.com/office/drawing/2010/main" val="0"/>
+              </a:ext>
+            </a:extLst>
+          </a:blip>
+          <a:stretch>
+            <a:fillRect/>
+          </a:stretch>
+        </p:blipFill>
+        <p:spPr>
+          <a:xfrm>
+            <a:off x="1295400" y="685800"/>
+            <a:ext cx="6477000" cy="6056587"/>
+          </a:xfrm>
+        </p:spPr>
+      </p:pic>
+    </p:spTree>
+    <p:extLst>
+      <p:ext uri="{BB962C8B-B14F-4D97-AF65-F5344CB8AC3E}">
+        <p14:creationId xmlns:p14="http://schemas.microsoft.com/office/powerpoint/2010/main" val="3174965355"/>
+      </p:ext>
+    </p:extLst>
+  </p:cSld>
+  <p:clrMapOvr>
+    <a:masterClrMapping/>
+  </p:clrMapOvr>
+  <p:timing>
+    <p:tnLst>
+      <p:par>
+        <p:cTn id="1" dur="indefinite" restart="never" nodeType="tmRoot"/>
+      </p:par>
+    </p:tnLst>
+  </p:timing>
+</p:sld>
+</file>
+
+<file path=ppt/slides/slide47.xml><?xml version="1.0" encoding="utf-8"?>
+<p:sld xmlns:a="http://schemas.openxmlformats.org/drawingml/2006/main" xmlns:r="http://schemas.openxmlformats.org/officeDocument/2006/relationships" xmlns:p="http://schemas.openxmlformats.org/presentationml/2006/main">
+  <p:cSld>
+    <p:spTree>
+      <p:nvGrpSpPr>
+        <p:cNvPr id="1" name=""/>
+        <p:cNvGrpSpPr/>
+        <p:nvPr/>
+      </p:nvGrpSpPr>
+      <p:grpSpPr>
+        <a:xfrm>
+          <a:off x="0" y="0"/>
+          <a:ext cx="0" cy="0"/>
+          <a:chOff x="0" y="0"/>
+          <a:chExt cx="0" cy="0"/>
+        </a:xfrm>
+      </p:grpSpPr>
+      <p:sp>
+        <p:nvSpPr>
+          <p:cNvPr id="2" name="Title 1"/>
+          <p:cNvSpPr>
+            <a:spLocks noGrp="1"/>
+          </p:cNvSpPr>
+          <p:nvPr>
+            <p:ph type="title"/>
+          </p:nvPr>
+        </p:nvSpPr>
+        <p:spPr>
+          <a:xfrm>
+            <a:off x="457200" y="0"/>
+            <a:ext cx="8229600" cy="762000"/>
+          </a:xfrm>
+        </p:spPr>
+        <p:txBody>
+          <a:bodyPr>
+            <a:normAutofit/>
+          </a:bodyPr>
+          <a:lstStyle/>
+          <a:p>
+            <a:r>
+              <a:rPr lang="en-US" dirty="0" smtClean="0"/>
+              <a:t>Power</a:t>
+            </a:r>
+            <a:endParaRPr lang="en-US" dirty="0"/>
+          </a:p>
+        </p:txBody>
+      </p:sp>
+      <p:sp>
+        <p:nvSpPr>
+          <p:cNvPr id="3" name="Content Placeholder 2"/>
+          <p:cNvSpPr>
+            <a:spLocks noGrp="1"/>
+          </p:cNvSpPr>
+          <p:nvPr>
+            <p:ph idx="1"/>
+          </p:nvPr>
+        </p:nvSpPr>
+        <p:spPr>
+          <a:xfrm>
+            <a:off x="2667000" y="838200"/>
+            <a:ext cx="4648200" cy="4525963"/>
+          </a:xfrm>
+        </p:spPr>
+        <p:txBody>
+          <a:bodyPr/>
+          <a:lstStyle/>
+          <a:p>
+            <a:r>
+              <a:rPr lang="en-US" dirty="0" smtClean="0"/>
+              <a:t>Batteries</a:t>
+            </a:r>
+          </a:p>
+          <a:p>
+            <a:r>
+              <a:rPr lang="en-US" dirty="0" smtClean="0"/>
+              <a:t>USB</a:t>
+            </a:r>
+          </a:p>
+        </p:txBody>
+      </p:sp>
+    </p:spTree>
+    <p:extLst>
+      <p:ext uri="{BB962C8B-B14F-4D97-AF65-F5344CB8AC3E}">
+        <p14:creationId xmlns:p14="http://schemas.microsoft.com/office/powerpoint/2010/main" val="3801049316"/>
+      </p:ext>
+    </p:extLst>
+  </p:cSld>
+  <p:clrMapOvr>
+    <a:masterClrMapping/>
+  </p:clrMapOvr>
+  <p:timing>
+    <p:tnLst>
+      <p:par>
+        <p:cTn id="1" dur="indefinite" restart="never" nodeType="tmRoot"/>
+      </p:par>
+    </p:tnLst>
+  </p:timing>
+</p:sld>
+</file>
+
+<file path=ppt/slides/slide5.xml><?xml version="1.0" encoding="utf-8"?>
 <p:sld xmlns:a="http://schemas.openxmlformats.org/drawingml/2006/main" xmlns:r="http://schemas.openxmlformats.org/officeDocument/2006/relationships" xmlns:p="http://schemas.openxmlformats.org/presentationml/2006/main">
   <p:cSld>
     <p:spTree>
@@ -4697,10 +9328,302 @@
   <p:clrMapOvr>
     <a:masterClrMapping/>
   </p:clrMapOvr>
+  <p:timing>
+    <p:tnLst>
+      <p:par>
+        <p:cTn id="1" dur="indefinite" restart="never" nodeType="tmRoot"/>
+      </p:par>
+    </p:tnLst>
+  </p:timing>
 </p:sld>
 </file>
 
-<file path=ppt/slides/slide3.xml><?xml version="1.0" encoding="utf-8"?>
+<file path=ppt/slides/slide6.xml><?xml version="1.0" encoding="utf-8"?>
+<p:sld xmlns:a="http://schemas.openxmlformats.org/drawingml/2006/main" xmlns:r="http://schemas.openxmlformats.org/officeDocument/2006/relationships" xmlns:p="http://schemas.openxmlformats.org/presentationml/2006/main">
+  <p:cSld>
+    <p:spTree>
+      <p:nvGrpSpPr>
+        <p:cNvPr id="1" name=""/>
+        <p:cNvGrpSpPr/>
+        <p:nvPr/>
+      </p:nvGrpSpPr>
+      <p:grpSpPr>
+        <a:xfrm>
+          <a:off x="0" y="0"/>
+          <a:ext cx="0" cy="0"/>
+          <a:chOff x="0" y="0"/>
+          <a:chExt cx="0" cy="0"/>
+        </a:xfrm>
+      </p:grpSpPr>
+      <p:sp>
+        <p:nvSpPr>
+          <p:cNvPr id="2" name="Title 1"/>
+          <p:cNvSpPr>
+            <a:spLocks noGrp="1"/>
+          </p:cNvSpPr>
+          <p:nvPr>
+            <p:ph type="title"/>
+          </p:nvPr>
+        </p:nvSpPr>
+        <p:spPr>
+          <a:xfrm>
+            <a:off x="457200" y="0"/>
+            <a:ext cx="8229600" cy="762000"/>
+          </a:xfrm>
+        </p:spPr>
+        <p:txBody>
+          <a:bodyPr>
+            <a:normAutofit/>
+          </a:bodyPr>
+          <a:lstStyle/>
+          <a:p>
+            <a:r>
+              <a:rPr lang="en-US" dirty="0" smtClean="0"/>
+              <a:t>Arduino Microprocessor</a:t>
+            </a:r>
+            <a:endParaRPr lang="en-US" dirty="0"/>
+          </a:p>
+        </p:txBody>
+      </p:sp>
+      <p:sp>
+        <p:nvSpPr>
+          <p:cNvPr id="3" name="Content Placeholder 2"/>
+          <p:cNvSpPr>
+            <a:spLocks noGrp="1"/>
+          </p:cNvSpPr>
+          <p:nvPr>
+            <p:ph idx="1"/>
+          </p:nvPr>
+        </p:nvSpPr>
+        <p:spPr>
+          <a:xfrm>
+            <a:off x="457200" y="914400"/>
+            <a:ext cx="8229600" cy="5211763"/>
+          </a:xfrm>
+        </p:spPr>
+        <p:txBody>
+          <a:bodyPr/>
+          <a:lstStyle/>
+          <a:p>
+            <a:r>
+              <a:rPr lang="en-US" dirty="0" smtClean="0"/>
+              <a:t>Designed by 5 students </a:t>
+            </a:r>
+          </a:p>
+          <a:p>
+            <a:r>
+              <a:rPr lang="en-US" dirty="0" smtClean="0"/>
+              <a:t>Goals</a:t>
+            </a:r>
+          </a:p>
+          <a:p>
+            <a:pPr lvl="1"/>
+            <a:r>
+              <a:rPr lang="en-US" dirty="0" smtClean="0"/>
+              <a:t>Affordable </a:t>
+            </a:r>
+          </a:p>
+          <a:p>
+            <a:pPr lvl="1"/>
+            <a:r>
+              <a:rPr lang="en-US" dirty="0" smtClean="0"/>
+              <a:t>Open Source </a:t>
+            </a:r>
+          </a:p>
+          <a:p>
+            <a:pPr lvl="1"/>
+            <a:r>
+              <a:rPr lang="en-US" dirty="0" smtClean="0"/>
+              <a:t>Easy to program for beginners</a:t>
+            </a:r>
+          </a:p>
+          <a:p>
+            <a:pPr marL="0" indent="0">
+              <a:buNone/>
+            </a:pPr>
+            <a:endParaRPr lang="en-US" dirty="0" smtClean="0"/>
+          </a:p>
+        </p:txBody>
+      </p:sp>
+    </p:spTree>
+    <p:extLst>
+      <p:ext uri="{BB962C8B-B14F-4D97-AF65-F5344CB8AC3E}">
+        <p14:creationId xmlns:p14="http://schemas.microsoft.com/office/powerpoint/2010/main" val="514497298"/>
+      </p:ext>
+    </p:extLst>
+  </p:cSld>
+  <p:clrMapOvr>
+    <a:masterClrMapping/>
+  </p:clrMapOvr>
+  <p:timing>
+    <p:tnLst>
+      <p:par>
+        <p:cTn id="1" dur="indefinite" restart="never" nodeType="tmRoot"/>
+      </p:par>
+    </p:tnLst>
+  </p:timing>
+</p:sld>
+</file>
+
+<file path=ppt/slides/slide7.xml><?xml version="1.0" encoding="utf-8"?>
+<p:sld xmlns:a="http://schemas.openxmlformats.org/drawingml/2006/main" xmlns:r="http://schemas.openxmlformats.org/officeDocument/2006/relationships" xmlns:p="http://schemas.openxmlformats.org/presentationml/2006/main">
+  <p:cSld>
+    <p:spTree>
+      <p:nvGrpSpPr>
+        <p:cNvPr id="1" name=""/>
+        <p:cNvGrpSpPr/>
+        <p:nvPr/>
+      </p:nvGrpSpPr>
+      <p:grpSpPr>
+        <a:xfrm>
+          <a:off x="0" y="0"/>
+          <a:ext cx="0" cy="0"/>
+          <a:chOff x="0" y="0"/>
+          <a:chExt cx="0" cy="0"/>
+        </a:xfrm>
+      </p:grpSpPr>
+      <p:sp>
+        <p:nvSpPr>
+          <p:cNvPr id="2" name="Title 1"/>
+          <p:cNvSpPr>
+            <a:spLocks noGrp="1"/>
+          </p:cNvSpPr>
+          <p:nvPr>
+            <p:ph type="title"/>
+          </p:nvPr>
+        </p:nvSpPr>
+        <p:spPr>
+          <a:xfrm>
+            <a:off x="457200" y="0"/>
+            <a:ext cx="8229600" cy="762000"/>
+          </a:xfrm>
+        </p:spPr>
+        <p:txBody>
+          <a:bodyPr>
+            <a:normAutofit/>
+          </a:bodyPr>
+          <a:lstStyle/>
+          <a:p>
+            <a:r>
+              <a:rPr lang="en-US" dirty="0"/>
+              <a:t>Arduino </a:t>
+            </a:r>
+            <a:r>
+              <a:rPr lang="en-US" dirty="0" smtClean="0"/>
+              <a:t>Microprocessor – Success!</a:t>
+            </a:r>
+            <a:endParaRPr lang="en-US" dirty="0"/>
+          </a:p>
+        </p:txBody>
+      </p:sp>
+      <p:sp>
+        <p:nvSpPr>
+          <p:cNvPr id="3" name="Content Placeholder 2"/>
+          <p:cNvSpPr>
+            <a:spLocks noGrp="1"/>
+          </p:cNvSpPr>
+          <p:nvPr>
+            <p:ph idx="1"/>
+          </p:nvPr>
+        </p:nvSpPr>
+        <p:spPr>
+          <a:xfrm>
+            <a:off x="457200" y="914400"/>
+            <a:ext cx="8229600" cy="5211763"/>
+          </a:xfrm>
+        </p:spPr>
+        <p:txBody>
+          <a:bodyPr/>
+          <a:lstStyle/>
+          <a:p>
+            <a:r>
+              <a:rPr lang="en-US" dirty="0" smtClean="0"/>
+              <a:t>Goals</a:t>
+            </a:r>
+          </a:p>
+          <a:p>
+            <a:pPr lvl="1"/>
+            <a:r>
+              <a:rPr lang="en-US" dirty="0" smtClean="0"/>
+              <a:t>Affordable </a:t>
+            </a:r>
+          </a:p>
+          <a:p>
+            <a:pPr lvl="2"/>
+            <a:r>
+              <a:rPr lang="en-US" b="1" dirty="0" smtClean="0">
+                <a:solidFill>
+                  <a:srgbClr val="00B050"/>
+                </a:solidFill>
+              </a:rPr>
+              <a:t>&lt; $30</a:t>
+            </a:r>
+          </a:p>
+          <a:p>
+            <a:pPr lvl="1"/>
+            <a:r>
+              <a:rPr lang="en-US" dirty="0" smtClean="0"/>
+              <a:t>Open Source</a:t>
+            </a:r>
+          </a:p>
+          <a:p>
+            <a:pPr lvl="2"/>
+            <a:r>
+              <a:rPr lang="en-US" b="1" dirty="0" smtClean="0">
+                <a:solidFill>
+                  <a:srgbClr val="00B050"/>
+                </a:solidFill>
+              </a:rPr>
+              <a:t>Creative Commons license</a:t>
+            </a:r>
+          </a:p>
+          <a:p>
+            <a:pPr lvl="1"/>
+            <a:r>
+              <a:rPr lang="en-US" dirty="0" smtClean="0"/>
+              <a:t>Easy to program for beginners</a:t>
+            </a:r>
+          </a:p>
+          <a:p>
+            <a:pPr lvl="2"/>
+            <a:r>
+              <a:rPr lang="en-US" b="1" dirty="0" smtClean="0">
+                <a:solidFill>
+                  <a:srgbClr val="00B050"/>
+                </a:solidFill>
+              </a:rPr>
+              <a:t>700,000 + Official Arduino Boards sold (2013)</a:t>
+            </a:r>
+          </a:p>
+          <a:p>
+            <a:pPr marL="0" indent="0">
+              <a:buNone/>
+            </a:pPr>
+            <a:endParaRPr lang="en-US" dirty="0" smtClean="0"/>
+          </a:p>
+        </p:txBody>
+      </p:sp>
+    </p:spTree>
+    <p:extLst>
+      <p:ext uri="{BB962C8B-B14F-4D97-AF65-F5344CB8AC3E}">
+        <p14:creationId xmlns:p14="http://schemas.microsoft.com/office/powerpoint/2010/main" val="16036672"/>
+      </p:ext>
+    </p:extLst>
+  </p:cSld>
+  <p:clrMapOvr>
+    <a:masterClrMapping/>
+  </p:clrMapOvr>
+  <p:timing>
+    <p:tnLst>
+      <p:par>
+        <p:cTn id="1" dur="indefinite" restart="never" nodeType="tmRoot"/>
+      </p:par>
+    </p:tnLst>
+  </p:timing>
+</p:sld>
+</file>
+
+<file path=ppt/slides/slide8.xml><?xml version="1.0" encoding="utf-8"?>
 <p:sld xmlns:a="http://schemas.openxmlformats.org/drawingml/2006/main" xmlns:r="http://schemas.openxmlformats.org/officeDocument/2006/relationships" xmlns:p="http://schemas.openxmlformats.org/presentationml/2006/main">
   <p:cSld>
     <p:spTree>
@@ -5032,701 +9955,13 @@
   <p:clrMapOvr>
     <a:masterClrMapping/>
   </p:clrMapOvr>
-</p:sld>
-</file>
-
-<file path=ppt/slides/slide4.xml><?xml version="1.0" encoding="utf-8"?>
-<p:sld xmlns:a="http://schemas.openxmlformats.org/drawingml/2006/main" xmlns:r="http://schemas.openxmlformats.org/officeDocument/2006/relationships" xmlns:p="http://schemas.openxmlformats.org/presentationml/2006/main">
-  <p:cSld>
-    <p:spTree>
-      <p:nvGrpSpPr>
-        <p:cNvPr id="1" name=""/>
-        <p:cNvGrpSpPr/>
-        <p:nvPr/>
-      </p:nvGrpSpPr>
-      <p:grpSpPr>
-        <a:xfrm>
-          <a:off x="0" y="0"/>
-          <a:ext cx="0" cy="0"/>
-          <a:chOff x="0" y="0"/>
-          <a:chExt cx="0" cy="0"/>
-        </a:xfrm>
-      </p:grpSpPr>
-      <p:sp>
-        <p:nvSpPr>
-          <p:cNvPr id="2" name="Title 1"/>
-          <p:cNvSpPr>
-            <a:spLocks noGrp="1"/>
-          </p:cNvSpPr>
-          <p:nvPr>
-            <p:ph type="title"/>
-          </p:nvPr>
-        </p:nvSpPr>
-        <p:spPr>
-          <a:xfrm>
-            <a:off x="457200" y="0"/>
-            <a:ext cx="8229600" cy="762000"/>
-          </a:xfrm>
-        </p:spPr>
-        <p:txBody>
-          <a:bodyPr>
-            <a:normAutofit/>
-          </a:bodyPr>
-          <a:lstStyle/>
-          <a:p>
-            <a:r>
-              <a:rPr lang="en-US" dirty="0" smtClean="0"/>
-              <a:t>Design Goals</a:t>
-            </a:r>
-            <a:endParaRPr lang="en-US" dirty="0"/>
-          </a:p>
-        </p:txBody>
-      </p:sp>
-      <p:sp>
-        <p:nvSpPr>
-          <p:cNvPr id="3" name="Content Placeholder 2"/>
-          <p:cNvSpPr>
-            <a:spLocks noGrp="1"/>
-          </p:cNvSpPr>
-          <p:nvPr>
-            <p:ph idx="1"/>
-          </p:nvPr>
-        </p:nvSpPr>
-        <p:spPr>
-          <a:xfrm>
-            <a:off x="457200" y="914400"/>
-            <a:ext cx="8229600" cy="5211763"/>
-          </a:xfrm>
-        </p:spPr>
-        <p:txBody>
-          <a:bodyPr/>
-          <a:lstStyle/>
-          <a:p>
-            <a:r>
-              <a:rPr lang="en-US" dirty="0" smtClean="0"/>
-              <a:t>Designed by 5 students </a:t>
-            </a:r>
-          </a:p>
-          <a:p>
-            <a:pPr lvl="1"/>
-            <a:r>
-              <a:rPr lang="en-US" dirty="0" smtClean="0"/>
-              <a:t>Affordable </a:t>
-            </a:r>
-          </a:p>
-          <a:p>
-            <a:pPr lvl="1"/>
-            <a:r>
-              <a:rPr lang="en-US" dirty="0" smtClean="0"/>
-              <a:t>Open Source </a:t>
-            </a:r>
-          </a:p>
-          <a:p>
-            <a:pPr lvl="1"/>
-            <a:r>
-              <a:rPr lang="en-US" dirty="0" smtClean="0"/>
-              <a:t>Easy to program for beginners</a:t>
-            </a:r>
-          </a:p>
-          <a:p>
-            <a:pPr marL="0" indent="0">
-              <a:buNone/>
-            </a:pPr>
-            <a:endParaRPr lang="en-US" dirty="0" smtClean="0"/>
-          </a:p>
-        </p:txBody>
-      </p:sp>
-    </p:spTree>
-    <p:extLst>
-      <p:ext uri="{BB962C8B-B14F-4D97-AF65-F5344CB8AC3E}">
-        <p14:creationId xmlns:p14="http://schemas.microsoft.com/office/powerpoint/2010/main" val="3854493610"/>
-      </p:ext>
-    </p:extLst>
-  </p:cSld>
-  <p:clrMapOvr>
-    <a:masterClrMapping/>
-  </p:clrMapOvr>
-</p:sld>
-</file>
-
-<file path=ppt/slides/slide5.xml><?xml version="1.0" encoding="utf-8"?>
-<p:sld xmlns:a="http://schemas.openxmlformats.org/drawingml/2006/main" xmlns:r="http://schemas.openxmlformats.org/officeDocument/2006/relationships" xmlns:p="http://schemas.openxmlformats.org/presentationml/2006/main">
-  <p:cSld>
-    <p:spTree>
-      <p:nvGrpSpPr>
-        <p:cNvPr id="1" name=""/>
-        <p:cNvGrpSpPr/>
-        <p:nvPr/>
-      </p:nvGrpSpPr>
-      <p:grpSpPr>
-        <a:xfrm>
-          <a:off x="0" y="0"/>
-          <a:ext cx="0" cy="0"/>
-          <a:chOff x="0" y="0"/>
-          <a:chExt cx="0" cy="0"/>
-        </a:xfrm>
-      </p:grpSpPr>
-      <p:sp>
-        <p:nvSpPr>
-          <p:cNvPr id="2" name="Title 1"/>
-          <p:cNvSpPr>
-            <a:spLocks noGrp="1"/>
-          </p:cNvSpPr>
-          <p:nvPr>
-            <p:ph type="title"/>
-          </p:nvPr>
-        </p:nvSpPr>
-        <p:spPr>
-          <a:xfrm>
-            <a:off x="457200" y="0"/>
-            <a:ext cx="8229600" cy="762000"/>
-          </a:xfrm>
-        </p:spPr>
-        <p:txBody>
-          <a:bodyPr>
-            <a:normAutofit/>
-          </a:bodyPr>
-          <a:lstStyle/>
-          <a:p>
-            <a:r>
-              <a:rPr lang="en-US" dirty="0" smtClean="0"/>
-              <a:t>Design Success!</a:t>
-            </a:r>
-            <a:endParaRPr lang="en-US" dirty="0"/>
-          </a:p>
-        </p:txBody>
-      </p:sp>
-      <p:sp>
-        <p:nvSpPr>
-          <p:cNvPr id="3" name="Content Placeholder 2"/>
-          <p:cNvSpPr>
-            <a:spLocks noGrp="1"/>
-          </p:cNvSpPr>
-          <p:nvPr>
-            <p:ph idx="1"/>
-          </p:nvPr>
-        </p:nvSpPr>
-        <p:spPr>
-          <a:xfrm>
-            <a:off x="457200" y="914400"/>
-            <a:ext cx="8229600" cy="5211763"/>
-          </a:xfrm>
-        </p:spPr>
-        <p:txBody>
-          <a:bodyPr/>
-          <a:lstStyle/>
-          <a:p>
-            <a:r>
-              <a:rPr lang="en-US" dirty="0" smtClean="0"/>
-              <a:t>Designed by 5 students </a:t>
-            </a:r>
-          </a:p>
-          <a:p>
-            <a:pPr lvl="1"/>
-            <a:r>
-              <a:rPr lang="en-US" dirty="0" smtClean="0"/>
-              <a:t>Affordable </a:t>
-            </a:r>
-          </a:p>
-          <a:p>
-            <a:pPr lvl="2"/>
-            <a:r>
-              <a:rPr lang="en-US" b="1" dirty="0" smtClean="0">
-                <a:solidFill>
-                  <a:srgbClr val="00B050"/>
-                </a:solidFill>
-              </a:rPr>
-              <a:t>&lt; $30</a:t>
-            </a:r>
-          </a:p>
-          <a:p>
-            <a:pPr lvl="1"/>
-            <a:r>
-              <a:rPr lang="en-US" dirty="0" smtClean="0"/>
-              <a:t>Open Source</a:t>
-            </a:r>
-          </a:p>
-          <a:p>
-            <a:pPr lvl="2"/>
-            <a:r>
-              <a:rPr lang="en-US" b="1" dirty="0" smtClean="0">
-                <a:solidFill>
-                  <a:srgbClr val="00B050"/>
-                </a:solidFill>
-              </a:rPr>
-              <a:t>Creative Commons license</a:t>
-            </a:r>
-          </a:p>
-          <a:p>
-            <a:pPr lvl="1"/>
-            <a:r>
-              <a:rPr lang="en-US" dirty="0" smtClean="0"/>
-              <a:t>Easy to program for beginners</a:t>
-            </a:r>
-          </a:p>
-          <a:p>
-            <a:pPr lvl="2"/>
-            <a:r>
-              <a:rPr lang="en-US" b="1" dirty="0" smtClean="0">
-                <a:solidFill>
-                  <a:srgbClr val="00B050"/>
-                </a:solidFill>
-              </a:rPr>
-              <a:t>700,000 + Official Arduino Boards sold (2013)</a:t>
-            </a:r>
-          </a:p>
-          <a:p>
-            <a:pPr marL="0" indent="0">
-              <a:buNone/>
-            </a:pPr>
-            <a:endParaRPr lang="en-US" dirty="0" smtClean="0"/>
-          </a:p>
-        </p:txBody>
-      </p:sp>
-    </p:spTree>
-    <p:extLst>
-      <p:ext uri="{BB962C8B-B14F-4D97-AF65-F5344CB8AC3E}">
-        <p14:creationId xmlns:p14="http://schemas.microsoft.com/office/powerpoint/2010/main" val="16036672"/>
-      </p:ext>
-    </p:extLst>
-  </p:cSld>
-  <p:clrMapOvr>
-    <a:masterClrMapping/>
-  </p:clrMapOvr>
-</p:sld>
-</file>
-
-<file path=ppt/slides/slide6.xml><?xml version="1.0" encoding="utf-8"?>
-<p:sld xmlns:a="http://schemas.openxmlformats.org/drawingml/2006/main" xmlns:r="http://schemas.openxmlformats.org/officeDocument/2006/relationships" xmlns:p="http://schemas.openxmlformats.org/presentationml/2006/main">
-  <p:cSld>
-    <p:spTree>
-      <p:nvGrpSpPr>
-        <p:cNvPr id="1" name=""/>
-        <p:cNvGrpSpPr/>
-        <p:nvPr/>
-      </p:nvGrpSpPr>
-      <p:grpSpPr>
-        <a:xfrm>
-          <a:off x="0" y="0"/>
-          <a:ext cx="0" cy="0"/>
-          <a:chOff x="0" y="0"/>
-          <a:chExt cx="0" cy="0"/>
-        </a:xfrm>
-      </p:grpSpPr>
-      <p:sp>
-        <p:nvSpPr>
-          <p:cNvPr id="2" name="Title 1"/>
-          <p:cNvSpPr>
-            <a:spLocks noGrp="1"/>
-          </p:cNvSpPr>
-          <p:nvPr>
-            <p:ph type="title"/>
-          </p:nvPr>
-        </p:nvSpPr>
-        <p:spPr>
-          <a:xfrm>
-            <a:off x="457200" y="0"/>
-            <a:ext cx="8229600" cy="762000"/>
-          </a:xfrm>
-        </p:spPr>
-        <p:txBody>
-          <a:bodyPr>
-            <a:normAutofit/>
-          </a:bodyPr>
-          <a:lstStyle/>
-          <a:p>
-            <a:r>
-              <a:rPr lang="en-US" dirty="0" smtClean="0"/>
-              <a:t>Show and Tell</a:t>
-            </a:r>
-            <a:endParaRPr lang="en-US" dirty="0"/>
-          </a:p>
-        </p:txBody>
-      </p:sp>
-      <p:sp>
-        <p:nvSpPr>
-          <p:cNvPr id="3" name="Content Placeholder 2"/>
-          <p:cNvSpPr>
-            <a:spLocks noGrp="1"/>
-          </p:cNvSpPr>
-          <p:nvPr>
-            <p:ph idx="1"/>
-          </p:nvPr>
-        </p:nvSpPr>
-        <p:spPr>
-          <a:xfrm>
-            <a:off x="457200" y="914400"/>
-            <a:ext cx="8229600" cy="5211763"/>
-          </a:xfrm>
-        </p:spPr>
-        <p:txBody>
-          <a:bodyPr/>
-          <a:lstStyle/>
-          <a:p>
-            <a:r>
-              <a:rPr lang="en-US" dirty="0" smtClean="0"/>
-              <a:t>Arduino Uno R3</a:t>
-            </a:r>
-          </a:p>
-          <a:p>
-            <a:r>
-              <a:rPr lang="en-US" dirty="0" smtClean="0"/>
-              <a:t>Arduino Yun (</a:t>
-            </a:r>
-            <a:r>
-              <a:rPr lang="en-US" dirty="0" err="1" smtClean="0"/>
-              <a:t>linux</a:t>
-            </a:r>
-            <a:r>
-              <a:rPr lang="en-US" dirty="0" smtClean="0"/>
-              <a:t> and </a:t>
-            </a:r>
-            <a:r>
-              <a:rPr lang="en-US" dirty="0" err="1" smtClean="0"/>
-              <a:t>Wifi</a:t>
-            </a:r>
-            <a:r>
-              <a:rPr lang="en-US" dirty="0" smtClean="0"/>
-              <a:t> built in)</a:t>
-            </a:r>
-          </a:p>
-          <a:p>
-            <a:r>
-              <a:rPr lang="en-US" dirty="0" smtClean="0"/>
-              <a:t>Trinket Pro (Arduino compatible)</a:t>
-            </a:r>
-          </a:p>
-          <a:p>
-            <a:r>
-              <a:rPr lang="en-US" dirty="0" smtClean="0"/>
-              <a:t>Shields</a:t>
-            </a:r>
-          </a:p>
-          <a:p>
-            <a:pPr lvl="1"/>
-            <a:r>
-              <a:rPr lang="en-US" dirty="0" smtClean="0"/>
-              <a:t>Motor / Servo controllers</a:t>
-            </a:r>
-          </a:p>
-          <a:p>
-            <a:pPr lvl="1"/>
-            <a:r>
-              <a:rPr lang="en-US" dirty="0" err="1" smtClean="0"/>
-              <a:t>BlueTooth</a:t>
-            </a:r>
-            <a:r>
-              <a:rPr lang="en-US" dirty="0" smtClean="0"/>
-              <a:t> LTE</a:t>
-            </a:r>
-          </a:p>
-          <a:p>
-            <a:pPr lvl="1"/>
-            <a:r>
-              <a:rPr lang="en-US" dirty="0" smtClean="0"/>
-              <a:t>GPS</a:t>
-            </a:r>
-          </a:p>
-          <a:p>
-            <a:pPr lvl="1"/>
-            <a:r>
-              <a:rPr lang="en-US" dirty="0" smtClean="0"/>
-              <a:t>Data Logging</a:t>
-            </a:r>
-          </a:p>
-          <a:p>
-            <a:pPr lvl="1"/>
-            <a:r>
-              <a:rPr lang="en-US" dirty="0" smtClean="0"/>
-              <a:t>Many more!</a:t>
-            </a:r>
-          </a:p>
-          <a:p>
-            <a:pPr lvl="1"/>
-            <a:endParaRPr lang="en-US" dirty="0" smtClean="0"/>
-          </a:p>
-          <a:p>
-            <a:pPr marL="0" indent="0">
-              <a:buNone/>
-            </a:pPr>
-            <a:endParaRPr lang="en-US" dirty="0" smtClean="0"/>
-          </a:p>
-        </p:txBody>
-      </p:sp>
-    </p:spTree>
-    <p:extLst>
-      <p:ext uri="{BB962C8B-B14F-4D97-AF65-F5344CB8AC3E}">
-        <p14:creationId xmlns:p14="http://schemas.microsoft.com/office/powerpoint/2010/main" val="1285366768"/>
-      </p:ext>
-    </p:extLst>
-  </p:cSld>
-  <p:clrMapOvr>
-    <a:masterClrMapping/>
-  </p:clrMapOvr>
-</p:sld>
-</file>
-
-<file path=ppt/slides/slide7.xml><?xml version="1.0" encoding="utf-8"?>
-<p:sld xmlns:a="http://schemas.openxmlformats.org/drawingml/2006/main" xmlns:r="http://schemas.openxmlformats.org/officeDocument/2006/relationships" xmlns:p="http://schemas.openxmlformats.org/presentationml/2006/main">
-  <p:cSld>
-    <p:spTree>
-      <p:nvGrpSpPr>
-        <p:cNvPr id="1" name=""/>
-        <p:cNvGrpSpPr/>
-        <p:nvPr/>
-      </p:nvGrpSpPr>
-      <p:grpSpPr>
-        <a:xfrm>
-          <a:off x="0" y="0"/>
-          <a:ext cx="0" cy="0"/>
-          <a:chOff x="0" y="0"/>
-          <a:chExt cx="0" cy="0"/>
-        </a:xfrm>
-      </p:grpSpPr>
-      <p:sp>
-        <p:nvSpPr>
-          <p:cNvPr id="2" name="Title 1"/>
-          <p:cNvSpPr>
-            <a:spLocks noGrp="1"/>
-          </p:cNvSpPr>
-          <p:nvPr>
-            <p:ph type="title"/>
-          </p:nvPr>
-        </p:nvSpPr>
-        <p:spPr>
-          <a:xfrm>
-            <a:off x="457200" y="0"/>
-            <a:ext cx="8229600" cy="762000"/>
-          </a:xfrm>
-        </p:spPr>
-        <p:txBody>
-          <a:bodyPr>
-            <a:normAutofit/>
-          </a:bodyPr>
-          <a:lstStyle/>
-          <a:p>
-            <a:r>
-              <a:rPr lang="en-US" dirty="0" smtClean="0"/>
-              <a:t>The Cardboard Box for Geeks</a:t>
-            </a:r>
-            <a:endParaRPr lang="en-US" dirty="0"/>
-          </a:p>
-        </p:txBody>
-      </p:sp>
-      <p:sp>
-        <p:nvSpPr>
-          <p:cNvPr id="3" name="Content Placeholder 2"/>
-          <p:cNvSpPr>
-            <a:spLocks noGrp="1"/>
-          </p:cNvSpPr>
-          <p:nvPr>
-            <p:ph idx="1"/>
-          </p:nvPr>
-        </p:nvSpPr>
-        <p:spPr>
-          <a:xfrm>
-            <a:off x="-304800" y="762000"/>
-            <a:ext cx="4114800" cy="5211763"/>
-          </a:xfrm>
-        </p:spPr>
-        <p:txBody>
-          <a:bodyPr lIns="0" rIns="0"/>
-          <a:lstStyle/>
-          <a:p>
-            <a:pPr marL="457200" lvl="1" indent="0">
-              <a:buNone/>
-            </a:pPr>
-            <a:r>
-              <a:rPr lang="en-US" sz="4000" dirty="0" smtClean="0"/>
-              <a:t>Twitter enabled coffee maker.</a:t>
-            </a:r>
-          </a:p>
-          <a:p>
-            <a:pPr marL="457200" lvl="1" indent="0">
-              <a:buNone/>
-            </a:pPr>
-            <a:endParaRPr lang="en-US" dirty="0" smtClean="0"/>
-          </a:p>
-          <a:p>
-            <a:pPr marL="0" indent="0">
-              <a:buNone/>
-            </a:pPr>
-            <a:endParaRPr lang="en-US" dirty="0" smtClean="0"/>
-          </a:p>
-        </p:txBody>
-      </p:sp>
-      <p:pic>
-        <p:nvPicPr>
-          <p:cNvPr id="5" name="Picture 4"/>
-          <p:cNvPicPr>
-            <a:picLocks noChangeAspect="1"/>
-          </p:cNvPicPr>
-          <p:nvPr/>
-        </p:nvPicPr>
-        <p:blipFill>
-          <a:blip r:embed="rId2">
-            <a:extLst>
-              <a:ext uri="{28A0092B-C50C-407E-A947-70E740481C1C}">
-                <a14:useLocalDpi xmlns:a14="http://schemas.microsoft.com/office/drawing/2010/main" val="0"/>
-              </a:ext>
-            </a:extLst>
-          </a:blip>
-          <a:stretch>
-            <a:fillRect/>
-          </a:stretch>
-        </p:blipFill>
-        <p:spPr>
-          <a:xfrm>
-            <a:off x="3580235" y="914400"/>
-            <a:ext cx="4928763" cy="4165600"/>
-          </a:xfrm>
-          <a:prstGeom prst="rect">
-            <a:avLst/>
-          </a:prstGeom>
-        </p:spPr>
-      </p:pic>
-    </p:spTree>
-    <p:extLst>
-      <p:ext uri="{BB962C8B-B14F-4D97-AF65-F5344CB8AC3E}">
-        <p14:creationId xmlns:p14="http://schemas.microsoft.com/office/powerpoint/2010/main" val="1039740330"/>
-      </p:ext>
-    </p:extLst>
-  </p:cSld>
-  <p:clrMapOvr>
-    <a:masterClrMapping/>
-  </p:clrMapOvr>
-</p:sld>
-</file>
-
-<file path=ppt/slides/slide8.xml><?xml version="1.0" encoding="utf-8"?>
-<p:sld xmlns:a="http://schemas.openxmlformats.org/drawingml/2006/main" xmlns:r="http://schemas.openxmlformats.org/officeDocument/2006/relationships" xmlns:p="http://schemas.openxmlformats.org/presentationml/2006/main">
-  <p:cSld>
-    <p:spTree>
-      <p:nvGrpSpPr>
-        <p:cNvPr id="1" name=""/>
-        <p:cNvGrpSpPr/>
-        <p:nvPr/>
-      </p:nvGrpSpPr>
-      <p:grpSpPr>
-        <a:xfrm>
-          <a:off x="0" y="0"/>
-          <a:ext cx="0" cy="0"/>
-          <a:chOff x="0" y="0"/>
-          <a:chExt cx="0" cy="0"/>
-        </a:xfrm>
-      </p:grpSpPr>
-      <p:sp>
-        <p:nvSpPr>
-          <p:cNvPr id="2" name="Title 1"/>
-          <p:cNvSpPr>
-            <a:spLocks noGrp="1"/>
-          </p:cNvSpPr>
-          <p:nvPr>
-            <p:ph type="title"/>
-          </p:nvPr>
-        </p:nvSpPr>
-        <p:spPr>
-          <a:xfrm>
-            <a:off x="457200" y="0"/>
-            <a:ext cx="8229600" cy="762000"/>
-          </a:xfrm>
-        </p:spPr>
-        <p:txBody>
-          <a:bodyPr>
-            <a:normAutofit/>
-          </a:bodyPr>
-          <a:lstStyle/>
-          <a:p>
-            <a:r>
-              <a:rPr lang="en-US" dirty="0" smtClean="0"/>
-              <a:t>The Cardboard Box for Geeks</a:t>
-            </a:r>
-            <a:endParaRPr lang="en-US" dirty="0"/>
-          </a:p>
-        </p:txBody>
-      </p:sp>
-      <p:sp>
-        <p:nvSpPr>
-          <p:cNvPr id="3" name="Content Placeholder 2"/>
-          <p:cNvSpPr>
-            <a:spLocks noGrp="1"/>
-          </p:cNvSpPr>
-          <p:nvPr>
-            <p:ph idx="1"/>
-          </p:nvPr>
-        </p:nvSpPr>
-        <p:spPr>
-          <a:xfrm>
-            <a:off x="-304800" y="762000"/>
-            <a:ext cx="4114800" cy="5211763"/>
-          </a:xfrm>
-        </p:spPr>
-        <p:txBody>
-          <a:bodyPr lIns="0" rIns="0"/>
-          <a:lstStyle/>
-          <a:p>
-            <a:pPr marL="457200" lvl="1" indent="0">
-              <a:buNone/>
-            </a:pPr>
-            <a:r>
-              <a:rPr lang="en-US" sz="4000" dirty="0" smtClean="0"/>
-              <a:t>Remote Bartender.</a:t>
-            </a:r>
-          </a:p>
-          <a:p>
-            <a:pPr marL="457200" lvl="1" indent="0">
-              <a:buNone/>
-            </a:pPr>
-            <a:endParaRPr lang="en-US" dirty="0" smtClean="0"/>
-          </a:p>
-          <a:p>
-            <a:pPr marL="0" indent="0">
-              <a:buNone/>
-            </a:pPr>
-            <a:endParaRPr lang="en-US" dirty="0" smtClean="0"/>
-          </a:p>
-        </p:txBody>
-      </p:sp>
-      <p:pic>
-        <p:nvPicPr>
-          <p:cNvPr id="4" name="Picture 3"/>
-          <p:cNvPicPr>
-            <a:picLocks noChangeAspect="1"/>
-          </p:cNvPicPr>
-          <p:nvPr/>
-        </p:nvPicPr>
-        <p:blipFill>
-          <a:blip r:embed="rId2">
-            <a:extLst>
-              <a:ext uri="{28A0092B-C50C-407E-A947-70E740481C1C}">
-                <a14:useLocalDpi xmlns:a14="http://schemas.microsoft.com/office/drawing/2010/main" val="0"/>
-              </a:ext>
-            </a:extLst>
-          </a:blip>
-          <a:stretch>
-            <a:fillRect/>
-          </a:stretch>
-        </p:blipFill>
-        <p:spPr>
-          <a:xfrm>
-            <a:off x="2895600" y="990600"/>
-            <a:ext cx="5486400" cy="3086100"/>
-          </a:xfrm>
-          <a:prstGeom prst="rect">
-            <a:avLst/>
-          </a:prstGeom>
-        </p:spPr>
-      </p:pic>
-    </p:spTree>
-    <p:extLst>
-      <p:ext uri="{BB962C8B-B14F-4D97-AF65-F5344CB8AC3E}">
-        <p14:creationId xmlns:p14="http://schemas.microsoft.com/office/powerpoint/2010/main" val="428968510"/>
-      </p:ext>
-    </p:extLst>
-  </p:cSld>
-  <p:clrMapOvr>
-    <a:masterClrMapping/>
-  </p:clrMapOvr>
+  <p:timing>
+    <p:tnLst>
+      <p:par>
+        <p:cTn id="1" dur="indefinite" restart="never" nodeType="tmRoot"/>
+      </p:par>
+    </p:tnLst>
+  </p:timing>
 </p:sld>
 </file>
 
@@ -5771,7 +10006,7 @@
           <a:p>
             <a:r>
               <a:rPr lang="en-US" dirty="0" smtClean="0"/>
-              <a:t>The Cardboard Box for Geeks</a:t>
+              <a:t>Arduino Boards</a:t>
             </a:r>
             <a:endParaRPr lang="en-US" dirty="0"/>
           </a:p>
@@ -5789,76 +10024,121 @@
         </p:nvSpPr>
         <p:spPr>
           <a:xfrm>
-            <a:off x="-304800" y="762000"/>
-            <a:ext cx="4114800" cy="5211763"/>
-          </a:xfrm>
-        </p:spPr>
-        <p:txBody>
-          <a:bodyPr lIns="0" rIns="0"/>
-          <a:lstStyle/>
-          <a:p>
-            <a:pPr marL="457200" lvl="1" indent="0">
-              <a:buNone/>
-            </a:pPr>
-            <a:r>
-              <a:rPr lang="en-US" sz="4000" dirty="0" smtClean="0"/>
-              <a:t>Shoes that flash when you walk.</a:t>
-            </a:r>
-          </a:p>
-          <a:p>
-            <a:pPr marL="457200" lvl="1" indent="0">
+            <a:off x="457200" y="914400"/>
+            <a:ext cx="8229600" cy="5211763"/>
+          </a:xfrm>
+        </p:spPr>
+        <p:txBody>
+          <a:bodyPr/>
+          <a:lstStyle/>
+          <a:p>
+            <a:r>
+              <a:rPr lang="en-US" dirty="0" smtClean="0"/>
+              <a:t>Arduino Uno R3</a:t>
+            </a:r>
+          </a:p>
+          <a:p>
+            <a:r>
+              <a:rPr lang="en-US" dirty="0" smtClean="0"/>
+              <a:t>Arduino Yun (</a:t>
+            </a:r>
+            <a:r>
+              <a:rPr lang="en-US" dirty="0" err="1" smtClean="0"/>
+              <a:t>linux</a:t>
+            </a:r>
+            <a:r>
+              <a:rPr lang="en-US" dirty="0" smtClean="0"/>
+              <a:t> and </a:t>
+            </a:r>
+            <a:r>
+              <a:rPr lang="en-US" dirty="0" err="1" smtClean="0"/>
+              <a:t>Wifi</a:t>
+            </a:r>
+            <a:r>
+              <a:rPr lang="en-US" dirty="0" smtClean="0"/>
+              <a:t> built in)</a:t>
+            </a:r>
+          </a:p>
+          <a:p>
+            <a:r>
+              <a:rPr lang="en-US" dirty="0" smtClean="0"/>
+              <a:t>Trinket Pro (Arduino compatible)</a:t>
+            </a:r>
+          </a:p>
+          <a:p>
+            <a:r>
+              <a:rPr lang="en-US" dirty="0" smtClean="0"/>
+              <a:t>Shields</a:t>
+            </a:r>
+          </a:p>
+          <a:p>
+            <a:pPr lvl="1"/>
+            <a:r>
+              <a:rPr lang="en-US" dirty="0" smtClean="0"/>
+              <a:t>Motor / Servo controllers</a:t>
+            </a:r>
+          </a:p>
+          <a:p>
+            <a:pPr lvl="1"/>
+            <a:r>
+              <a:rPr lang="en-US" dirty="0" err="1" smtClean="0"/>
+              <a:t>BlueTooth</a:t>
+            </a:r>
+            <a:r>
+              <a:rPr lang="en-US" dirty="0" smtClean="0"/>
+              <a:t> LTE</a:t>
+            </a:r>
+          </a:p>
+          <a:p>
+            <a:pPr lvl="1"/>
+            <a:r>
+              <a:rPr lang="en-US" dirty="0" smtClean="0"/>
+              <a:t>GPS</a:t>
+            </a:r>
+          </a:p>
+          <a:p>
+            <a:pPr lvl="1"/>
+            <a:r>
+              <a:rPr lang="en-US" dirty="0" smtClean="0"/>
+              <a:t>Data Logging</a:t>
+            </a:r>
+          </a:p>
+          <a:p>
+            <a:pPr lvl="1"/>
+            <a:r>
+              <a:rPr lang="en-US" dirty="0" smtClean="0"/>
+              <a:t>Many more!</a:t>
+            </a:r>
+          </a:p>
+          <a:p>
+            <a:pPr lvl="1"/>
+            <a:endParaRPr lang="en-US" dirty="0" smtClean="0"/>
+          </a:p>
+          <a:p>
+            <a:pPr marL="0" indent="0">
               <a:buNone/>
             </a:pPr>
             <a:endParaRPr lang="en-US" dirty="0" smtClean="0"/>
           </a:p>
-          <a:p>
-            <a:pPr marL="0" indent="0">
-              <a:buNone/>
-            </a:pPr>
-            <a:endParaRPr lang="en-US" dirty="0" smtClean="0"/>
-          </a:p>
-        </p:txBody>
-      </p:sp>
-      <p:pic>
-        <p:nvPicPr>
-          <p:cNvPr id="4" name="Picture 3"/>
-          <p:cNvPicPr>
-            <a:picLocks noChangeAspect="1"/>
-          </p:cNvPicPr>
-          <p:nvPr/>
-        </p:nvPicPr>
-        <p:blipFill>
-          <a:blip r:embed="rId2" cstate="print">
-            <a:extLst>
-              <a:ext uri="{28A0092B-C50C-407E-A947-70E740481C1C}">
-                <a14:useLocalDpi xmlns:a14="http://schemas.microsoft.com/office/drawing/2010/main" val="0"/>
-              </a:ext>
-            </a:extLst>
-          </a:blip>
-          <a:stretch>
-            <a:fillRect/>
-          </a:stretch>
-        </p:blipFill>
-        <p:spPr>
-          <a:xfrm>
-            <a:off x="4038600" y="762000"/>
-            <a:ext cx="4114800" cy="4423410"/>
-          </a:xfrm>
-          <a:prstGeom prst="rect">
-            <a:avLst/>
-          </a:prstGeom>
-        </p:spPr>
-      </p:pic>
+        </p:txBody>
+      </p:sp>
     </p:spTree>
     <p:extLst>
       <p:ext uri="{BB962C8B-B14F-4D97-AF65-F5344CB8AC3E}">
-        <p14:creationId xmlns:p14="http://schemas.microsoft.com/office/powerpoint/2010/main" val="125217602"/>
+        <p14:creationId xmlns:p14="http://schemas.microsoft.com/office/powerpoint/2010/main" val="1285366768"/>
       </p:ext>
     </p:extLst>
   </p:cSld>
   <p:clrMapOvr>
     <a:masterClrMapping/>
   </p:clrMapOvr>
+  <p:timing>
+    <p:tnLst>
+      <p:par>
+        <p:cTn id="1" dur="indefinite" restart="never" nodeType="tmRoot"/>
+      </p:par>
+    </p:tnLst>
+  </p:timing>
 </p:sld>
 </file>
 
